--- a/Presentation/alternative slide style.pptx
+++ b/Presentation/alternative slide style.pptx
@@ -4,8 +4,21 @@
   <p:sldMasterIdLst>
     <p:sldMasterId id="2147483648" r:id="rId1"/>
   </p:sldMasterIdLst>
+  <p:notesMasterIdLst>
+    <p:notesMasterId r:id="rId13"/>
+  </p:notesMasterIdLst>
   <p:sldIdLst>
     <p:sldId id="256" r:id="rId2"/>
+    <p:sldId id="257" r:id="rId3"/>
+    <p:sldId id="259" r:id="rId4"/>
+    <p:sldId id="260" r:id="rId5"/>
+    <p:sldId id="261" r:id="rId6"/>
+    <p:sldId id="262" r:id="rId7"/>
+    <p:sldId id="263" r:id="rId8"/>
+    <p:sldId id="264" r:id="rId9"/>
+    <p:sldId id="265" r:id="rId10"/>
+    <p:sldId id="267" r:id="rId11"/>
+    <p:sldId id="266" r:id="rId12"/>
   </p:sldIdLst>
   <p:sldSz cx="12192000" cy="6858000"/>
   <p:notesSz cx="6858000" cy="9144000"/>
@@ -104,15 +117,28 @@
       </a:defRPr>
     </a:lvl9pPr>
   </p:defaultTextStyle>
+  <p:extLst>
+    <p:ext uri="{EFAFB233-063F-42B5-8137-9DF3F51BA10A}">
+      <p15:sldGuideLst xmlns:p15="http://schemas.microsoft.com/office/powerpoint/2012/main"/>
+    </p:ext>
+  </p:extLst>
 </p:presentation>
+</file>
+
+<file path=ppt/revisionInfo.xml><?xml version="1.0" encoding="utf-8"?>
+<p1510:revInfo xmlns:a="http://schemas.openxmlformats.org/drawingml/2006/main" xmlns:r="http://schemas.openxmlformats.org/officeDocument/2006/relationships" xmlns:p1510="http://schemas.microsoft.com/office/powerpoint/2015/10/main">
+  <p1510:revLst>
+    <p1510:client id="{242CA37B-D343-CF4C-B6EE-E125BA52114D}" v="58" dt="2021-12-16T10:55:29.789"/>
+  </p1510:revLst>
+</p1510:revInfo>
 </file>
 
 <file path=ppt/changesInfos/changesInfo1.xml><?xml version="1.0" encoding="utf-8"?>
 <pc:chgInfo xmlns:a="http://schemas.openxmlformats.org/drawingml/2006/main" xmlns:r="http://schemas.openxmlformats.org/officeDocument/2006/relationships" xmlns:ac="http://schemas.microsoft.com/office/drawing/2013/main/command" xmlns:pc="http://schemas.microsoft.com/office/powerpoint/2013/main/command">
   <pc:docChgLst>
     <pc:chgData name="Peter Mordaunt" userId="bb5abcbb151840ed" providerId="LiveId" clId="{242CA37B-D343-CF4C-B6EE-E125BA52114D}"/>
-    <pc:docChg chg="modSld">
-      <pc:chgData name="Peter Mordaunt" userId="bb5abcbb151840ed" providerId="LiveId" clId="{242CA37B-D343-CF4C-B6EE-E125BA52114D}" dt="2021-12-11T17:46:12.950" v="2" actId="20577"/>
+    <pc:docChg chg="undo redo custSel addSld delSld modSld sldOrd">
+      <pc:chgData name="Peter Mordaunt" userId="bb5abcbb151840ed" providerId="LiveId" clId="{242CA37B-D343-CF4C-B6EE-E125BA52114D}" dt="2021-12-16T10:55:40.996" v="1215" actId="207"/>
       <pc:docMkLst>
         <pc:docMk/>
       </pc:docMkLst>
@@ -131,9 +157,1952 @@
           </ac:spMkLst>
         </pc:spChg>
       </pc:sldChg>
+      <pc:sldChg chg="addSp modSp new mod setBg setClrOvrMap modNotesTx">
+        <pc:chgData name="Peter Mordaunt" userId="bb5abcbb151840ed" providerId="LiveId" clId="{242CA37B-D343-CF4C-B6EE-E125BA52114D}" dt="2021-12-16T09:06:59.459" v="865" actId="20577"/>
+        <pc:sldMkLst>
+          <pc:docMk/>
+          <pc:sldMk cId="3762692199" sldId="257"/>
+        </pc:sldMkLst>
+        <pc:spChg chg="mod">
+          <ac:chgData name="Peter Mordaunt" userId="bb5abcbb151840ed" providerId="LiveId" clId="{242CA37B-D343-CF4C-B6EE-E125BA52114D}" dt="2021-12-16T00:07:15.105" v="13" actId="207"/>
+          <ac:spMkLst>
+            <pc:docMk/>
+            <pc:sldMk cId="3762692199" sldId="257"/>
+            <ac:spMk id="2" creationId="{2A1FDE18-7FBD-494A-8F21-A4BB3D3455B5}"/>
+          </ac:spMkLst>
+        </pc:spChg>
+        <pc:spChg chg="add mod">
+          <ac:chgData name="Peter Mordaunt" userId="bb5abcbb151840ed" providerId="LiveId" clId="{242CA37B-D343-CF4C-B6EE-E125BA52114D}" dt="2021-12-16T00:07:55.323" v="19" actId="1076"/>
+          <ac:spMkLst>
+            <pc:docMk/>
+            <pc:sldMk cId="3762692199" sldId="257"/>
+            <ac:spMk id="3" creationId="{6DA37725-DCCF-8643-987C-86DBCFE0BF80}"/>
+          </ac:spMkLst>
+        </pc:spChg>
+        <pc:spChg chg="add">
+          <ac:chgData name="Peter Mordaunt" userId="bb5abcbb151840ed" providerId="LiveId" clId="{242CA37B-D343-CF4C-B6EE-E125BA52114D}" dt="2021-12-16T00:06:31.441" v="4" actId="26606"/>
+          <ac:spMkLst>
+            <pc:docMk/>
+            <pc:sldMk cId="3762692199" sldId="257"/>
+            <ac:spMk id="7" creationId="{66B332A4-D438-4773-A77F-5ED49A448D9D}"/>
+          </ac:spMkLst>
+        </pc:spChg>
+        <pc:spChg chg="add">
+          <ac:chgData name="Peter Mordaunt" userId="bb5abcbb151840ed" providerId="LiveId" clId="{242CA37B-D343-CF4C-B6EE-E125BA52114D}" dt="2021-12-16T00:06:31.441" v="4" actId="26606"/>
+          <ac:spMkLst>
+            <pc:docMk/>
+            <pc:sldMk cId="3762692199" sldId="257"/>
+            <ac:spMk id="9" creationId="{DF9AD32D-FF05-44F4-BD4D-9CEE89B71EB9}"/>
+          </ac:spMkLst>
+        </pc:spChg>
+        <pc:picChg chg="add mod">
+          <ac:chgData name="Peter Mordaunt" userId="bb5abcbb151840ed" providerId="LiveId" clId="{242CA37B-D343-CF4C-B6EE-E125BA52114D}" dt="2021-12-16T00:36:41.429" v="330"/>
+          <ac:picMkLst>
+            <pc:docMk/>
+            <pc:sldMk cId="3762692199" sldId="257"/>
+            <ac:picMk id="6" creationId="{AF37568B-CFD8-0E48-BE09-D264538960EB}"/>
+          </ac:picMkLst>
+        </pc:picChg>
+      </pc:sldChg>
+      <pc:sldChg chg="new del">
+        <pc:chgData name="Peter Mordaunt" userId="bb5abcbb151840ed" providerId="LiveId" clId="{242CA37B-D343-CF4C-B6EE-E125BA52114D}" dt="2021-12-16T00:08:36.947" v="22" actId="2696"/>
+        <pc:sldMkLst>
+          <pc:docMk/>
+          <pc:sldMk cId="557192901" sldId="258"/>
+        </pc:sldMkLst>
+      </pc:sldChg>
+      <pc:sldChg chg="addSp modSp add mod modNotesTx">
+        <pc:chgData name="Peter Mordaunt" userId="bb5abcbb151840ed" providerId="LiveId" clId="{242CA37B-D343-CF4C-B6EE-E125BA52114D}" dt="2021-12-16T09:09:49.521" v="1010" actId="20577"/>
+        <pc:sldMkLst>
+          <pc:docMk/>
+          <pc:sldMk cId="2621828711" sldId="259"/>
+        </pc:sldMkLst>
+        <pc:spChg chg="mod">
+          <ac:chgData name="Peter Mordaunt" userId="bb5abcbb151840ed" providerId="LiveId" clId="{242CA37B-D343-CF4C-B6EE-E125BA52114D}" dt="2021-12-16T00:10:51.410" v="43" actId="1076"/>
+          <ac:spMkLst>
+            <pc:docMk/>
+            <pc:sldMk cId="2621828711" sldId="259"/>
+            <ac:spMk id="3" creationId="{6DA37725-DCCF-8643-987C-86DBCFE0BF80}"/>
+          </ac:spMkLst>
+        </pc:spChg>
+        <pc:picChg chg="add mod">
+          <ac:chgData name="Peter Mordaunt" userId="bb5abcbb151840ed" providerId="LiveId" clId="{242CA37B-D343-CF4C-B6EE-E125BA52114D}" dt="2021-12-16T00:36:35.098" v="329" actId="1076"/>
+          <ac:picMkLst>
+            <pc:docMk/>
+            <pc:sldMk cId="2621828711" sldId="259"/>
+            <ac:picMk id="6" creationId="{3D491C85-DB87-BC4F-AB0A-E40FFB5E0CEE}"/>
+          </ac:picMkLst>
+        </pc:picChg>
+      </pc:sldChg>
+      <pc:sldChg chg="addSp delSp modSp new mod ord setBg modNotesTx">
+        <pc:chgData name="Peter Mordaunt" userId="bb5abcbb151840ed" providerId="LiveId" clId="{242CA37B-D343-CF4C-B6EE-E125BA52114D}" dt="2021-12-16T09:08:09.115" v="963" actId="20577"/>
+        <pc:sldMkLst>
+          <pc:docMk/>
+          <pc:sldMk cId="2477628948" sldId="260"/>
+        </pc:sldMkLst>
+        <pc:spChg chg="mod">
+          <ac:chgData name="Peter Mordaunt" userId="bb5abcbb151840ed" providerId="LiveId" clId="{242CA37B-D343-CF4C-B6EE-E125BA52114D}" dt="2021-12-16T00:12:43.809" v="66" actId="26606"/>
+          <ac:spMkLst>
+            <pc:docMk/>
+            <pc:sldMk cId="2477628948" sldId="260"/>
+            <ac:spMk id="2" creationId="{720C72A5-AFFF-AC4F-BD18-71AB4D2989A7}"/>
+          </ac:spMkLst>
+        </pc:spChg>
+        <pc:spChg chg="add del">
+          <ac:chgData name="Peter Mordaunt" userId="bb5abcbb151840ed" providerId="LiveId" clId="{242CA37B-D343-CF4C-B6EE-E125BA52114D}" dt="2021-12-16T00:12:07.895" v="63" actId="26606"/>
+          <ac:spMkLst>
+            <pc:docMk/>
+            <pc:sldMk cId="2477628948" sldId="260"/>
+            <ac:spMk id="10" creationId="{7F57BEA8-497D-4AA8-8A18-BDCD696B25FE}"/>
+          </ac:spMkLst>
+        </pc:spChg>
+        <pc:spChg chg="add del">
+          <ac:chgData name="Peter Mordaunt" userId="bb5abcbb151840ed" providerId="LiveId" clId="{242CA37B-D343-CF4C-B6EE-E125BA52114D}" dt="2021-12-16T00:12:43.803" v="65" actId="26606"/>
+          <ac:spMkLst>
+            <pc:docMk/>
+            <pc:sldMk cId="2477628948" sldId="260"/>
+            <ac:spMk id="16" creationId="{76906711-0AFB-47DD-A4B6-4E94B38B8C91}"/>
+          </ac:spMkLst>
+        </pc:spChg>
+        <pc:spChg chg="add del">
+          <ac:chgData name="Peter Mordaunt" userId="bb5abcbb151840ed" providerId="LiveId" clId="{242CA37B-D343-CF4C-B6EE-E125BA52114D}" dt="2021-12-16T00:12:43.803" v="65" actId="26606"/>
+          <ac:spMkLst>
+            <pc:docMk/>
+            <pc:sldMk cId="2477628948" sldId="260"/>
+            <ac:spMk id="17" creationId="{AA91F649-894C-41F6-A21D-3D1AC558E934}"/>
+          </ac:spMkLst>
+        </pc:spChg>
+        <pc:spChg chg="add del">
+          <ac:chgData name="Peter Mordaunt" userId="bb5abcbb151840ed" providerId="LiveId" clId="{242CA37B-D343-CF4C-B6EE-E125BA52114D}" dt="2021-12-16T00:12:43.803" v="65" actId="26606"/>
+          <ac:spMkLst>
+            <pc:docMk/>
+            <pc:sldMk cId="2477628948" sldId="260"/>
+            <ac:spMk id="18" creationId="{56037404-66BD-46B5-9323-1B531319671A}"/>
+          </ac:spMkLst>
+        </pc:spChg>
+        <pc:spChg chg="add">
+          <ac:chgData name="Peter Mordaunt" userId="bb5abcbb151840ed" providerId="LiveId" clId="{242CA37B-D343-CF4C-B6EE-E125BA52114D}" dt="2021-12-16T00:12:43.809" v="66" actId="26606"/>
+          <ac:spMkLst>
+            <pc:docMk/>
+            <pc:sldMk cId="2477628948" sldId="260"/>
+            <ac:spMk id="20" creationId="{823AC064-BC96-4F32-8AE1-B2FD38754823}"/>
+          </ac:spMkLst>
+        </pc:spChg>
+        <pc:picChg chg="add mod">
+          <ac:chgData name="Peter Mordaunt" userId="bb5abcbb151840ed" providerId="LiveId" clId="{242CA37B-D343-CF4C-B6EE-E125BA52114D}" dt="2021-12-16T00:12:43.809" v="66" actId="26606"/>
+          <ac:picMkLst>
+            <pc:docMk/>
+            <pc:sldMk cId="2477628948" sldId="260"/>
+            <ac:picMk id="3" creationId="{753EA9AC-EF8D-A544-8C6F-82F36CE815F4}"/>
+          </ac:picMkLst>
+        </pc:picChg>
+        <pc:cxnChg chg="add del">
+          <ac:chgData name="Peter Mordaunt" userId="bb5abcbb151840ed" providerId="LiveId" clId="{242CA37B-D343-CF4C-B6EE-E125BA52114D}" dt="2021-12-16T00:12:07.895" v="63" actId="26606"/>
+          <ac:cxnSpMkLst>
+            <pc:docMk/>
+            <pc:sldMk cId="2477628948" sldId="260"/>
+            <ac:cxnSpMk id="8" creationId="{D2E961F1-4A28-4A5F-BBD4-6E400E5E6C75}"/>
+          </ac:cxnSpMkLst>
+        </pc:cxnChg>
+        <pc:cxnChg chg="add del">
+          <ac:chgData name="Peter Mordaunt" userId="bb5abcbb151840ed" providerId="LiveId" clId="{242CA37B-D343-CF4C-B6EE-E125BA52114D}" dt="2021-12-16T00:12:07.895" v="63" actId="26606"/>
+          <ac:cxnSpMkLst>
+            <pc:docMk/>
+            <pc:sldMk cId="2477628948" sldId="260"/>
+            <ac:cxnSpMk id="12" creationId="{A82415D3-DDE5-4D63-8CB3-23A5EC581B27}"/>
+          </ac:cxnSpMkLst>
+        </pc:cxnChg>
+        <pc:cxnChg chg="add del">
+          <ac:chgData name="Peter Mordaunt" userId="bb5abcbb151840ed" providerId="LiveId" clId="{242CA37B-D343-CF4C-B6EE-E125BA52114D}" dt="2021-12-16T00:12:07.895" v="63" actId="26606"/>
+          <ac:cxnSpMkLst>
+            <pc:docMk/>
+            <pc:sldMk cId="2477628948" sldId="260"/>
+            <ac:cxnSpMk id="14" creationId="{AD7193FB-6AE6-4B3B-8F89-56B55DD63B4D}"/>
+          </ac:cxnSpMkLst>
+        </pc:cxnChg>
+        <pc:cxnChg chg="add">
+          <ac:chgData name="Peter Mordaunt" userId="bb5abcbb151840ed" providerId="LiveId" clId="{242CA37B-D343-CF4C-B6EE-E125BA52114D}" dt="2021-12-16T00:12:43.809" v="66" actId="26606"/>
+          <ac:cxnSpMkLst>
+            <pc:docMk/>
+            <pc:sldMk cId="2477628948" sldId="260"/>
+            <ac:cxnSpMk id="21" creationId="{7E7C77BC-7138-40B1-A15B-20F57A494629}"/>
+          </ac:cxnSpMkLst>
+        </pc:cxnChg>
+      </pc:sldChg>
+      <pc:sldChg chg="addSp delSp modSp add mod modNotesTx">
+        <pc:chgData name="Peter Mordaunt" userId="bb5abcbb151840ed" providerId="LiveId" clId="{242CA37B-D343-CF4C-B6EE-E125BA52114D}" dt="2021-12-16T00:51:09.484" v="502" actId="20577"/>
+        <pc:sldMkLst>
+          <pc:docMk/>
+          <pc:sldMk cId="2671660596" sldId="261"/>
+        </pc:sldMkLst>
+        <pc:spChg chg="del mod">
+          <ac:chgData name="Peter Mordaunt" userId="bb5abcbb151840ed" providerId="LiveId" clId="{242CA37B-D343-CF4C-B6EE-E125BA52114D}" dt="2021-12-16T00:14:21.060" v="71" actId="478"/>
+          <ac:spMkLst>
+            <pc:docMk/>
+            <pc:sldMk cId="2671660596" sldId="261"/>
+            <ac:spMk id="2" creationId="{2A1FDE18-7FBD-494A-8F21-A4BB3D3455B5}"/>
+          </ac:spMkLst>
+        </pc:spChg>
+        <pc:spChg chg="del">
+          <ac:chgData name="Peter Mordaunt" userId="bb5abcbb151840ed" providerId="LiveId" clId="{242CA37B-D343-CF4C-B6EE-E125BA52114D}" dt="2021-12-16T00:14:15.267" v="69" actId="478"/>
+          <ac:spMkLst>
+            <pc:docMk/>
+            <pc:sldMk cId="2671660596" sldId="261"/>
+            <ac:spMk id="3" creationId="{6DA37725-DCCF-8643-987C-86DBCFE0BF80}"/>
+          </ac:spMkLst>
+        </pc:spChg>
+        <pc:spChg chg="add mod">
+          <ac:chgData name="Peter Mordaunt" userId="bb5abcbb151840ed" providerId="LiveId" clId="{242CA37B-D343-CF4C-B6EE-E125BA52114D}" dt="2021-12-16T00:15:26.629" v="91" actId="1076"/>
+          <ac:spMkLst>
+            <pc:docMk/>
+            <pc:sldMk cId="2671660596" sldId="261"/>
+            <ac:spMk id="5" creationId="{9AB70B66-5B1A-A844-A99B-F8548ABEB40A}"/>
+          </ac:spMkLst>
+        </pc:spChg>
+        <pc:picChg chg="add mod">
+          <ac:chgData name="Peter Mordaunt" userId="bb5abcbb151840ed" providerId="LiveId" clId="{242CA37B-D343-CF4C-B6EE-E125BA52114D}" dt="2021-12-16T00:15:31.828" v="92" actId="1076"/>
+          <ac:picMkLst>
+            <pc:docMk/>
+            <pc:sldMk cId="2671660596" sldId="261"/>
+            <ac:picMk id="8" creationId="{23813118-05CD-3247-B95C-DC6B47C31A59}"/>
+          </ac:picMkLst>
+        </pc:picChg>
+        <pc:picChg chg="add mod">
+          <ac:chgData name="Peter Mordaunt" userId="bb5abcbb151840ed" providerId="LiveId" clId="{242CA37B-D343-CF4C-B6EE-E125BA52114D}" dt="2021-12-16T00:37:11.717" v="332"/>
+          <ac:picMkLst>
+            <pc:docMk/>
+            <pc:sldMk cId="2671660596" sldId="261"/>
+            <ac:picMk id="10" creationId="{5DDA4FC7-389E-4942-9E2E-92C34A47E73A}"/>
+          </ac:picMkLst>
+        </pc:picChg>
+      </pc:sldChg>
+      <pc:sldChg chg="addSp delSp modSp new del mod setBg setClrOvrMap">
+        <pc:chgData name="Peter Mordaunt" userId="bb5abcbb151840ed" providerId="LiveId" clId="{242CA37B-D343-CF4C-B6EE-E125BA52114D}" dt="2021-12-16T00:19:02.459" v="106" actId="2696"/>
+        <pc:sldMkLst>
+          <pc:docMk/>
+          <pc:sldMk cId="364138492" sldId="262"/>
+        </pc:sldMkLst>
+        <pc:spChg chg="del mod">
+          <ac:chgData name="Peter Mordaunt" userId="bb5abcbb151840ed" providerId="LiveId" clId="{242CA37B-D343-CF4C-B6EE-E125BA52114D}" dt="2021-12-16T00:17:12.783" v="96" actId="478"/>
+          <ac:spMkLst>
+            <pc:docMk/>
+            <pc:sldMk cId="364138492" sldId="262"/>
+            <ac:spMk id="2" creationId="{07FEC9AF-DA5B-AF43-84D5-722EF6C9CFD3}"/>
+          </ac:spMkLst>
+        </pc:spChg>
+        <pc:spChg chg="add del">
+          <ac:chgData name="Peter Mordaunt" userId="bb5abcbb151840ed" providerId="LiveId" clId="{242CA37B-D343-CF4C-B6EE-E125BA52114D}" dt="2021-12-16T00:18:27.004" v="102" actId="26606"/>
+          <ac:spMkLst>
+            <pc:docMk/>
+            <pc:sldMk cId="364138492" sldId="262"/>
+            <ac:spMk id="7" creationId="{DA3C47C2-33A2-44B2-BEAB-FEB679075C24}"/>
+          </ac:spMkLst>
+        </pc:spChg>
+        <pc:spChg chg="mod">
+          <ac:chgData name="Peter Mordaunt" userId="bb5abcbb151840ed" providerId="LiveId" clId="{242CA37B-D343-CF4C-B6EE-E125BA52114D}" dt="2021-12-16T00:17:03.114" v="95"/>
+          <ac:spMkLst>
+            <pc:docMk/>
+            <pc:sldMk cId="364138492" sldId="262"/>
+            <ac:spMk id="8" creationId="{8B551813-6BF4-3842-B077-B9AD293E7F26}"/>
+          </ac:spMkLst>
+        </pc:spChg>
+        <pc:spChg chg="add del">
+          <ac:chgData name="Peter Mordaunt" userId="bb5abcbb151840ed" providerId="LiveId" clId="{242CA37B-D343-CF4C-B6EE-E125BA52114D}" dt="2021-12-16T00:18:27.004" v="102" actId="26606"/>
+          <ac:spMkLst>
+            <pc:docMk/>
+            <pc:sldMk cId="364138492" sldId="262"/>
+            <ac:spMk id="9" creationId="{AD182BA8-54AD-4D9F-8264-B0FA8BB47D7C}"/>
+          </ac:spMkLst>
+        </pc:spChg>
+        <pc:spChg chg="mod">
+          <ac:chgData name="Peter Mordaunt" userId="bb5abcbb151840ed" providerId="LiveId" clId="{242CA37B-D343-CF4C-B6EE-E125BA52114D}" dt="2021-12-16T00:17:03.114" v="95"/>
+          <ac:spMkLst>
+            <pc:docMk/>
+            <pc:sldMk cId="364138492" sldId="262"/>
+            <ac:spMk id="10" creationId="{904EE01D-CE94-BB44-8925-28D9B01AC53C}"/>
+          </ac:spMkLst>
+        </pc:spChg>
+        <pc:spChg chg="add del">
+          <ac:chgData name="Peter Mordaunt" userId="bb5abcbb151840ed" providerId="LiveId" clId="{242CA37B-D343-CF4C-B6EE-E125BA52114D}" dt="2021-12-16T00:18:27.004" v="102" actId="26606"/>
+          <ac:spMkLst>
+            <pc:docMk/>
+            <pc:sldMk cId="364138492" sldId="262"/>
+            <ac:spMk id="11" creationId="{4ED83379-0499-45E1-AB78-6AA230F96442}"/>
+          </ac:spMkLst>
+        </pc:spChg>
+        <pc:spChg chg="mod">
+          <ac:chgData name="Peter Mordaunt" userId="bb5abcbb151840ed" providerId="LiveId" clId="{242CA37B-D343-CF4C-B6EE-E125BA52114D}" dt="2021-12-16T00:17:03.114" v="95"/>
+          <ac:spMkLst>
+            <pc:docMk/>
+            <pc:sldMk cId="364138492" sldId="262"/>
+            <ac:spMk id="12" creationId="{91DF3208-ED92-DE4D-9E5F-5DCC544AB6A2}"/>
+          </ac:spMkLst>
+        </pc:spChg>
+        <pc:spChg chg="add">
+          <ac:chgData name="Peter Mordaunt" userId="bb5abcbb151840ed" providerId="LiveId" clId="{242CA37B-D343-CF4C-B6EE-E125BA52114D}" dt="2021-12-16T00:18:27.004" v="102" actId="26606"/>
+          <ac:spMkLst>
+            <pc:docMk/>
+            <pc:sldMk cId="364138492" sldId="262"/>
+            <ac:spMk id="15" creationId="{0B761509-3B9A-49A6-A84B-C3D86811697D}"/>
+          </ac:spMkLst>
+        </pc:spChg>
+        <pc:spChg chg="add">
+          <ac:chgData name="Peter Mordaunt" userId="bb5abcbb151840ed" providerId="LiveId" clId="{242CA37B-D343-CF4C-B6EE-E125BA52114D}" dt="2021-12-16T00:18:27.004" v="102" actId="26606"/>
+          <ac:spMkLst>
+            <pc:docMk/>
+            <pc:sldMk cId="364138492" sldId="262"/>
+            <ac:spMk id="16" creationId="{91DE43FD-EB47-414A-B0AB-169B0FFFA527}"/>
+          </ac:spMkLst>
+        </pc:spChg>
+        <pc:spChg chg="add del">
+          <ac:chgData name="Peter Mordaunt" userId="bb5abcbb151840ed" providerId="LiveId" clId="{242CA37B-D343-CF4C-B6EE-E125BA52114D}" dt="2021-12-16T00:18:01.562" v="99" actId="26606"/>
+          <ac:spMkLst>
+            <pc:docMk/>
+            <pc:sldMk cId="364138492" sldId="262"/>
+            <ac:spMk id="18" creationId="{0B761509-3B9A-49A6-A84B-C3D86811697D}"/>
+          </ac:spMkLst>
+        </pc:spChg>
+        <pc:spChg chg="add del">
+          <ac:chgData name="Peter Mordaunt" userId="bb5abcbb151840ed" providerId="LiveId" clId="{242CA37B-D343-CF4C-B6EE-E125BA52114D}" dt="2021-12-16T00:18:01.562" v="99" actId="26606"/>
+          <ac:spMkLst>
+            <pc:docMk/>
+            <pc:sldMk cId="364138492" sldId="262"/>
+            <ac:spMk id="20" creationId="{91DE43FD-EB47-414A-B0AB-169B0FFFA527}"/>
+          </ac:spMkLst>
+        </pc:spChg>
+        <pc:grpChg chg="add del mod">
+          <ac:chgData name="Peter Mordaunt" userId="bb5abcbb151840ed" providerId="LiveId" clId="{242CA37B-D343-CF4C-B6EE-E125BA52114D}" dt="2021-12-16T00:18:55.351" v="105" actId="21"/>
+          <ac:grpSpMkLst>
+            <pc:docMk/>
+            <pc:sldMk cId="364138492" sldId="262"/>
+            <ac:grpSpMk id="6" creationId="{65A428A1-B67C-454F-95F8-CB30F4E4BAAA}"/>
+          </ac:grpSpMkLst>
+        </pc:grpChg>
+        <pc:grpChg chg="add">
+          <ac:chgData name="Peter Mordaunt" userId="bb5abcbb151840ed" providerId="LiveId" clId="{242CA37B-D343-CF4C-B6EE-E125BA52114D}" dt="2021-12-16T00:18:27.004" v="102" actId="26606"/>
+          <ac:grpSpMkLst>
+            <pc:docMk/>
+            <pc:sldMk cId="364138492" sldId="262"/>
+            <ac:grpSpMk id="17" creationId="{58495BCC-CE77-4CC2-952E-846F41119FD5}"/>
+          </ac:grpSpMkLst>
+        </pc:grpChg>
+        <pc:grpChg chg="add del">
+          <ac:chgData name="Peter Mordaunt" userId="bb5abcbb151840ed" providerId="LiveId" clId="{242CA37B-D343-CF4C-B6EE-E125BA52114D}" dt="2021-12-16T00:18:01.562" v="99" actId="26606"/>
+          <ac:grpSpMkLst>
+            <pc:docMk/>
+            <pc:sldMk cId="364138492" sldId="262"/>
+            <ac:grpSpMk id="22" creationId="{58495BCC-CE77-4CC2-952E-846F41119FD5}"/>
+          </ac:grpSpMkLst>
+        </pc:grpChg>
+        <pc:picChg chg="mod">
+          <ac:chgData name="Peter Mordaunt" userId="bb5abcbb151840ed" providerId="LiveId" clId="{242CA37B-D343-CF4C-B6EE-E125BA52114D}" dt="2021-12-16T00:17:03.114" v="95"/>
+          <ac:picMkLst>
+            <pc:docMk/>
+            <pc:sldMk cId="364138492" sldId="262"/>
+            <ac:picMk id="13" creationId="{5BAEEDF1-58CD-CA4D-B8D6-27DAC8097BBA}"/>
+          </ac:picMkLst>
+        </pc:picChg>
+      </pc:sldChg>
+      <pc:sldChg chg="addSp delSp modSp add mod modNotesTx">
+        <pc:chgData name="Peter Mordaunt" userId="bb5abcbb151840ed" providerId="LiveId" clId="{242CA37B-D343-CF4C-B6EE-E125BA52114D}" dt="2021-12-16T00:52:01.028" v="594" actId="20577"/>
+        <pc:sldMkLst>
+          <pc:docMk/>
+          <pc:sldMk cId="2013925394" sldId="262"/>
+        </pc:sldMkLst>
+        <pc:spChg chg="mod">
+          <ac:chgData name="Peter Mordaunt" userId="bb5abcbb151840ed" providerId="LiveId" clId="{242CA37B-D343-CF4C-B6EE-E125BA52114D}" dt="2021-12-16T00:20:33.942" v="141" actId="20577"/>
+          <ac:spMkLst>
+            <pc:docMk/>
+            <pc:sldMk cId="2013925394" sldId="262"/>
+            <ac:spMk id="5" creationId="{9AB70B66-5B1A-A844-A99B-F8548ABEB40A}"/>
+          </ac:spMkLst>
+        </pc:spChg>
+        <pc:spChg chg="mod topLvl">
+          <ac:chgData name="Peter Mordaunt" userId="bb5abcbb151840ed" providerId="LiveId" clId="{242CA37B-D343-CF4C-B6EE-E125BA52114D}" dt="2021-12-16T00:22:44.271" v="193" actId="207"/>
+          <ac:spMkLst>
+            <pc:docMk/>
+            <pc:sldMk cId="2013925394" sldId="262"/>
+            <ac:spMk id="10" creationId="{FD0A51DB-1D43-1E44-BD45-97435184B294}"/>
+          </ac:spMkLst>
+        </pc:spChg>
+        <pc:spChg chg="add del mod topLvl">
+          <ac:chgData name="Peter Mordaunt" userId="bb5abcbb151840ed" providerId="LiveId" clId="{242CA37B-D343-CF4C-B6EE-E125BA52114D}" dt="2021-12-16T00:20:43.119" v="143" actId="478"/>
+          <ac:spMkLst>
+            <pc:docMk/>
+            <pc:sldMk cId="2013925394" sldId="262"/>
+            <ac:spMk id="11" creationId="{FB279C77-827A-6C4E-94EA-26A2B554C109}"/>
+          </ac:spMkLst>
+        </pc:spChg>
+        <pc:spChg chg="mod topLvl">
+          <ac:chgData name="Peter Mordaunt" userId="bb5abcbb151840ed" providerId="LiveId" clId="{242CA37B-D343-CF4C-B6EE-E125BA52114D}" dt="2021-12-16T00:22:19.848" v="169" actId="207"/>
+          <ac:spMkLst>
+            <pc:docMk/>
+            <pc:sldMk cId="2013925394" sldId="262"/>
+            <ac:spMk id="12" creationId="{7C030639-2095-5740-B397-05844E6DF49A}"/>
+          </ac:spMkLst>
+        </pc:spChg>
+        <pc:grpChg chg="add del mod">
+          <ac:chgData name="Peter Mordaunt" userId="bb5abcbb151840ed" providerId="LiveId" clId="{242CA37B-D343-CF4C-B6EE-E125BA52114D}" dt="2021-12-16T00:19:46.649" v="111" actId="165"/>
+          <ac:grpSpMkLst>
+            <pc:docMk/>
+            <pc:sldMk cId="2013925394" sldId="262"/>
+            <ac:grpSpMk id="6" creationId="{E207387F-F518-324E-BD93-9929EE5FBBD0}"/>
+          </ac:grpSpMkLst>
+        </pc:grpChg>
+        <pc:picChg chg="del">
+          <ac:chgData name="Peter Mordaunt" userId="bb5abcbb151840ed" providerId="LiveId" clId="{242CA37B-D343-CF4C-B6EE-E125BA52114D}" dt="2021-12-16T00:19:23.076" v="108" actId="478"/>
+          <ac:picMkLst>
+            <pc:docMk/>
+            <pc:sldMk cId="2013925394" sldId="262"/>
+            <ac:picMk id="8" creationId="{23813118-05CD-3247-B95C-DC6B47C31A59}"/>
+          </ac:picMkLst>
+        </pc:picChg>
+        <pc:picChg chg="mod topLvl">
+          <ac:chgData name="Peter Mordaunt" userId="bb5abcbb151840ed" providerId="LiveId" clId="{242CA37B-D343-CF4C-B6EE-E125BA52114D}" dt="2021-12-16T00:22:55.976" v="194" actId="1076"/>
+          <ac:picMkLst>
+            <pc:docMk/>
+            <pc:sldMk cId="2013925394" sldId="262"/>
+            <ac:picMk id="13" creationId="{D7D94347-D9E1-6C4B-B1A1-873CDDBDBE02}"/>
+          </ac:picMkLst>
+        </pc:picChg>
+        <pc:picChg chg="add mod">
+          <ac:chgData name="Peter Mordaunt" userId="bb5abcbb151840ed" providerId="LiveId" clId="{242CA37B-D343-CF4C-B6EE-E125BA52114D}" dt="2021-12-16T00:36:59.491" v="331"/>
+          <ac:picMkLst>
+            <pc:docMk/>
+            <pc:sldMk cId="2013925394" sldId="262"/>
+            <ac:picMk id="14" creationId="{1F702241-E38D-0844-918C-1167EA7365E9}"/>
+          </ac:picMkLst>
+        </pc:picChg>
+      </pc:sldChg>
+      <pc:sldChg chg="addSp modSp new mod setBg modNotesTx">
+        <pc:chgData name="Peter Mordaunt" userId="bb5abcbb151840ed" providerId="LiveId" clId="{242CA37B-D343-CF4C-B6EE-E125BA52114D}" dt="2021-12-16T00:54:47.355" v="828" actId="20577"/>
+        <pc:sldMkLst>
+          <pc:docMk/>
+          <pc:sldMk cId="3105133030" sldId="263"/>
+        </pc:sldMkLst>
+        <pc:spChg chg="mod">
+          <ac:chgData name="Peter Mordaunt" userId="bb5abcbb151840ed" providerId="LiveId" clId="{242CA37B-D343-CF4C-B6EE-E125BA52114D}" dt="2021-12-16T00:26:00.544" v="233" actId="20577"/>
+          <ac:spMkLst>
+            <pc:docMk/>
+            <pc:sldMk cId="3105133030" sldId="263"/>
+            <ac:spMk id="2" creationId="{EA513E26-C5BF-6449-BE5E-D6AD4BBF1F37}"/>
+          </ac:spMkLst>
+        </pc:spChg>
+        <pc:grpChg chg="add mod">
+          <ac:chgData name="Peter Mordaunt" userId="bb5abcbb151840ed" providerId="LiveId" clId="{242CA37B-D343-CF4C-B6EE-E125BA52114D}" dt="2021-12-16T00:23:58.029" v="199" actId="1076"/>
+          <ac:grpSpMkLst>
+            <pc:docMk/>
+            <pc:sldMk cId="3105133030" sldId="263"/>
+            <ac:grpSpMk id="3" creationId="{025171FB-F0A0-E642-87EC-981FBE225D24}"/>
+          </ac:grpSpMkLst>
+        </pc:grpChg>
+        <pc:picChg chg="mod">
+          <ac:chgData name="Peter Mordaunt" userId="bb5abcbb151840ed" providerId="LiveId" clId="{242CA37B-D343-CF4C-B6EE-E125BA52114D}" dt="2021-12-16T00:23:53.359" v="198"/>
+          <ac:picMkLst>
+            <pc:docMk/>
+            <pc:sldMk cId="3105133030" sldId="263"/>
+            <ac:picMk id="4" creationId="{628D7621-FC36-4548-ADE3-8D835F85974F}"/>
+          </ac:picMkLst>
+        </pc:picChg>
+        <pc:picChg chg="mod">
+          <ac:chgData name="Peter Mordaunt" userId="bb5abcbb151840ed" providerId="LiveId" clId="{242CA37B-D343-CF4C-B6EE-E125BA52114D}" dt="2021-12-16T00:23:53.359" v="198"/>
+          <ac:picMkLst>
+            <pc:docMk/>
+            <pc:sldMk cId="3105133030" sldId="263"/>
+            <ac:picMk id="5" creationId="{99E66564-5EEC-6044-A51E-3C9289BE7DD9}"/>
+          </ac:picMkLst>
+        </pc:picChg>
+        <pc:picChg chg="mod">
+          <ac:chgData name="Peter Mordaunt" userId="bb5abcbb151840ed" providerId="LiveId" clId="{242CA37B-D343-CF4C-B6EE-E125BA52114D}" dt="2021-12-16T00:23:53.359" v="198"/>
+          <ac:picMkLst>
+            <pc:docMk/>
+            <pc:sldMk cId="3105133030" sldId="263"/>
+            <ac:picMk id="6" creationId="{579415D9-A335-5B44-B90B-54E1FEBA4211}"/>
+          </ac:picMkLst>
+        </pc:picChg>
+        <pc:picChg chg="mod">
+          <ac:chgData name="Peter Mordaunt" userId="bb5abcbb151840ed" providerId="LiveId" clId="{242CA37B-D343-CF4C-B6EE-E125BA52114D}" dt="2021-12-16T00:23:53.359" v="198"/>
+          <ac:picMkLst>
+            <pc:docMk/>
+            <pc:sldMk cId="3105133030" sldId="263"/>
+            <ac:picMk id="7" creationId="{4AB6C3C8-B405-3F41-BAB1-8142EBCAAAA9}"/>
+          </ac:picMkLst>
+        </pc:picChg>
+      </pc:sldChg>
+      <pc:sldChg chg="addSp delSp modSp new mod ord setBg">
+        <pc:chgData name="Peter Mordaunt" userId="bb5abcbb151840ed" providerId="LiveId" clId="{242CA37B-D343-CF4C-B6EE-E125BA52114D}" dt="2021-12-16T10:55:40.996" v="1215" actId="207"/>
+        <pc:sldMkLst>
+          <pc:docMk/>
+          <pc:sldMk cId="2380135222" sldId="264"/>
+        </pc:sldMkLst>
+        <pc:spChg chg="del">
+          <ac:chgData name="Peter Mordaunt" userId="bb5abcbb151840ed" providerId="LiveId" clId="{242CA37B-D343-CF4C-B6EE-E125BA52114D}" dt="2021-12-16T00:27:11.780" v="239" actId="478"/>
+          <ac:spMkLst>
+            <pc:docMk/>
+            <pc:sldMk cId="2380135222" sldId="264"/>
+            <ac:spMk id="2" creationId="{423D2C4A-97C5-274D-BF12-AF0812989488}"/>
+          </ac:spMkLst>
+        </pc:spChg>
+        <pc:spChg chg="add mod">
+          <ac:chgData name="Peter Mordaunt" userId="bb5abcbb151840ed" providerId="LiveId" clId="{242CA37B-D343-CF4C-B6EE-E125BA52114D}" dt="2021-12-16T10:55:40.996" v="1215" actId="207"/>
+          <ac:spMkLst>
+            <pc:docMk/>
+            <pc:sldMk cId="2380135222" sldId="264"/>
+            <ac:spMk id="3" creationId="{ECF5C934-B915-354C-B31A-0719646112E5}"/>
+          </ac:spMkLst>
+        </pc:spChg>
+        <pc:picChg chg="add del mod">
+          <ac:chgData name="Peter Mordaunt" userId="bb5abcbb151840ed" providerId="LiveId" clId="{242CA37B-D343-CF4C-B6EE-E125BA52114D}" dt="2021-12-16T00:35:36.251" v="322" actId="21"/>
+          <ac:picMkLst>
+            <pc:docMk/>
+            <pc:sldMk cId="2380135222" sldId="264"/>
+            <ac:picMk id="4" creationId="{6D90D911-C4C5-7B49-91CD-EC9E0F87C815}"/>
+          </ac:picMkLst>
+        </pc:picChg>
+      </pc:sldChg>
+      <pc:sldChg chg="addSp delSp modSp add mod ord">
+        <pc:chgData name="Peter Mordaunt" userId="bb5abcbb151840ed" providerId="LiveId" clId="{242CA37B-D343-CF4C-B6EE-E125BA52114D}" dt="2021-12-16T00:35:43.589" v="324" actId="1076"/>
+        <pc:sldMkLst>
+          <pc:docMk/>
+          <pc:sldMk cId="2287209868" sldId="265"/>
+        </pc:sldMkLst>
+        <pc:spChg chg="del">
+          <ac:chgData name="Peter Mordaunt" userId="bb5abcbb151840ed" providerId="LiveId" clId="{242CA37B-D343-CF4C-B6EE-E125BA52114D}" dt="2021-12-16T00:27:54.551" v="242" actId="478"/>
+          <ac:spMkLst>
+            <pc:docMk/>
+            <pc:sldMk cId="2287209868" sldId="265"/>
+            <ac:spMk id="3" creationId="{ECF5C934-B915-354C-B31A-0719646112E5}"/>
+          </ac:spMkLst>
+        </pc:spChg>
+        <pc:spChg chg="add mod">
+          <ac:chgData name="Peter Mordaunt" userId="bb5abcbb151840ed" providerId="LiveId" clId="{242CA37B-D343-CF4C-B6EE-E125BA52114D}" dt="2021-12-16T00:27:59.637" v="244" actId="207"/>
+          <ac:spMkLst>
+            <pc:docMk/>
+            <pc:sldMk cId="2287209868" sldId="265"/>
+            <ac:spMk id="4" creationId="{0143C5DC-982A-0B46-91BA-75DCB91A5B9D}"/>
+          </ac:spMkLst>
+        </pc:spChg>
+        <pc:picChg chg="add mod">
+          <ac:chgData name="Peter Mordaunt" userId="bb5abcbb151840ed" providerId="LiveId" clId="{242CA37B-D343-CF4C-B6EE-E125BA52114D}" dt="2021-12-16T00:35:43.589" v="324" actId="1076"/>
+          <ac:picMkLst>
+            <pc:docMk/>
+            <pc:sldMk cId="2287209868" sldId="265"/>
+            <ac:picMk id="5" creationId="{C8F85394-FC8C-FE4B-8EB6-23263B0ED4E6}"/>
+          </ac:picMkLst>
+        </pc:picChg>
+      </pc:sldChg>
+      <pc:sldChg chg="addSp delSp modSp add mod ord setBg modNotesTx">
+        <pc:chgData name="Peter Mordaunt" userId="bb5abcbb151840ed" providerId="LiveId" clId="{242CA37B-D343-CF4C-B6EE-E125BA52114D}" dt="2021-12-16T09:52:32.184" v="1212" actId="1076"/>
+        <pc:sldMkLst>
+          <pc:docMk/>
+          <pc:sldMk cId="4046700918" sldId="266"/>
+        </pc:sldMkLst>
+        <pc:spChg chg="add del mod">
+          <ac:chgData name="Peter Mordaunt" userId="bb5abcbb151840ed" providerId="LiveId" clId="{242CA37B-D343-CF4C-B6EE-E125BA52114D}" dt="2021-12-16T00:38:59.148" v="338" actId="478"/>
+          <ac:spMkLst>
+            <pc:docMk/>
+            <pc:sldMk cId="4046700918" sldId="266"/>
+            <ac:spMk id="3" creationId="{A4F57A03-3FDF-054C-8C91-739099EC0ABF}"/>
+          </ac:spMkLst>
+        </pc:spChg>
+        <pc:spChg chg="del mod">
+          <ac:chgData name="Peter Mordaunt" userId="bb5abcbb151840ed" providerId="LiveId" clId="{242CA37B-D343-CF4C-B6EE-E125BA52114D}" dt="2021-12-16T00:33:07.964" v="302" actId="21"/>
+          <ac:spMkLst>
+            <pc:docMk/>
+            <pc:sldMk cId="4046700918" sldId="266"/>
+            <ac:spMk id="5" creationId="{9AB70B66-5B1A-A844-A99B-F8548ABEB40A}"/>
+          </ac:spMkLst>
+        </pc:spChg>
+        <pc:spChg chg="add mod">
+          <ac:chgData name="Peter Mordaunt" userId="bb5abcbb151840ed" providerId="LiveId" clId="{242CA37B-D343-CF4C-B6EE-E125BA52114D}" dt="2021-12-16T00:41:23.169" v="365" actId="1076"/>
+          <ac:spMkLst>
+            <pc:docMk/>
+            <pc:sldMk cId="4046700918" sldId="266"/>
+            <ac:spMk id="13" creationId="{3CE404BE-8498-464D-8885-E5473FB267C4}"/>
+          </ac:spMkLst>
+        </pc:spChg>
+        <pc:spChg chg="add mod">
+          <ac:chgData name="Peter Mordaunt" userId="bb5abcbb151840ed" providerId="LiveId" clId="{242CA37B-D343-CF4C-B6EE-E125BA52114D}" dt="2021-12-16T09:52:27.656" v="1211" actId="1076"/>
+          <ac:spMkLst>
+            <pc:docMk/>
+            <pc:sldMk cId="4046700918" sldId="266"/>
+            <ac:spMk id="14" creationId="{135D5184-8720-FD43-AAE0-D6A1FE1C5096}"/>
+          </ac:spMkLst>
+        </pc:spChg>
+        <pc:grpChg chg="add del mod">
+          <ac:chgData name="Peter Mordaunt" userId="bb5abcbb151840ed" providerId="LiveId" clId="{242CA37B-D343-CF4C-B6EE-E125BA52114D}" dt="2021-12-16T09:48:34.942" v="1201" actId="165"/>
+          <ac:grpSpMkLst>
+            <pc:docMk/>
+            <pc:sldMk cId="4046700918" sldId="266"/>
+            <ac:grpSpMk id="26" creationId="{577527C4-8C41-A74A-ADB2-7320159B6999}"/>
+          </ac:grpSpMkLst>
+        </pc:grpChg>
+        <pc:grpChg chg="add mod">
+          <ac:chgData name="Peter Mordaunt" userId="bb5abcbb151840ed" providerId="LiveId" clId="{242CA37B-D343-CF4C-B6EE-E125BA52114D}" dt="2021-12-16T09:52:32.184" v="1212" actId="1076"/>
+          <ac:grpSpMkLst>
+            <pc:docMk/>
+            <pc:sldMk cId="4046700918" sldId="266"/>
+            <ac:grpSpMk id="29" creationId="{2D2E3A38-D78B-8544-AC28-24E5BFCA831C}"/>
+          </ac:grpSpMkLst>
+        </pc:grpChg>
+        <pc:picChg chg="add del mod">
+          <ac:chgData name="Peter Mordaunt" userId="bb5abcbb151840ed" providerId="LiveId" clId="{242CA37B-D343-CF4C-B6EE-E125BA52114D}" dt="2021-12-16T00:32:57.141" v="300" actId="21"/>
+          <ac:picMkLst>
+            <pc:docMk/>
+            <pc:sldMk cId="4046700918" sldId="266"/>
+            <ac:picMk id="6" creationId="{C9A40999-193E-1144-8BAE-BD4C505B5FF4}"/>
+          </ac:picMkLst>
+        </pc:picChg>
+        <pc:picChg chg="del">
+          <ac:chgData name="Peter Mordaunt" userId="bb5abcbb151840ed" providerId="LiveId" clId="{242CA37B-D343-CF4C-B6EE-E125BA52114D}" dt="2021-12-16T00:28:41.124" v="249" actId="478"/>
+          <ac:picMkLst>
+            <pc:docMk/>
+            <pc:sldMk cId="4046700918" sldId="266"/>
+            <ac:picMk id="8" creationId="{23813118-05CD-3247-B95C-DC6B47C31A59}"/>
+          </ac:picMkLst>
+        </pc:picChg>
+        <pc:picChg chg="add del mod">
+          <ac:chgData name="Peter Mordaunt" userId="bb5abcbb151840ed" providerId="LiveId" clId="{242CA37B-D343-CF4C-B6EE-E125BA52114D}" dt="2021-12-16T00:32:57.141" v="300" actId="21"/>
+          <ac:picMkLst>
+            <pc:docMk/>
+            <pc:sldMk cId="4046700918" sldId="266"/>
+            <ac:picMk id="10" creationId="{2D700F3A-F25F-6C45-B7A1-5EFED317B863}"/>
+          </ac:picMkLst>
+        </pc:picChg>
+        <pc:picChg chg="add del mod">
+          <ac:chgData name="Peter Mordaunt" userId="bb5abcbb151840ed" providerId="LiveId" clId="{242CA37B-D343-CF4C-B6EE-E125BA52114D}" dt="2021-12-16T00:33:07.964" v="302" actId="21"/>
+          <ac:picMkLst>
+            <pc:docMk/>
+            <pc:sldMk cId="4046700918" sldId="266"/>
+            <ac:picMk id="11" creationId="{1EDF35C3-1DC0-A74A-A06D-99473F03D75C}"/>
+          </ac:picMkLst>
+        </pc:picChg>
+        <pc:picChg chg="add del mod">
+          <ac:chgData name="Peter Mordaunt" userId="bb5abcbb151840ed" providerId="LiveId" clId="{242CA37B-D343-CF4C-B6EE-E125BA52114D}" dt="2021-12-16T00:33:07.964" v="302" actId="21"/>
+          <ac:picMkLst>
+            <pc:docMk/>
+            <pc:sldMk cId="4046700918" sldId="266"/>
+            <ac:picMk id="12" creationId="{9352C8DD-F9C7-154E-A3A3-36C39ED9C437}"/>
+          </ac:picMkLst>
+        </pc:picChg>
+        <pc:picChg chg="add del mod">
+          <ac:chgData name="Peter Mordaunt" userId="bb5abcbb151840ed" providerId="LiveId" clId="{242CA37B-D343-CF4C-B6EE-E125BA52114D}" dt="2021-12-16T09:16:42.187" v="1164" actId="931"/>
+          <ac:picMkLst>
+            <pc:docMk/>
+            <pc:sldMk cId="4046700918" sldId="266"/>
+            <ac:picMk id="15" creationId="{8FB54454-99D0-4D4E-BBE6-99F5FF8CA77B}"/>
+          </ac:picMkLst>
+        </pc:picChg>
+        <pc:picChg chg="add del mod">
+          <ac:chgData name="Peter Mordaunt" userId="bb5abcbb151840ed" providerId="LiveId" clId="{242CA37B-D343-CF4C-B6EE-E125BA52114D}" dt="2021-12-16T09:16:42.187" v="1164" actId="931"/>
+          <ac:picMkLst>
+            <pc:docMk/>
+            <pc:sldMk cId="4046700918" sldId="266"/>
+            <ac:picMk id="17" creationId="{10D096FB-8221-6C43-99D8-88729AEA7403}"/>
+          </ac:picMkLst>
+        </pc:picChg>
+        <pc:picChg chg="add del mod">
+          <ac:chgData name="Peter Mordaunt" userId="bb5abcbb151840ed" providerId="LiveId" clId="{242CA37B-D343-CF4C-B6EE-E125BA52114D}" dt="2021-12-16T09:16:42.187" v="1164" actId="931"/>
+          <ac:picMkLst>
+            <pc:docMk/>
+            <pc:sldMk cId="4046700918" sldId="266"/>
+            <ac:picMk id="19" creationId="{4D62972F-55BF-9442-8F5B-BB3CD3234CE4}"/>
+          </ac:picMkLst>
+        </pc:picChg>
+        <pc:picChg chg="add mod topLvl">
+          <ac:chgData name="Peter Mordaunt" userId="bb5abcbb151840ed" providerId="LiveId" clId="{242CA37B-D343-CF4C-B6EE-E125BA52114D}" dt="2021-12-16T09:51:07.499" v="1207" actId="164"/>
+          <ac:picMkLst>
+            <pc:docMk/>
+            <pc:sldMk cId="4046700918" sldId="266"/>
+            <ac:picMk id="21" creationId="{2CA961C3-96F2-4448-8A2C-F238CF91F5C1}"/>
+          </ac:picMkLst>
+        </pc:picChg>
+        <pc:picChg chg="add mod topLvl">
+          <ac:chgData name="Peter Mordaunt" userId="bb5abcbb151840ed" providerId="LiveId" clId="{242CA37B-D343-CF4C-B6EE-E125BA52114D}" dt="2021-12-16T09:51:07.499" v="1207" actId="164"/>
+          <ac:picMkLst>
+            <pc:docMk/>
+            <pc:sldMk cId="4046700918" sldId="266"/>
+            <ac:picMk id="23" creationId="{A92A35CC-8041-CE43-93BC-7B8B6AB52A85}"/>
+          </ac:picMkLst>
+        </pc:picChg>
+        <pc:picChg chg="add mod topLvl">
+          <ac:chgData name="Peter Mordaunt" userId="bb5abcbb151840ed" providerId="LiveId" clId="{242CA37B-D343-CF4C-B6EE-E125BA52114D}" dt="2021-12-16T09:51:07.499" v="1207" actId="164"/>
+          <ac:picMkLst>
+            <pc:docMk/>
+            <pc:sldMk cId="4046700918" sldId="266"/>
+            <ac:picMk id="25" creationId="{E7A13B69-93B6-A847-B97F-4ECDE15B4962}"/>
+          </ac:picMkLst>
+        </pc:picChg>
+        <pc:picChg chg="add mod">
+          <ac:chgData name="Peter Mordaunt" userId="bb5abcbb151840ed" providerId="LiveId" clId="{242CA37B-D343-CF4C-B6EE-E125BA52114D}" dt="2021-12-16T09:51:07.499" v="1207" actId="164"/>
+          <ac:picMkLst>
+            <pc:docMk/>
+            <pc:sldMk cId="4046700918" sldId="266"/>
+            <ac:picMk id="28" creationId="{5D60021F-DD5A-9340-9383-29A091D8D977}"/>
+          </ac:picMkLst>
+        </pc:picChg>
+      </pc:sldChg>
+      <pc:sldChg chg="addSp delSp modSp add mod modNotesTx">
+        <pc:chgData name="Peter Mordaunt" userId="bb5abcbb151840ed" providerId="LiveId" clId="{242CA37B-D343-CF4C-B6EE-E125BA52114D}" dt="2021-12-16T09:12:19.379" v="1155" actId="20577"/>
+        <pc:sldMkLst>
+          <pc:docMk/>
+          <pc:sldMk cId="285240518" sldId="267"/>
+        </pc:sldMkLst>
+        <pc:spChg chg="add mod">
+          <ac:chgData name="Peter Mordaunt" userId="bb5abcbb151840ed" providerId="LiveId" clId="{242CA37B-D343-CF4C-B6EE-E125BA52114D}" dt="2021-12-16T00:33:23.151" v="306"/>
+          <ac:spMkLst>
+            <pc:docMk/>
+            <pc:sldMk cId="285240518" sldId="267"/>
+            <ac:spMk id="3" creationId="{452563EB-EA97-1E48-A3B1-5F6EAC86FEA8}"/>
+          </ac:spMkLst>
+        </pc:spChg>
+        <pc:spChg chg="del mod">
+          <ac:chgData name="Peter Mordaunt" userId="bb5abcbb151840ed" providerId="LiveId" clId="{242CA37B-D343-CF4C-B6EE-E125BA52114D}" dt="2021-12-16T00:33:21.466" v="305" actId="478"/>
+          <ac:spMkLst>
+            <pc:docMk/>
+            <pc:sldMk cId="285240518" sldId="267"/>
+            <ac:spMk id="4" creationId="{0143C5DC-982A-0B46-91BA-75DCB91A5B9D}"/>
+          </ac:spMkLst>
+        </pc:spChg>
+        <pc:picChg chg="add mod">
+          <ac:chgData name="Peter Mordaunt" userId="bb5abcbb151840ed" providerId="LiveId" clId="{242CA37B-D343-CF4C-B6EE-E125BA52114D}" dt="2021-12-16T00:33:23.151" v="306"/>
+          <ac:picMkLst>
+            <pc:docMk/>
+            <pc:sldMk cId="285240518" sldId="267"/>
+            <ac:picMk id="5" creationId="{EB43A43D-6A5A-8646-9191-EBD233F7AF81}"/>
+          </ac:picMkLst>
+        </pc:picChg>
+        <pc:picChg chg="add mod">
+          <ac:chgData name="Peter Mordaunt" userId="bb5abcbb151840ed" providerId="LiveId" clId="{242CA37B-D343-CF4C-B6EE-E125BA52114D}" dt="2021-12-16T00:33:23.151" v="306"/>
+          <ac:picMkLst>
+            <pc:docMk/>
+            <pc:sldMk cId="285240518" sldId="267"/>
+            <ac:picMk id="6" creationId="{DA13CB0B-7209-AA47-A6AA-8EB62E53A1D7}"/>
+          </ac:picMkLst>
+        </pc:picChg>
+        <pc:picChg chg="add del mod">
+          <ac:chgData name="Peter Mordaunt" userId="bb5abcbb151840ed" providerId="LiveId" clId="{242CA37B-D343-CF4C-B6EE-E125BA52114D}" dt="2021-12-16T00:37:48.600" v="333" actId="478"/>
+          <ac:picMkLst>
+            <pc:docMk/>
+            <pc:sldMk cId="285240518" sldId="267"/>
+            <ac:picMk id="7" creationId="{F6874134-42E8-1B48-B2C5-AC04BEA65AEC}"/>
+          </ac:picMkLst>
+        </pc:picChg>
+        <pc:picChg chg="add mod">
+          <ac:chgData name="Peter Mordaunt" userId="bb5abcbb151840ed" providerId="LiveId" clId="{242CA37B-D343-CF4C-B6EE-E125BA52114D}" dt="2021-12-16T00:38:28.937" v="337" actId="171"/>
+          <ac:picMkLst>
+            <pc:docMk/>
+            <pc:sldMk cId="285240518" sldId="267"/>
+            <ac:picMk id="8" creationId="{4C95D803-8687-0042-AE89-8FF55B098543}"/>
+          </ac:picMkLst>
+        </pc:picChg>
+      </pc:sldChg>
     </pc:docChg>
   </pc:docChgLst>
 </pc:chgInfo>
+</file>
+
+<file path=ppt/notesMasters/notesMaster1.xml><?xml version="1.0" encoding="utf-8"?>
+<p:notesMaster xmlns:a="http://schemas.openxmlformats.org/drawingml/2006/main" xmlns:r="http://schemas.openxmlformats.org/officeDocument/2006/relationships" xmlns:p="http://schemas.openxmlformats.org/presentationml/2006/main">
+  <p:cSld>
+    <p:bg>
+      <p:bgRef idx="1001">
+        <a:schemeClr val="bg1"/>
+      </p:bgRef>
+    </p:bg>
+    <p:spTree>
+      <p:nvGrpSpPr>
+        <p:cNvPr id="1" name=""/>
+        <p:cNvGrpSpPr/>
+        <p:nvPr/>
+      </p:nvGrpSpPr>
+      <p:grpSpPr>
+        <a:xfrm>
+          <a:off x="0" y="0"/>
+          <a:ext cx="0" cy="0"/>
+          <a:chOff x="0" y="0"/>
+          <a:chExt cx="0" cy="0"/>
+        </a:xfrm>
+      </p:grpSpPr>
+      <p:sp>
+        <p:nvSpPr>
+          <p:cNvPr id="2" name="Header Placeholder 1"/>
+          <p:cNvSpPr>
+            <a:spLocks noGrp="1"/>
+          </p:cNvSpPr>
+          <p:nvPr>
+            <p:ph type="hdr" sz="quarter"/>
+          </p:nvPr>
+        </p:nvSpPr>
+        <p:spPr>
+          <a:xfrm>
+            <a:off x="0" y="0"/>
+            <a:ext cx="2971800" cy="458788"/>
+          </a:xfrm>
+          <a:prstGeom prst="rect">
+            <a:avLst/>
+          </a:prstGeom>
+        </p:spPr>
+        <p:txBody>
+          <a:bodyPr vert="horz" lIns="91440" tIns="45720" rIns="91440" bIns="45720" rtlCol="0"/>
+          <a:lstStyle>
+            <a:lvl1pPr algn="l">
+              <a:defRPr sz="1200"/>
+            </a:lvl1pPr>
+          </a:lstStyle>
+          <a:p>
+            <a:endParaRPr lang="en-US"/>
+          </a:p>
+        </p:txBody>
+      </p:sp>
+      <p:sp>
+        <p:nvSpPr>
+          <p:cNvPr id="3" name="Date Placeholder 2"/>
+          <p:cNvSpPr>
+            <a:spLocks noGrp="1"/>
+          </p:cNvSpPr>
+          <p:nvPr>
+            <p:ph type="dt" idx="1"/>
+          </p:nvPr>
+        </p:nvSpPr>
+        <p:spPr>
+          <a:xfrm>
+            <a:off x="3884613" y="0"/>
+            <a:ext cx="2971800" cy="458788"/>
+          </a:xfrm>
+          <a:prstGeom prst="rect">
+            <a:avLst/>
+          </a:prstGeom>
+        </p:spPr>
+        <p:txBody>
+          <a:bodyPr vert="horz" lIns="91440" tIns="45720" rIns="91440" bIns="45720" rtlCol="0"/>
+          <a:lstStyle>
+            <a:lvl1pPr algn="r">
+              <a:defRPr sz="1200"/>
+            </a:lvl1pPr>
+          </a:lstStyle>
+          <a:p>
+            <a:fld id="{6D9D4CD0-D702-5C49-AE5B-6FDFA6F56FFB}" type="datetimeFigureOut">
+              <a:rPr lang="en-US" smtClean="0"/>
+              <a:t>12/16/21</a:t>
+            </a:fld>
+            <a:endParaRPr lang="en-US"/>
+          </a:p>
+        </p:txBody>
+      </p:sp>
+      <p:sp>
+        <p:nvSpPr>
+          <p:cNvPr id="4" name="Slide Image Placeholder 3"/>
+          <p:cNvSpPr>
+            <a:spLocks noGrp="1" noRot="1" noChangeAspect="1"/>
+          </p:cNvSpPr>
+          <p:nvPr>
+            <p:ph type="sldImg" idx="2"/>
+          </p:nvPr>
+        </p:nvSpPr>
+        <p:spPr>
+          <a:xfrm>
+            <a:off x="685800" y="1143000"/>
+            <a:ext cx="5486400" cy="3086100"/>
+          </a:xfrm>
+          <a:prstGeom prst="rect">
+            <a:avLst/>
+          </a:prstGeom>
+          <a:noFill/>
+          <a:ln w="12700">
+            <a:solidFill>
+              <a:prstClr val="black"/>
+            </a:solidFill>
+          </a:ln>
+        </p:spPr>
+        <p:txBody>
+          <a:bodyPr vert="horz" lIns="91440" tIns="45720" rIns="91440" bIns="45720" rtlCol="0" anchor="ctr"/>
+          <a:lstStyle/>
+          <a:p>
+            <a:endParaRPr lang="en-US"/>
+          </a:p>
+        </p:txBody>
+      </p:sp>
+      <p:sp>
+        <p:nvSpPr>
+          <p:cNvPr id="5" name="Notes Placeholder 4"/>
+          <p:cNvSpPr>
+            <a:spLocks noGrp="1"/>
+          </p:cNvSpPr>
+          <p:nvPr>
+            <p:ph type="body" sz="quarter" idx="3"/>
+          </p:nvPr>
+        </p:nvSpPr>
+        <p:spPr>
+          <a:xfrm>
+            <a:off x="685800" y="4400550"/>
+            <a:ext cx="5486400" cy="3600450"/>
+          </a:xfrm>
+          <a:prstGeom prst="rect">
+            <a:avLst/>
+          </a:prstGeom>
+        </p:spPr>
+        <p:txBody>
+          <a:bodyPr vert="horz" lIns="91440" tIns="45720" rIns="91440" bIns="45720" rtlCol="0"/>
+          <a:lstStyle/>
+          <a:p>
+            <a:pPr lvl="0"/>
+            <a:r>
+              <a:rPr lang="en-GB"/>
+              <a:t>Click to edit Master text styles</a:t>
+            </a:r>
+          </a:p>
+          <a:p>
+            <a:pPr lvl="1"/>
+            <a:r>
+              <a:rPr lang="en-GB"/>
+              <a:t>Second level</a:t>
+            </a:r>
+          </a:p>
+          <a:p>
+            <a:pPr lvl="2"/>
+            <a:r>
+              <a:rPr lang="en-GB"/>
+              <a:t>Third level</a:t>
+            </a:r>
+          </a:p>
+          <a:p>
+            <a:pPr lvl="3"/>
+            <a:r>
+              <a:rPr lang="en-GB"/>
+              <a:t>Fourth level</a:t>
+            </a:r>
+          </a:p>
+          <a:p>
+            <a:pPr lvl="4"/>
+            <a:r>
+              <a:rPr lang="en-GB"/>
+              <a:t>Fifth level</a:t>
+            </a:r>
+            <a:endParaRPr lang="en-US"/>
+          </a:p>
+        </p:txBody>
+      </p:sp>
+      <p:sp>
+        <p:nvSpPr>
+          <p:cNvPr id="6" name="Footer Placeholder 5"/>
+          <p:cNvSpPr>
+            <a:spLocks noGrp="1"/>
+          </p:cNvSpPr>
+          <p:nvPr>
+            <p:ph type="ftr" sz="quarter" idx="4"/>
+          </p:nvPr>
+        </p:nvSpPr>
+        <p:spPr>
+          <a:xfrm>
+            <a:off x="0" y="8685213"/>
+            <a:ext cx="2971800" cy="458787"/>
+          </a:xfrm>
+          <a:prstGeom prst="rect">
+            <a:avLst/>
+          </a:prstGeom>
+        </p:spPr>
+        <p:txBody>
+          <a:bodyPr vert="horz" lIns="91440" tIns="45720" rIns="91440" bIns="45720" rtlCol="0" anchor="b"/>
+          <a:lstStyle>
+            <a:lvl1pPr algn="l">
+              <a:defRPr sz="1200"/>
+            </a:lvl1pPr>
+          </a:lstStyle>
+          <a:p>
+            <a:endParaRPr lang="en-US"/>
+          </a:p>
+        </p:txBody>
+      </p:sp>
+      <p:sp>
+        <p:nvSpPr>
+          <p:cNvPr id="7" name="Slide Number Placeholder 6"/>
+          <p:cNvSpPr>
+            <a:spLocks noGrp="1"/>
+          </p:cNvSpPr>
+          <p:nvPr>
+            <p:ph type="sldNum" sz="quarter" idx="5"/>
+          </p:nvPr>
+        </p:nvSpPr>
+        <p:spPr>
+          <a:xfrm>
+            <a:off x="3884613" y="8685213"/>
+            <a:ext cx="2971800" cy="458787"/>
+          </a:xfrm>
+          <a:prstGeom prst="rect">
+            <a:avLst/>
+          </a:prstGeom>
+        </p:spPr>
+        <p:txBody>
+          <a:bodyPr vert="horz" lIns="91440" tIns="45720" rIns="91440" bIns="45720" rtlCol="0" anchor="b"/>
+          <a:lstStyle>
+            <a:lvl1pPr algn="r">
+              <a:defRPr sz="1200"/>
+            </a:lvl1pPr>
+          </a:lstStyle>
+          <a:p>
+            <a:fld id="{DB10ADCB-83CE-1A48-A7E6-ED43AE9D576E}" type="slidenum">
+              <a:rPr lang="en-US" smtClean="0"/>
+              <a:t>‹#›</a:t>
+            </a:fld>
+            <a:endParaRPr lang="en-US"/>
+          </a:p>
+        </p:txBody>
+      </p:sp>
+    </p:spTree>
+    <p:extLst>
+      <p:ext uri="{BB962C8B-B14F-4D97-AF65-F5344CB8AC3E}">
+        <p14:creationId xmlns:p14="http://schemas.microsoft.com/office/powerpoint/2010/main" val="3490853259"/>
+      </p:ext>
+    </p:extLst>
+  </p:cSld>
+  <p:clrMap bg1="lt1" tx1="dk1" bg2="lt2" tx2="dk2" accent1="accent1" accent2="accent2" accent3="accent3" accent4="accent4" accent5="accent5" accent6="accent6" hlink="hlink" folHlink="folHlink"/>
+  <p:notesStyle>
+    <a:lvl1pPr marL="0" algn="l" defTabSz="914400" rtl="0" eaLnBrk="1" latinLnBrk="0" hangingPunct="1">
+      <a:defRPr sz="1200" kern="1200">
+        <a:solidFill>
+          <a:schemeClr val="tx1"/>
+        </a:solidFill>
+        <a:latin typeface="+mn-lt"/>
+        <a:ea typeface="+mn-ea"/>
+        <a:cs typeface="+mn-cs"/>
+      </a:defRPr>
+    </a:lvl1pPr>
+    <a:lvl2pPr marL="457200" algn="l" defTabSz="914400" rtl="0" eaLnBrk="1" latinLnBrk="0" hangingPunct="1">
+      <a:defRPr sz="1200" kern="1200">
+        <a:solidFill>
+          <a:schemeClr val="tx1"/>
+        </a:solidFill>
+        <a:latin typeface="+mn-lt"/>
+        <a:ea typeface="+mn-ea"/>
+        <a:cs typeface="+mn-cs"/>
+      </a:defRPr>
+    </a:lvl2pPr>
+    <a:lvl3pPr marL="914400" algn="l" defTabSz="914400" rtl="0" eaLnBrk="1" latinLnBrk="0" hangingPunct="1">
+      <a:defRPr sz="1200" kern="1200">
+        <a:solidFill>
+          <a:schemeClr val="tx1"/>
+        </a:solidFill>
+        <a:latin typeface="+mn-lt"/>
+        <a:ea typeface="+mn-ea"/>
+        <a:cs typeface="+mn-cs"/>
+      </a:defRPr>
+    </a:lvl3pPr>
+    <a:lvl4pPr marL="1371600" algn="l" defTabSz="914400" rtl="0" eaLnBrk="1" latinLnBrk="0" hangingPunct="1">
+      <a:defRPr sz="1200" kern="1200">
+        <a:solidFill>
+          <a:schemeClr val="tx1"/>
+        </a:solidFill>
+        <a:latin typeface="+mn-lt"/>
+        <a:ea typeface="+mn-ea"/>
+        <a:cs typeface="+mn-cs"/>
+      </a:defRPr>
+    </a:lvl4pPr>
+    <a:lvl5pPr marL="1828800" algn="l" defTabSz="914400" rtl="0" eaLnBrk="1" latinLnBrk="0" hangingPunct="1">
+      <a:defRPr sz="1200" kern="1200">
+        <a:solidFill>
+          <a:schemeClr val="tx1"/>
+        </a:solidFill>
+        <a:latin typeface="+mn-lt"/>
+        <a:ea typeface="+mn-ea"/>
+        <a:cs typeface="+mn-cs"/>
+      </a:defRPr>
+    </a:lvl5pPr>
+    <a:lvl6pPr marL="2286000" algn="l" defTabSz="914400" rtl="0" eaLnBrk="1" latinLnBrk="0" hangingPunct="1">
+      <a:defRPr sz="1200" kern="1200">
+        <a:solidFill>
+          <a:schemeClr val="tx1"/>
+        </a:solidFill>
+        <a:latin typeface="+mn-lt"/>
+        <a:ea typeface="+mn-ea"/>
+        <a:cs typeface="+mn-cs"/>
+      </a:defRPr>
+    </a:lvl6pPr>
+    <a:lvl7pPr marL="2743200" algn="l" defTabSz="914400" rtl="0" eaLnBrk="1" latinLnBrk="0" hangingPunct="1">
+      <a:defRPr sz="1200" kern="1200">
+        <a:solidFill>
+          <a:schemeClr val="tx1"/>
+        </a:solidFill>
+        <a:latin typeface="+mn-lt"/>
+        <a:ea typeface="+mn-ea"/>
+        <a:cs typeface="+mn-cs"/>
+      </a:defRPr>
+    </a:lvl7pPr>
+    <a:lvl8pPr marL="3200400" algn="l" defTabSz="914400" rtl="0" eaLnBrk="1" latinLnBrk="0" hangingPunct="1">
+      <a:defRPr sz="1200" kern="1200">
+        <a:solidFill>
+          <a:schemeClr val="tx1"/>
+        </a:solidFill>
+        <a:latin typeface="+mn-lt"/>
+        <a:ea typeface="+mn-ea"/>
+        <a:cs typeface="+mn-cs"/>
+      </a:defRPr>
+    </a:lvl8pPr>
+    <a:lvl9pPr marL="3657600" algn="l" defTabSz="914400" rtl="0" eaLnBrk="1" latinLnBrk="0" hangingPunct="1">
+      <a:defRPr sz="1200" kern="1200">
+        <a:solidFill>
+          <a:schemeClr val="tx1"/>
+        </a:solidFill>
+        <a:latin typeface="+mn-lt"/>
+        <a:ea typeface="+mn-ea"/>
+        <a:cs typeface="+mn-cs"/>
+      </a:defRPr>
+    </a:lvl9pPr>
+  </p:notesStyle>
+</p:notesMaster>
+</file>
+
+<file path=ppt/notesSlides/notesSlide1.xml><?xml version="1.0" encoding="utf-8"?>
+<p:notes xmlns:a="http://schemas.openxmlformats.org/drawingml/2006/main" xmlns:r="http://schemas.openxmlformats.org/officeDocument/2006/relationships" xmlns:p="http://schemas.openxmlformats.org/presentationml/2006/main">
+  <p:cSld>
+    <p:spTree>
+      <p:nvGrpSpPr>
+        <p:cNvPr id="1" name=""/>
+        <p:cNvGrpSpPr/>
+        <p:nvPr/>
+      </p:nvGrpSpPr>
+      <p:grpSpPr>
+        <a:xfrm>
+          <a:off x="0" y="0"/>
+          <a:ext cx="0" cy="0"/>
+          <a:chOff x="0" y="0"/>
+          <a:chExt cx="0" cy="0"/>
+        </a:xfrm>
+      </p:grpSpPr>
+      <p:sp>
+        <p:nvSpPr>
+          <p:cNvPr id="2" name="Slide Image Placeholder 1"/>
+          <p:cNvSpPr>
+            <a:spLocks noGrp="1" noRot="1" noChangeAspect="1"/>
+          </p:cNvSpPr>
+          <p:nvPr>
+            <p:ph type="sldImg"/>
+          </p:nvPr>
+        </p:nvSpPr>
+        <p:spPr/>
+      </p:sp>
+      <p:sp>
+        <p:nvSpPr>
+          <p:cNvPr id="3" name="Notes Placeholder 2"/>
+          <p:cNvSpPr>
+            <a:spLocks noGrp="1"/>
+          </p:cNvSpPr>
+          <p:nvPr>
+            <p:ph type="body" idx="1"/>
+          </p:nvPr>
+        </p:nvSpPr>
+        <p:spPr/>
+        <p:txBody>
+          <a:bodyPr/>
+          <a:lstStyle/>
+          <a:p>
+            <a:r>
+              <a:rPr lang="en-US" dirty="0"/>
+              <a:t>PLANNING PROCESS</a:t>
+            </a:r>
+          </a:p>
+          <a:p>
+            <a:endParaRPr lang="en-US" dirty="0"/>
+          </a:p>
+          <a:p>
+            <a:r>
+              <a:rPr lang="en-US" dirty="0"/>
+              <a:t>HELPED CLARIFY TASK</a:t>
+            </a:r>
+          </a:p>
+        </p:txBody>
+      </p:sp>
+      <p:sp>
+        <p:nvSpPr>
+          <p:cNvPr id="4" name="Slide Number Placeholder 3"/>
+          <p:cNvSpPr>
+            <a:spLocks noGrp="1"/>
+          </p:cNvSpPr>
+          <p:nvPr>
+            <p:ph type="sldNum" sz="quarter" idx="5"/>
+          </p:nvPr>
+        </p:nvSpPr>
+        <p:spPr/>
+        <p:txBody>
+          <a:bodyPr/>
+          <a:lstStyle/>
+          <a:p>
+            <a:fld id="{DB10ADCB-83CE-1A48-A7E6-ED43AE9D576E}" type="slidenum">
+              <a:rPr lang="en-US" smtClean="0"/>
+              <a:t>2</a:t>
+            </a:fld>
+            <a:endParaRPr lang="en-US"/>
+          </a:p>
+        </p:txBody>
+      </p:sp>
+    </p:spTree>
+    <p:extLst>
+      <p:ext uri="{BB962C8B-B14F-4D97-AF65-F5344CB8AC3E}">
+        <p14:creationId xmlns:p14="http://schemas.microsoft.com/office/powerpoint/2010/main" val="3519153516"/>
+      </p:ext>
+    </p:extLst>
+  </p:cSld>
+  <p:clrMapOvr>
+    <a:masterClrMapping/>
+  </p:clrMapOvr>
+</p:notes>
+</file>
+
+<file path=ppt/notesSlides/notesSlide2.xml><?xml version="1.0" encoding="utf-8"?>
+<p:notes xmlns:a="http://schemas.openxmlformats.org/drawingml/2006/main" xmlns:r="http://schemas.openxmlformats.org/officeDocument/2006/relationships" xmlns:p="http://schemas.openxmlformats.org/presentationml/2006/main">
+  <p:cSld>
+    <p:spTree>
+      <p:nvGrpSpPr>
+        <p:cNvPr id="1" name=""/>
+        <p:cNvGrpSpPr/>
+        <p:nvPr/>
+      </p:nvGrpSpPr>
+      <p:grpSpPr>
+        <a:xfrm>
+          <a:off x="0" y="0"/>
+          <a:ext cx="0" cy="0"/>
+          <a:chOff x="0" y="0"/>
+          <a:chExt cx="0" cy="0"/>
+        </a:xfrm>
+      </p:grpSpPr>
+      <p:sp>
+        <p:nvSpPr>
+          <p:cNvPr id="2" name="Slide Image Placeholder 1"/>
+          <p:cNvSpPr>
+            <a:spLocks noGrp="1" noRot="1" noChangeAspect="1"/>
+          </p:cNvSpPr>
+          <p:nvPr>
+            <p:ph type="sldImg"/>
+          </p:nvPr>
+        </p:nvSpPr>
+        <p:spPr/>
+      </p:sp>
+      <p:sp>
+        <p:nvSpPr>
+          <p:cNvPr id="3" name="Notes Placeholder 2"/>
+          <p:cNvSpPr>
+            <a:spLocks noGrp="1"/>
+          </p:cNvSpPr>
+          <p:nvPr>
+            <p:ph type="body" idx="1"/>
+          </p:nvPr>
+        </p:nvSpPr>
+        <p:spPr/>
+        <p:txBody>
+          <a:bodyPr/>
+          <a:lstStyle/>
+          <a:p>
+            <a:r>
+              <a:rPr lang="en-US" dirty="0"/>
+              <a:t>THIS HELPED CLARIFY WHAT WAS REQUIRED FOR MVP</a:t>
+            </a:r>
+          </a:p>
+        </p:txBody>
+      </p:sp>
+      <p:sp>
+        <p:nvSpPr>
+          <p:cNvPr id="4" name="Slide Number Placeholder 3"/>
+          <p:cNvSpPr>
+            <a:spLocks noGrp="1"/>
+          </p:cNvSpPr>
+          <p:nvPr>
+            <p:ph type="sldNum" sz="quarter" idx="5"/>
+          </p:nvPr>
+        </p:nvSpPr>
+        <p:spPr/>
+        <p:txBody>
+          <a:bodyPr/>
+          <a:lstStyle/>
+          <a:p>
+            <a:fld id="{DB10ADCB-83CE-1A48-A7E6-ED43AE9D576E}" type="slidenum">
+              <a:rPr lang="en-US" smtClean="0"/>
+              <a:t>3</a:t>
+            </a:fld>
+            <a:endParaRPr lang="en-US"/>
+          </a:p>
+        </p:txBody>
+      </p:sp>
+    </p:spTree>
+    <p:extLst>
+      <p:ext uri="{BB962C8B-B14F-4D97-AF65-F5344CB8AC3E}">
+        <p14:creationId xmlns:p14="http://schemas.microsoft.com/office/powerpoint/2010/main" val="378519257"/>
+      </p:ext>
+    </p:extLst>
+  </p:cSld>
+  <p:clrMapOvr>
+    <a:masterClrMapping/>
+  </p:clrMapOvr>
+</p:notes>
+</file>
+
+<file path=ppt/notesSlides/notesSlide3.xml><?xml version="1.0" encoding="utf-8"?>
+<p:notes xmlns:a="http://schemas.openxmlformats.org/drawingml/2006/main" xmlns:r="http://schemas.openxmlformats.org/officeDocument/2006/relationships" xmlns:p="http://schemas.openxmlformats.org/presentationml/2006/main">
+  <p:cSld>
+    <p:spTree>
+      <p:nvGrpSpPr>
+        <p:cNvPr id="1" name=""/>
+        <p:cNvGrpSpPr/>
+        <p:nvPr/>
+      </p:nvGrpSpPr>
+      <p:grpSpPr>
+        <a:xfrm>
+          <a:off x="0" y="0"/>
+          <a:ext cx="0" cy="0"/>
+          <a:chOff x="0" y="0"/>
+          <a:chExt cx="0" cy="0"/>
+        </a:xfrm>
+      </p:grpSpPr>
+      <p:sp>
+        <p:nvSpPr>
+          <p:cNvPr id="2" name="Slide Image Placeholder 1"/>
+          <p:cNvSpPr>
+            <a:spLocks noGrp="1" noRot="1" noChangeAspect="1"/>
+          </p:cNvSpPr>
+          <p:nvPr>
+            <p:ph type="sldImg"/>
+          </p:nvPr>
+        </p:nvSpPr>
+        <p:spPr/>
+      </p:sp>
+      <p:sp>
+        <p:nvSpPr>
+          <p:cNvPr id="3" name="Notes Placeholder 2"/>
+          <p:cNvSpPr>
+            <a:spLocks noGrp="1"/>
+          </p:cNvSpPr>
+          <p:nvPr>
+            <p:ph type="body" idx="1"/>
+          </p:nvPr>
+        </p:nvSpPr>
+        <p:spPr/>
+        <p:txBody>
+          <a:bodyPr/>
+          <a:lstStyle/>
+          <a:p>
+            <a:r>
+              <a:rPr lang="en-US" dirty="0"/>
+              <a:t>SLIGHTLY USEFUL</a:t>
+            </a:r>
+          </a:p>
+        </p:txBody>
+      </p:sp>
+      <p:sp>
+        <p:nvSpPr>
+          <p:cNvPr id="4" name="Slide Number Placeholder 3"/>
+          <p:cNvSpPr>
+            <a:spLocks noGrp="1"/>
+          </p:cNvSpPr>
+          <p:nvPr>
+            <p:ph type="sldNum" sz="quarter" idx="5"/>
+          </p:nvPr>
+        </p:nvSpPr>
+        <p:spPr/>
+        <p:txBody>
+          <a:bodyPr/>
+          <a:lstStyle/>
+          <a:p>
+            <a:fld id="{DB10ADCB-83CE-1A48-A7E6-ED43AE9D576E}" type="slidenum">
+              <a:rPr lang="en-US" smtClean="0"/>
+              <a:t>4</a:t>
+            </a:fld>
+            <a:endParaRPr lang="en-US"/>
+          </a:p>
+        </p:txBody>
+      </p:sp>
+    </p:spTree>
+    <p:extLst>
+      <p:ext uri="{BB962C8B-B14F-4D97-AF65-F5344CB8AC3E}">
+        <p14:creationId xmlns:p14="http://schemas.microsoft.com/office/powerpoint/2010/main" val="2028284817"/>
+      </p:ext>
+    </p:extLst>
+  </p:cSld>
+  <p:clrMapOvr>
+    <a:masterClrMapping/>
+  </p:clrMapOvr>
+</p:notes>
+</file>
+
+<file path=ppt/notesSlides/notesSlide4.xml><?xml version="1.0" encoding="utf-8"?>
+<p:notes xmlns:a="http://schemas.openxmlformats.org/drawingml/2006/main" xmlns:r="http://schemas.openxmlformats.org/officeDocument/2006/relationships" xmlns:p="http://schemas.openxmlformats.org/presentationml/2006/main">
+  <p:cSld>
+    <p:spTree>
+      <p:nvGrpSpPr>
+        <p:cNvPr id="1" name=""/>
+        <p:cNvGrpSpPr/>
+        <p:nvPr/>
+      </p:nvGrpSpPr>
+      <p:grpSpPr>
+        <a:xfrm>
+          <a:off x="0" y="0"/>
+          <a:ext cx="0" cy="0"/>
+          <a:chOff x="0" y="0"/>
+          <a:chExt cx="0" cy="0"/>
+        </a:xfrm>
+      </p:grpSpPr>
+      <p:sp>
+        <p:nvSpPr>
+          <p:cNvPr id="2" name="Slide Image Placeholder 1"/>
+          <p:cNvSpPr>
+            <a:spLocks noGrp="1" noRot="1" noChangeAspect="1"/>
+          </p:cNvSpPr>
+          <p:nvPr>
+            <p:ph type="sldImg"/>
+          </p:nvPr>
+        </p:nvSpPr>
+        <p:spPr/>
+      </p:sp>
+      <p:sp>
+        <p:nvSpPr>
+          <p:cNvPr id="3" name="Notes Placeholder 2"/>
+          <p:cNvSpPr>
+            <a:spLocks noGrp="1"/>
+          </p:cNvSpPr>
+          <p:nvPr>
+            <p:ph type="body" idx="1"/>
+          </p:nvPr>
+        </p:nvSpPr>
+        <p:spPr/>
+        <p:txBody>
+          <a:bodyPr/>
+          <a:lstStyle/>
+          <a:p>
+            <a:r>
+              <a:rPr lang="en-US" dirty="0"/>
+              <a:t>TABLES HELPED WITH RELATIONSHIPS</a:t>
+            </a:r>
+          </a:p>
+          <a:p>
+            <a:endParaRPr lang="en-US" dirty="0"/>
+          </a:p>
+          <a:p>
+            <a:r>
+              <a:rPr lang="en-US" dirty="0"/>
+              <a:t>EASIER TO BE SURE OF OREDER TO</a:t>
+            </a:r>
+          </a:p>
+          <a:p>
+            <a:endParaRPr lang="en-US" dirty="0"/>
+          </a:p>
+          <a:p>
+            <a:r>
+              <a:rPr lang="en-US" dirty="0"/>
+              <a:t>CREATE &amp; DROP</a:t>
+            </a:r>
+          </a:p>
+        </p:txBody>
+      </p:sp>
+      <p:sp>
+        <p:nvSpPr>
+          <p:cNvPr id="4" name="Slide Number Placeholder 3"/>
+          <p:cNvSpPr>
+            <a:spLocks noGrp="1"/>
+          </p:cNvSpPr>
+          <p:nvPr>
+            <p:ph type="sldNum" sz="quarter" idx="5"/>
+          </p:nvPr>
+        </p:nvSpPr>
+        <p:spPr/>
+        <p:txBody>
+          <a:bodyPr/>
+          <a:lstStyle/>
+          <a:p>
+            <a:fld id="{DB10ADCB-83CE-1A48-A7E6-ED43AE9D576E}" type="slidenum">
+              <a:rPr lang="en-US" smtClean="0"/>
+              <a:t>5</a:t>
+            </a:fld>
+            <a:endParaRPr lang="en-US"/>
+          </a:p>
+        </p:txBody>
+      </p:sp>
+    </p:spTree>
+    <p:extLst>
+      <p:ext uri="{BB962C8B-B14F-4D97-AF65-F5344CB8AC3E}">
+        <p14:creationId xmlns:p14="http://schemas.microsoft.com/office/powerpoint/2010/main" val="3939028310"/>
+      </p:ext>
+    </p:extLst>
+  </p:cSld>
+  <p:clrMapOvr>
+    <a:masterClrMapping/>
+  </p:clrMapOvr>
+</p:notes>
+</file>
+
+<file path=ppt/notesSlides/notesSlide5.xml><?xml version="1.0" encoding="utf-8"?>
+<p:notes xmlns:a="http://schemas.openxmlformats.org/drawingml/2006/main" xmlns:r="http://schemas.openxmlformats.org/officeDocument/2006/relationships" xmlns:p="http://schemas.openxmlformats.org/presentationml/2006/main">
+  <p:cSld>
+    <p:spTree>
+      <p:nvGrpSpPr>
+        <p:cNvPr id="1" name=""/>
+        <p:cNvGrpSpPr/>
+        <p:nvPr/>
+      </p:nvGrpSpPr>
+      <p:grpSpPr>
+        <a:xfrm>
+          <a:off x="0" y="0"/>
+          <a:ext cx="0" cy="0"/>
+          <a:chOff x="0" y="0"/>
+          <a:chExt cx="0" cy="0"/>
+        </a:xfrm>
+      </p:grpSpPr>
+      <p:sp>
+        <p:nvSpPr>
+          <p:cNvPr id="2" name="Slide Image Placeholder 1"/>
+          <p:cNvSpPr>
+            <a:spLocks noGrp="1" noRot="1" noChangeAspect="1"/>
+          </p:cNvSpPr>
+          <p:nvPr>
+            <p:ph type="sldImg"/>
+          </p:nvPr>
+        </p:nvSpPr>
+        <p:spPr/>
+      </p:sp>
+      <p:sp>
+        <p:nvSpPr>
+          <p:cNvPr id="3" name="Notes Placeholder 2"/>
+          <p:cNvSpPr>
+            <a:spLocks noGrp="1"/>
+          </p:cNvSpPr>
+          <p:nvPr>
+            <p:ph type="body" idx="1"/>
+          </p:nvPr>
+        </p:nvSpPr>
+        <p:spPr/>
+        <p:txBody>
+          <a:bodyPr/>
+          <a:lstStyle/>
+          <a:p>
+            <a:r>
+              <a:rPr lang="en-US" dirty="0"/>
+              <a:t>Helpful when coding </a:t>
+            </a:r>
+          </a:p>
+          <a:p>
+            <a:endParaRPr lang="en-US" dirty="0"/>
+          </a:p>
+          <a:p>
+            <a:r>
+              <a:rPr lang="en-US" dirty="0"/>
+              <a:t>It made routes simple when head was in coding mode</a:t>
+            </a:r>
+          </a:p>
+        </p:txBody>
+      </p:sp>
+      <p:sp>
+        <p:nvSpPr>
+          <p:cNvPr id="4" name="Slide Number Placeholder 3"/>
+          <p:cNvSpPr>
+            <a:spLocks noGrp="1"/>
+          </p:cNvSpPr>
+          <p:nvPr>
+            <p:ph type="sldNum" sz="quarter" idx="5"/>
+          </p:nvPr>
+        </p:nvSpPr>
+        <p:spPr/>
+        <p:txBody>
+          <a:bodyPr/>
+          <a:lstStyle/>
+          <a:p>
+            <a:fld id="{DB10ADCB-83CE-1A48-A7E6-ED43AE9D576E}" type="slidenum">
+              <a:rPr lang="en-US" smtClean="0"/>
+              <a:t>6</a:t>
+            </a:fld>
+            <a:endParaRPr lang="en-US"/>
+          </a:p>
+        </p:txBody>
+      </p:sp>
+    </p:spTree>
+    <p:extLst>
+      <p:ext uri="{BB962C8B-B14F-4D97-AF65-F5344CB8AC3E}">
+        <p14:creationId xmlns:p14="http://schemas.microsoft.com/office/powerpoint/2010/main" val="1385298886"/>
+      </p:ext>
+    </p:extLst>
+  </p:cSld>
+  <p:clrMapOvr>
+    <a:masterClrMapping/>
+  </p:clrMapOvr>
+</p:notes>
+</file>
+
+<file path=ppt/notesSlides/notesSlide6.xml><?xml version="1.0" encoding="utf-8"?>
+<p:notes xmlns:a="http://schemas.openxmlformats.org/drawingml/2006/main" xmlns:r="http://schemas.openxmlformats.org/officeDocument/2006/relationships" xmlns:p="http://schemas.openxmlformats.org/presentationml/2006/main">
+  <p:cSld>
+    <p:spTree>
+      <p:nvGrpSpPr>
+        <p:cNvPr id="1" name=""/>
+        <p:cNvGrpSpPr/>
+        <p:nvPr/>
+      </p:nvGrpSpPr>
+      <p:grpSpPr>
+        <a:xfrm>
+          <a:off x="0" y="0"/>
+          <a:ext cx="0" cy="0"/>
+          <a:chOff x="0" y="0"/>
+          <a:chExt cx="0" cy="0"/>
+        </a:xfrm>
+      </p:grpSpPr>
+      <p:sp>
+        <p:nvSpPr>
+          <p:cNvPr id="2" name="Slide Image Placeholder 1"/>
+          <p:cNvSpPr>
+            <a:spLocks noGrp="1" noRot="1" noChangeAspect="1"/>
+          </p:cNvSpPr>
+          <p:nvPr>
+            <p:ph type="sldImg"/>
+          </p:nvPr>
+        </p:nvSpPr>
+        <p:spPr/>
+      </p:sp>
+      <p:sp>
+        <p:nvSpPr>
+          <p:cNvPr id="3" name="Notes Placeholder 2"/>
+          <p:cNvSpPr>
+            <a:spLocks noGrp="1"/>
+          </p:cNvSpPr>
+          <p:nvPr>
+            <p:ph type="body" idx="1"/>
+          </p:nvPr>
+        </p:nvSpPr>
+        <p:spPr/>
+        <p:txBody>
+          <a:bodyPr/>
+          <a:lstStyle/>
+          <a:p>
+            <a:r>
+              <a:rPr lang="en-US" dirty="0"/>
+              <a:t>Who was the user </a:t>
+            </a:r>
+          </a:p>
+          <a:p>
+            <a:endParaRPr lang="en-US" dirty="0"/>
+          </a:p>
+          <a:p>
+            <a:r>
+              <a:rPr lang="en-US" dirty="0"/>
+              <a:t>As much info on page without being too busy</a:t>
+            </a:r>
+          </a:p>
+          <a:p>
+            <a:endParaRPr lang="en-US" dirty="0"/>
+          </a:p>
+          <a:p>
+            <a:r>
+              <a:rPr lang="en-US" dirty="0" err="1"/>
+              <a:t>Converstion</a:t>
+            </a:r>
+            <a:r>
+              <a:rPr lang="en-US" dirty="0"/>
+              <a:t> with </a:t>
+            </a:r>
+            <a:r>
+              <a:rPr lang="en-US" dirty="0" err="1"/>
+              <a:t>Clau</a:t>
+            </a:r>
+            <a:endParaRPr lang="en-US" dirty="0"/>
+          </a:p>
+          <a:p>
+            <a:endParaRPr lang="en-US" dirty="0"/>
+          </a:p>
+          <a:p>
+            <a:r>
+              <a:rPr lang="en-US" dirty="0" err="1"/>
+              <a:t>Technocrush</a:t>
+            </a:r>
+            <a:r>
+              <a:rPr lang="en-US" dirty="0"/>
+              <a:t> on </a:t>
+            </a:r>
+            <a:r>
+              <a:rPr lang="en-US" dirty="0" err="1"/>
+              <a:t>Excalidraw</a:t>
+            </a:r>
+            <a:endParaRPr lang="en-US" dirty="0"/>
+          </a:p>
+          <a:p>
+            <a:endParaRPr lang="en-US" dirty="0"/>
+          </a:p>
+          <a:p>
+            <a:r>
+              <a:rPr lang="en-US" dirty="0"/>
+              <a:t>Set out to replicate wireframes as closely as possible</a:t>
+            </a:r>
+          </a:p>
+          <a:p>
+            <a:endParaRPr lang="en-US" dirty="0"/>
+          </a:p>
+          <a:p>
+            <a:r>
+              <a:rPr lang="en-US" dirty="0"/>
+              <a:t>Font - success</a:t>
+            </a:r>
+          </a:p>
+          <a:p>
+            <a:endParaRPr lang="en-US" dirty="0"/>
+          </a:p>
+          <a:p>
+            <a:r>
+              <a:rPr lang="en-US" dirty="0"/>
+              <a:t>borders - leave for another time!</a:t>
+            </a:r>
+          </a:p>
+          <a:p>
+            <a:endParaRPr lang="en-US" dirty="0"/>
+          </a:p>
+        </p:txBody>
+      </p:sp>
+      <p:sp>
+        <p:nvSpPr>
+          <p:cNvPr id="4" name="Slide Number Placeholder 3"/>
+          <p:cNvSpPr>
+            <a:spLocks noGrp="1"/>
+          </p:cNvSpPr>
+          <p:nvPr>
+            <p:ph type="sldNum" sz="quarter" idx="5"/>
+          </p:nvPr>
+        </p:nvSpPr>
+        <p:spPr/>
+        <p:txBody>
+          <a:bodyPr/>
+          <a:lstStyle/>
+          <a:p>
+            <a:fld id="{DB10ADCB-83CE-1A48-A7E6-ED43AE9D576E}" type="slidenum">
+              <a:rPr lang="en-US" smtClean="0"/>
+              <a:t>7</a:t>
+            </a:fld>
+            <a:endParaRPr lang="en-US"/>
+          </a:p>
+        </p:txBody>
+      </p:sp>
+    </p:spTree>
+    <p:extLst>
+      <p:ext uri="{BB962C8B-B14F-4D97-AF65-F5344CB8AC3E}">
+        <p14:creationId xmlns:p14="http://schemas.microsoft.com/office/powerpoint/2010/main" val="3657915735"/>
+      </p:ext>
+    </p:extLst>
+  </p:cSld>
+  <p:clrMapOvr>
+    <a:masterClrMapping/>
+  </p:clrMapOvr>
+</p:notes>
+</file>
+
+<file path=ppt/notesSlides/notesSlide7.xml><?xml version="1.0" encoding="utf-8"?>
+<p:notes xmlns:a="http://schemas.openxmlformats.org/drawingml/2006/main" xmlns:r="http://schemas.openxmlformats.org/officeDocument/2006/relationships" xmlns:p="http://schemas.openxmlformats.org/presentationml/2006/main">
+  <p:cSld>
+    <p:spTree>
+      <p:nvGrpSpPr>
+        <p:cNvPr id="1" name=""/>
+        <p:cNvGrpSpPr/>
+        <p:nvPr/>
+      </p:nvGrpSpPr>
+      <p:grpSpPr>
+        <a:xfrm>
+          <a:off x="0" y="0"/>
+          <a:ext cx="0" cy="0"/>
+          <a:chOff x="0" y="0"/>
+          <a:chExt cx="0" cy="0"/>
+        </a:xfrm>
+      </p:grpSpPr>
+      <p:sp>
+        <p:nvSpPr>
+          <p:cNvPr id="2" name="Slide Image Placeholder 1"/>
+          <p:cNvSpPr>
+            <a:spLocks noGrp="1" noRot="1" noChangeAspect="1"/>
+          </p:cNvSpPr>
+          <p:nvPr>
+            <p:ph type="sldImg"/>
+          </p:nvPr>
+        </p:nvSpPr>
+        <p:spPr/>
+      </p:sp>
+      <p:sp>
+        <p:nvSpPr>
+          <p:cNvPr id="3" name="Notes Placeholder 2"/>
+          <p:cNvSpPr>
+            <a:spLocks noGrp="1"/>
+          </p:cNvSpPr>
+          <p:nvPr>
+            <p:ph type="body" idx="1"/>
+          </p:nvPr>
+        </p:nvSpPr>
+        <p:spPr/>
+        <p:txBody>
+          <a:bodyPr/>
+          <a:lstStyle/>
+          <a:p>
+            <a:r>
+              <a:rPr lang="en-US" dirty="0"/>
+              <a:t>HANDLED the interface of human input and SQL STRICTNESS</a:t>
+            </a:r>
+          </a:p>
+          <a:p>
+            <a:endParaRPr lang="en-US" dirty="0"/>
+          </a:p>
+          <a:p>
+            <a:r>
+              <a:rPr lang="en-US" dirty="0"/>
+              <a:t>SQL happy with strings</a:t>
+            </a:r>
+          </a:p>
+          <a:p>
+            <a:endParaRPr lang="en-US" dirty="0"/>
+          </a:p>
+          <a:p>
+            <a:r>
+              <a:rPr lang="en-US" dirty="0"/>
+              <a:t>Python happy with string</a:t>
+            </a:r>
+          </a:p>
+          <a:p>
+            <a:endParaRPr lang="en-US" dirty="0"/>
+          </a:p>
+          <a:p>
+            <a:r>
+              <a:rPr lang="en-US" dirty="0"/>
+              <a:t>DATE in SQL for </a:t>
+            </a:r>
+            <a:r>
+              <a:rPr lang="en-US" dirty="0" err="1"/>
+              <a:t>sortabilty</a:t>
+            </a:r>
+            <a:endParaRPr lang="en-US" dirty="0"/>
+          </a:p>
+        </p:txBody>
+      </p:sp>
+      <p:sp>
+        <p:nvSpPr>
+          <p:cNvPr id="4" name="Slide Number Placeholder 3"/>
+          <p:cNvSpPr>
+            <a:spLocks noGrp="1"/>
+          </p:cNvSpPr>
+          <p:nvPr>
+            <p:ph type="sldNum" sz="quarter" idx="5"/>
+          </p:nvPr>
+        </p:nvSpPr>
+        <p:spPr/>
+        <p:txBody>
+          <a:bodyPr/>
+          <a:lstStyle/>
+          <a:p>
+            <a:fld id="{DB10ADCB-83CE-1A48-A7E6-ED43AE9D576E}" type="slidenum">
+              <a:rPr lang="en-US" smtClean="0"/>
+              <a:t>10</a:t>
+            </a:fld>
+            <a:endParaRPr lang="en-US"/>
+          </a:p>
+        </p:txBody>
+      </p:sp>
+    </p:spTree>
+    <p:extLst>
+      <p:ext uri="{BB962C8B-B14F-4D97-AF65-F5344CB8AC3E}">
+        <p14:creationId xmlns:p14="http://schemas.microsoft.com/office/powerpoint/2010/main" val="1583693093"/>
+      </p:ext>
+    </p:extLst>
+  </p:cSld>
+  <p:clrMapOvr>
+    <a:masterClrMapping/>
+  </p:clrMapOvr>
+</p:notes>
+</file>
+
+<file path=ppt/notesSlides/notesSlide8.xml><?xml version="1.0" encoding="utf-8"?>
+<p:notes xmlns:a="http://schemas.openxmlformats.org/drawingml/2006/main" xmlns:r="http://schemas.openxmlformats.org/officeDocument/2006/relationships" xmlns:p="http://schemas.openxmlformats.org/presentationml/2006/main">
+  <p:cSld>
+    <p:spTree>
+      <p:nvGrpSpPr>
+        <p:cNvPr id="1" name=""/>
+        <p:cNvGrpSpPr/>
+        <p:nvPr/>
+      </p:nvGrpSpPr>
+      <p:grpSpPr>
+        <a:xfrm>
+          <a:off x="0" y="0"/>
+          <a:ext cx="0" cy="0"/>
+          <a:chOff x="0" y="0"/>
+          <a:chExt cx="0" cy="0"/>
+        </a:xfrm>
+      </p:grpSpPr>
+      <p:sp>
+        <p:nvSpPr>
+          <p:cNvPr id="2" name="Slide Image Placeholder 1"/>
+          <p:cNvSpPr>
+            <a:spLocks noGrp="1" noRot="1" noChangeAspect="1"/>
+          </p:cNvSpPr>
+          <p:nvPr>
+            <p:ph type="sldImg"/>
+          </p:nvPr>
+        </p:nvSpPr>
+        <p:spPr/>
+      </p:sp>
+      <p:sp>
+        <p:nvSpPr>
+          <p:cNvPr id="3" name="Notes Placeholder 2"/>
+          <p:cNvSpPr>
+            <a:spLocks noGrp="1"/>
+          </p:cNvSpPr>
+          <p:nvPr>
+            <p:ph type="body" idx="1"/>
+          </p:nvPr>
+        </p:nvSpPr>
+        <p:spPr/>
+        <p:txBody>
+          <a:bodyPr/>
+          <a:lstStyle/>
+          <a:p>
+            <a:r>
+              <a:rPr lang="en-US" dirty="0"/>
+              <a:t>CSS - Planning, </a:t>
+            </a:r>
+            <a:r>
+              <a:rPr lang="en-US" dirty="0" err="1"/>
+              <a:t>Organisation</a:t>
+            </a:r>
+            <a:r>
+              <a:rPr lang="en-US" dirty="0"/>
+              <a:t> &amp; Containers</a:t>
+            </a:r>
+          </a:p>
+          <a:p>
+            <a:r>
+              <a:rPr lang="en-US" dirty="0"/>
+              <a:t>Kept in mind objectives over building fancy app</a:t>
+            </a:r>
+          </a:p>
+        </p:txBody>
+      </p:sp>
+      <p:sp>
+        <p:nvSpPr>
+          <p:cNvPr id="4" name="Slide Number Placeholder 3"/>
+          <p:cNvSpPr>
+            <a:spLocks noGrp="1"/>
+          </p:cNvSpPr>
+          <p:nvPr>
+            <p:ph type="sldNum" sz="quarter" idx="5"/>
+          </p:nvPr>
+        </p:nvSpPr>
+        <p:spPr/>
+        <p:txBody>
+          <a:bodyPr/>
+          <a:lstStyle/>
+          <a:p>
+            <a:fld id="{DB10ADCB-83CE-1A48-A7E6-ED43AE9D576E}" type="slidenum">
+              <a:rPr lang="en-US" smtClean="0"/>
+              <a:t>11</a:t>
+            </a:fld>
+            <a:endParaRPr lang="en-US"/>
+          </a:p>
+        </p:txBody>
+      </p:sp>
+    </p:spTree>
+    <p:extLst>
+      <p:ext uri="{BB962C8B-B14F-4D97-AF65-F5344CB8AC3E}">
+        <p14:creationId xmlns:p14="http://schemas.microsoft.com/office/powerpoint/2010/main" val="4236562556"/>
+      </p:ext>
+    </p:extLst>
+  </p:cSld>
+  <p:clrMapOvr>
+    <a:masterClrMapping/>
+  </p:clrMapOvr>
+</p:notes>
 </file>
 
 <file path=ppt/slideLayouts/slideLayout1.xml><?xml version="1.0" encoding="utf-8"?>
@@ -285,7 +2254,7 @@
           <a:p>
             <a:fld id="{E49CE465-2DE3-5E40-95EB-6750E5924DBA}" type="datetimeFigureOut">
               <a:rPr lang="en-US" smtClean="0"/>
-              <a:t>12/11/21</a:t>
+              <a:t>12/15/21</a:t>
             </a:fld>
             <a:endParaRPr lang="en-US"/>
           </a:p>
@@ -485,7 +2454,7 @@
           <a:p>
             <a:fld id="{E49CE465-2DE3-5E40-95EB-6750E5924DBA}" type="datetimeFigureOut">
               <a:rPr lang="en-US" smtClean="0"/>
-              <a:t>12/11/21</a:t>
+              <a:t>12/15/21</a:t>
             </a:fld>
             <a:endParaRPr lang="en-US"/>
           </a:p>
@@ -695,7 +2664,7 @@
           <a:p>
             <a:fld id="{E49CE465-2DE3-5E40-95EB-6750E5924DBA}" type="datetimeFigureOut">
               <a:rPr lang="en-US" smtClean="0"/>
-              <a:t>12/11/21</a:t>
+              <a:t>12/15/21</a:t>
             </a:fld>
             <a:endParaRPr lang="en-US"/>
           </a:p>
@@ -895,7 +2864,7 @@
           <a:p>
             <a:fld id="{E49CE465-2DE3-5E40-95EB-6750E5924DBA}" type="datetimeFigureOut">
               <a:rPr lang="en-US" smtClean="0"/>
-              <a:t>12/11/21</a:t>
+              <a:t>12/15/21</a:t>
             </a:fld>
             <a:endParaRPr lang="en-US"/>
           </a:p>
@@ -1171,7 +3140,7 @@
           <a:p>
             <a:fld id="{E49CE465-2DE3-5E40-95EB-6750E5924DBA}" type="datetimeFigureOut">
               <a:rPr lang="en-US" smtClean="0"/>
-              <a:t>12/11/21</a:t>
+              <a:t>12/15/21</a:t>
             </a:fld>
             <a:endParaRPr lang="en-US"/>
           </a:p>
@@ -1439,7 +3408,7 @@
           <a:p>
             <a:fld id="{E49CE465-2DE3-5E40-95EB-6750E5924DBA}" type="datetimeFigureOut">
               <a:rPr lang="en-US" smtClean="0"/>
-              <a:t>12/11/21</a:t>
+              <a:t>12/15/21</a:t>
             </a:fld>
             <a:endParaRPr lang="en-US"/>
           </a:p>
@@ -1854,7 +3823,7 @@
           <a:p>
             <a:fld id="{E49CE465-2DE3-5E40-95EB-6750E5924DBA}" type="datetimeFigureOut">
               <a:rPr lang="en-US" smtClean="0"/>
-              <a:t>12/11/21</a:t>
+              <a:t>12/15/21</a:t>
             </a:fld>
             <a:endParaRPr lang="en-US"/>
           </a:p>
@@ -1996,7 +3965,7 @@
           <a:p>
             <a:fld id="{E49CE465-2DE3-5E40-95EB-6750E5924DBA}" type="datetimeFigureOut">
               <a:rPr lang="en-US" smtClean="0"/>
-              <a:t>12/11/21</a:t>
+              <a:t>12/15/21</a:t>
             </a:fld>
             <a:endParaRPr lang="en-US"/>
           </a:p>
@@ -2109,7 +4078,7 @@
           <a:p>
             <a:fld id="{E49CE465-2DE3-5E40-95EB-6750E5924DBA}" type="datetimeFigureOut">
               <a:rPr lang="en-US" smtClean="0"/>
-              <a:t>12/11/21</a:t>
+              <a:t>12/15/21</a:t>
             </a:fld>
             <a:endParaRPr lang="en-US"/>
           </a:p>
@@ -2422,7 +4391,7 @@
           <a:p>
             <a:fld id="{E49CE465-2DE3-5E40-95EB-6750E5924DBA}" type="datetimeFigureOut">
               <a:rPr lang="en-US" smtClean="0"/>
-              <a:t>12/11/21</a:t>
+              <a:t>12/15/21</a:t>
             </a:fld>
             <a:endParaRPr lang="en-US"/>
           </a:p>
@@ -2711,7 +4680,7 @@
           <a:p>
             <a:fld id="{E49CE465-2DE3-5E40-95EB-6750E5924DBA}" type="datetimeFigureOut">
               <a:rPr lang="en-US" smtClean="0"/>
-              <a:t>12/11/21</a:t>
+              <a:t>12/15/21</a:t>
             </a:fld>
             <a:endParaRPr lang="en-US"/>
           </a:p>
@@ -2954,7 +4923,7 @@
           <a:p>
             <a:fld id="{E49CE465-2DE3-5E40-95EB-6750E5924DBA}" type="datetimeFigureOut">
               <a:rPr lang="en-US" smtClean="0"/>
-              <a:t>12/11/21</a:t>
+              <a:t>12/15/21</a:t>
             </a:fld>
             <a:endParaRPr lang="en-US"/>
           </a:p>
@@ -3668,6 +5637,4131 @@
 </p:sld>
 </file>
 
+<file path=ppt/slides/slide10.xml><?xml version="1.0" encoding="utf-8"?>
+<p:sld xmlns:a="http://schemas.openxmlformats.org/drawingml/2006/main" xmlns:r="http://schemas.openxmlformats.org/officeDocument/2006/relationships" xmlns:p="http://schemas.openxmlformats.org/presentationml/2006/main">
+  <p:cSld>
+    <p:bg>
+      <p:bgPr>
+        <a:solidFill>
+          <a:schemeClr val="tx1">
+            <a:lumMod val="75000"/>
+            <a:lumOff val="25000"/>
+          </a:schemeClr>
+        </a:solidFill>
+        <a:effectLst/>
+      </p:bgPr>
+    </p:bg>
+    <p:spTree>
+      <p:nvGrpSpPr>
+        <p:cNvPr id="1" name=""/>
+        <p:cNvGrpSpPr/>
+        <p:nvPr/>
+      </p:nvGrpSpPr>
+      <p:grpSpPr>
+        <a:xfrm>
+          <a:off x="0" y="0"/>
+          <a:ext cx="0" cy="0"/>
+          <a:chOff x="0" y="0"/>
+          <a:chExt cx="0" cy="0"/>
+        </a:xfrm>
+      </p:grpSpPr>
+      <p:pic>
+        <p:nvPicPr>
+          <p:cNvPr id="8" name="Picture 7" descr="A picture containing silhouette&#10;&#10;Description automatically generated">
+            <a:extLst>
+              <a:ext uri="{FF2B5EF4-FFF2-40B4-BE49-F238E27FC236}">
+                <a16:creationId xmlns:a16="http://schemas.microsoft.com/office/drawing/2014/main" id="{4C95D803-8687-0042-AE89-8FF55B098543}"/>
+              </a:ext>
+            </a:extLst>
+          </p:cNvPr>
+          <p:cNvPicPr>
+            <a:picLocks noChangeAspect="1"/>
+          </p:cNvPicPr>
+          <p:nvPr/>
+        </p:nvPicPr>
+        <p:blipFill>
+          <a:blip r:embed="rId3"/>
+          <a:stretch>
+            <a:fillRect/>
+          </a:stretch>
+        </p:blipFill>
+        <p:spPr>
+          <a:xfrm>
+            <a:off x="4950533" y="-301316"/>
+            <a:ext cx="9147628" cy="9147628"/>
+          </a:xfrm>
+          <a:prstGeom prst="rect">
+            <a:avLst/>
+          </a:prstGeom>
+        </p:spPr>
+      </p:pic>
+      <p:sp>
+        <p:nvSpPr>
+          <p:cNvPr id="3" name="Title 4">
+            <a:extLst>
+              <a:ext uri="{FF2B5EF4-FFF2-40B4-BE49-F238E27FC236}">
+                <a16:creationId xmlns:a16="http://schemas.microsoft.com/office/drawing/2014/main" id="{452563EB-EA97-1E48-A3B1-5F6EAC86FEA8}"/>
+              </a:ext>
+            </a:extLst>
+          </p:cNvPr>
+          <p:cNvSpPr>
+            <a:spLocks noGrp="1"/>
+          </p:cNvSpPr>
+          <p:nvPr>
+            <p:ph type="title"/>
+          </p:nvPr>
+        </p:nvSpPr>
+        <p:spPr>
+          <a:xfrm>
+            <a:off x="3655569" y="-205127"/>
+            <a:ext cx="7416799" cy="2133600"/>
+          </a:xfrm>
+        </p:spPr>
+        <p:txBody>
+          <a:bodyPr>
+            <a:normAutofit/>
+          </a:bodyPr>
+          <a:lstStyle/>
+          <a:p>
+            <a:r>
+              <a:rPr lang="en-US" dirty="0">
+                <a:solidFill>
+                  <a:schemeClr val="bg1"/>
+                </a:solidFill>
+              </a:rPr>
+              <a:t>Favorite bit of code</a:t>
+            </a:r>
+          </a:p>
+        </p:txBody>
+      </p:sp>
+      <p:pic>
+        <p:nvPicPr>
+          <p:cNvPr id="5" name="Picture 4" descr="Text&#10;&#10;Description automatically generated">
+            <a:extLst>
+              <a:ext uri="{FF2B5EF4-FFF2-40B4-BE49-F238E27FC236}">
+                <a16:creationId xmlns:a16="http://schemas.microsoft.com/office/drawing/2014/main" id="{EB43A43D-6A5A-8646-9191-EBD233F7AF81}"/>
+              </a:ext>
+            </a:extLst>
+          </p:cNvPr>
+          <p:cNvPicPr>
+            <a:picLocks noChangeAspect="1"/>
+          </p:cNvPicPr>
+          <p:nvPr/>
+        </p:nvPicPr>
+        <p:blipFill>
+          <a:blip r:embed="rId4"/>
+          <a:stretch>
+            <a:fillRect/>
+          </a:stretch>
+        </p:blipFill>
+        <p:spPr>
+          <a:xfrm>
+            <a:off x="794461" y="1646322"/>
+            <a:ext cx="9029830" cy="1629693"/>
+          </a:xfrm>
+          <a:prstGeom prst="rect">
+            <a:avLst/>
+          </a:prstGeom>
+        </p:spPr>
+      </p:pic>
+      <p:pic>
+        <p:nvPicPr>
+          <p:cNvPr id="6" name="Picture 5" descr="Text&#10;&#10;Description automatically generated">
+            <a:extLst>
+              <a:ext uri="{FF2B5EF4-FFF2-40B4-BE49-F238E27FC236}">
+                <a16:creationId xmlns:a16="http://schemas.microsoft.com/office/drawing/2014/main" id="{DA13CB0B-7209-AA47-A6AA-8EB62E53A1D7}"/>
+              </a:ext>
+            </a:extLst>
+          </p:cNvPr>
+          <p:cNvPicPr>
+            <a:picLocks noChangeAspect="1"/>
+          </p:cNvPicPr>
+          <p:nvPr/>
+        </p:nvPicPr>
+        <p:blipFill>
+          <a:blip r:embed="rId5"/>
+          <a:stretch>
+            <a:fillRect/>
+          </a:stretch>
+        </p:blipFill>
+        <p:spPr>
+          <a:xfrm>
+            <a:off x="794461" y="3683586"/>
+            <a:ext cx="10603078" cy="2480943"/>
+          </a:xfrm>
+          <a:prstGeom prst="rect">
+            <a:avLst/>
+          </a:prstGeom>
+        </p:spPr>
+      </p:pic>
+    </p:spTree>
+    <p:extLst>
+      <p:ext uri="{BB962C8B-B14F-4D97-AF65-F5344CB8AC3E}">
+        <p14:creationId xmlns:p14="http://schemas.microsoft.com/office/powerpoint/2010/main" val="285240518"/>
+      </p:ext>
+    </p:extLst>
+  </p:cSld>
+  <p:clrMapOvr>
+    <a:masterClrMapping/>
+  </p:clrMapOvr>
+</p:sld>
+</file>
+
+<file path=ppt/slides/slide11.xml><?xml version="1.0" encoding="utf-8"?>
+<p:sld xmlns:a="http://schemas.openxmlformats.org/drawingml/2006/main" xmlns:r="http://schemas.openxmlformats.org/officeDocument/2006/relationships" xmlns:p="http://schemas.openxmlformats.org/presentationml/2006/main" showMasterSp="0">
+  <p:cSld>
+    <p:bg>
+      <p:bgPr>
+        <a:solidFill>
+          <a:schemeClr val="bg1">
+            <a:tint val="95000"/>
+            <a:satMod val="170000"/>
+          </a:schemeClr>
+        </a:solidFill>
+        <a:effectLst/>
+      </p:bgPr>
+    </p:bg>
+    <p:spTree>
+      <p:nvGrpSpPr>
+        <p:cNvPr id="1" name=""/>
+        <p:cNvGrpSpPr/>
+        <p:nvPr/>
+      </p:nvGrpSpPr>
+      <p:grpSpPr>
+        <a:xfrm>
+          <a:off x="0" y="0"/>
+          <a:ext cx="0" cy="0"/>
+          <a:chOff x="0" y="0"/>
+          <a:chExt cx="0" cy="0"/>
+        </a:xfrm>
+      </p:grpSpPr>
+      <p:sp>
+        <p:nvSpPr>
+          <p:cNvPr id="7" name="Freeform: Shape 6">
+            <a:extLst>
+              <a:ext uri="{FF2B5EF4-FFF2-40B4-BE49-F238E27FC236}">
+                <a16:creationId xmlns:a16="http://schemas.microsoft.com/office/drawing/2014/main" id="{66B332A4-D438-4773-A77F-5ED49A448D9D}"/>
+              </a:ext>
+              <a:ext uri="{C183D7F6-B498-43B3-948B-1728B52AA6E4}">
+                <adec:decorative xmlns:adec="http://schemas.microsoft.com/office/drawing/2017/decorative" val="1"/>
+              </a:ext>
+            </a:extLst>
+          </p:cNvPr>
+          <p:cNvSpPr>
+            <a:spLocks noGrp="1" noRot="1" noChangeAspect="1" noMove="1" noResize="1" noEditPoints="1" noAdjustHandles="1" noChangeArrowheads="1" noChangeShapeType="1" noTextEdit="1"/>
+          </p:cNvSpPr>
+          <p:nvPr>
+            <p:extLst>
+              <p:ext uri="{386F3935-93C4-4BCD-93E2-E3B085C9AB24}">
+                <p16:designElem xmlns:p16="http://schemas.microsoft.com/office/powerpoint/2015/main" val="1"/>
+              </p:ext>
+            </p:extLst>
+          </p:nvPr>
+        </p:nvSpPr>
+        <p:spPr>
+          <a:xfrm>
+            <a:off x="1953768" y="0"/>
+            <a:ext cx="8284464" cy="6858000"/>
+          </a:xfrm>
+          <a:custGeom>
+            <a:avLst/>
+            <a:gdLst>
+              <a:gd name="connsiteX0" fmla="*/ 1818109 w 8284464"/>
+              <a:gd name="connsiteY0" fmla="*/ 0 h 6858000"/>
+              <a:gd name="connsiteX1" fmla="*/ 6466355 w 8284464"/>
+              <a:gd name="connsiteY1" fmla="*/ 0 h 6858000"/>
+              <a:gd name="connsiteX2" fmla="*/ 6620596 w 8284464"/>
+              <a:gd name="connsiteY2" fmla="*/ 109683 h 6858000"/>
+              <a:gd name="connsiteX3" fmla="*/ 8284464 w 8284464"/>
+              <a:gd name="connsiteY3" fmla="*/ 3429000 h 6858000"/>
+              <a:gd name="connsiteX4" fmla="*/ 6620596 w 8284464"/>
+              <a:gd name="connsiteY4" fmla="*/ 6748318 h 6858000"/>
+              <a:gd name="connsiteX5" fmla="*/ 6466355 w 8284464"/>
+              <a:gd name="connsiteY5" fmla="*/ 6858000 h 6858000"/>
+              <a:gd name="connsiteX6" fmla="*/ 1818109 w 8284464"/>
+              <a:gd name="connsiteY6" fmla="*/ 6858000 h 6858000"/>
+              <a:gd name="connsiteX7" fmla="*/ 1663869 w 8284464"/>
+              <a:gd name="connsiteY7" fmla="*/ 6748318 h 6858000"/>
+              <a:gd name="connsiteX8" fmla="*/ 0 w 8284464"/>
+              <a:gd name="connsiteY8" fmla="*/ 3429000 h 6858000"/>
+              <a:gd name="connsiteX9" fmla="*/ 1663869 w 8284464"/>
+              <a:gd name="connsiteY9" fmla="*/ 109683 h 6858000"/>
+            </a:gdLst>
+            <a:ahLst/>
+            <a:cxnLst>
+              <a:cxn ang="0">
+                <a:pos x="connsiteX0" y="connsiteY0"/>
+              </a:cxn>
+              <a:cxn ang="0">
+                <a:pos x="connsiteX1" y="connsiteY1"/>
+              </a:cxn>
+              <a:cxn ang="0">
+                <a:pos x="connsiteX2" y="connsiteY2"/>
+              </a:cxn>
+              <a:cxn ang="0">
+                <a:pos x="connsiteX3" y="connsiteY3"/>
+              </a:cxn>
+              <a:cxn ang="0">
+                <a:pos x="connsiteX4" y="connsiteY4"/>
+              </a:cxn>
+              <a:cxn ang="0">
+                <a:pos x="connsiteX5" y="connsiteY5"/>
+              </a:cxn>
+              <a:cxn ang="0">
+                <a:pos x="connsiteX6" y="connsiteY6"/>
+              </a:cxn>
+              <a:cxn ang="0">
+                <a:pos x="connsiteX7" y="connsiteY7"/>
+              </a:cxn>
+              <a:cxn ang="0">
+                <a:pos x="connsiteX8" y="connsiteY8"/>
+              </a:cxn>
+              <a:cxn ang="0">
+                <a:pos x="connsiteX9" y="connsiteY9"/>
+              </a:cxn>
+            </a:cxnLst>
+            <a:rect l="l" t="t" r="r" b="b"/>
+            <a:pathLst>
+              <a:path w="8284464" h="6858000">
+                <a:moveTo>
+                  <a:pt x="1818109" y="0"/>
+                </a:moveTo>
+                <a:lnTo>
+                  <a:pt x="6466355" y="0"/>
+                </a:lnTo>
+                <a:lnTo>
+                  <a:pt x="6620596" y="109683"/>
+                </a:lnTo>
+                <a:cubicBezTo>
+                  <a:pt x="7630666" y="865069"/>
+                  <a:pt x="8284464" y="2070683"/>
+                  <a:pt x="8284464" y="3429000"/>
+                </a:cubicBezTo>
+                <a:cubicBezTo>
+                  <a:pt x="8284464" y="4787317"/>
+                  <a:pt x="7630666" y="5992931"/>
+                  <a:pt x="6620596" y="6748318"/>
+                </a:cubicBezTo>
+                <a:lnTo>
+                  <a:pt x="6466355" y="6858000"/>
+                </a:lnTo>
+                <a:lnTo>
+                  <a:pt x="1818109" y="6858000"/>
+                </a:lnTo>
+                <a:lnTo>
+                  <a:pt x="1663869" y="6748318"/>
+                </a:lnTo>
+                <a:cubicBezTo>
+                  <a:pt x="653798" y="5992931"/>
+                  <a:pt x="0" y="4787317"/>
+                  <a:pt x="0" y="3429000"/>
+                </a:cubicBezTo>
+                <a:cubicBezTo>
+                  <a:pt x="0" y="2070683"/>
+                  <a:pt x="653798" y="865069"/>
+                  <a:pt x="1663869" y="109683"/>
+                </a:cubicBezTo>
+                <a:close/>
+              </a:path>
+            </a:pathLst>
+          </a:custGeom>
+          <a:solidFill>
+            <a:srgbClr val="FFFFFF">
+              <a:alpha val="80000"/>
+            </a:srgbClr>
+          </a:solidFill>
+          <a:ln>
+            <a:noFill/>
+          </a:ln>
+        </p:spPr>
+        <p:style>
+          <a:lnRef idx="2">
+            <a:schemeClr val="accent1">
+              <a:shade val="50000"/>
+            </a:schemeClr>
+          </a:lnRef>
+          <a:fillRef idx="1">
+            <a:schemeClr val="accent1"/>
+          </a:fillRef>
+          <a:effectRef idx="0">
+            <a:schemeClr val="accent1"/>
+          </a:effectRef>
+          <a:fontRef idx="minor">
+            <a:schemeClr val="lt1"/>
+          </a:fontRef>
+        </p:style>
+        <p:txBody>
+          <a:bodyPr wrap="square" rtlCol="0" anchor="ctr">
+            <a:noAutofit/>
+          </a:bodyPr>
+          <a:lstStyle/>
+          <a:p>
+            <a:pPr algn="ctr"/>
+            <a:endParaRPr lang="en-US"/>
+          </a:p>
+        </p:txBody>
+      </p:sp>
+      <p:sp>
+        <p:nvSpPr>
+          <p:cNvPr id="9" name="Freeform: Shape 8">
+            <a:extLst>
+              <a:ext uri="{FF2B5EF4-FFF2-40B4-BE49-F238E27FC236}">
+                <a16:creationId xmlns:a16="http://schemas.microsoft.com/office/drawing/2014/main" id="{DF9AD32D-FF05-44F4-BD4D-9CEE89B71EB9}"/>
+              </a:ext>
+              <a:ext uri="{C183D7F6-B498-43B3-948B-1728B52AA6E4}">
+                <adec:decorative xmlns:adec="http://schemas.microsoft.com/office/drawing/2017/decorative" val="1"/>
+              </a:ext>
+            </a:extLst>
+          </p:cNvPr>
+          <p:cNvSpPr>
+            <a:spLocks noGrp="1" noRot="1" noChangeAspect="1" noMove="1" noResize="1" noEditPoints="1" noAdjustHandles="1" noChangeArrowheads="1" noChangeShapeType="1" noTextEdit="1"/>
+          </p:cNvSpPr>
+          <p:nvPr>
+            <p:extLst>
+              <p:ext uri="{386F3935-93C4-4BCD-93E2-E3B085C9AB24}">
+                <p16:designElem xmlns:p16="http://schemas.microsoft.com/office/powerpoint/2015/main" val="1"/>
+              </p:ext>
+            </p:extLst>
+          </p:nvPr>
+        </p:nvSpPr>
+        <p:spPr>
+          <a:xfrm>
+            <a:off x="2118360" y="0"/>
+            <a:ext cx="7955280" cy="6858000"/>
+          </a:xfrm>
+          <a:custGeom>
+            <a:avLst/>
+            <a:gdLst>
+              <a:gd name="connsiteX0" fmla="*/ 1962423 w 7955280"/>
+              <a:gd name="connsiteY0" fmla="*/ 0 h 6858000"/>
+              <a:gd name="connsiteX1" fmla="*/ 5992858 w 7955280"/>
+              <a:gd name="connsiteY1" fmla="*/ 0 h 6858000"/>
+              <a:gd name="connsiteX2" fmla="*/ 6040191 w 7955280"/>
+              <a:gd name="connsiteY2" fmla="*/ 27216 h 6858000"/>
+              <a:gd name="connsiteX3" fmla="*/ 7955280 w 7955280"/>
+              <a:gd name="connsiteY3" fmla="*/ 3429000 h 6858000"/>
+              <a:gd name="connsiteX4" fmla="*/ 6040191 w 7955280"/>
+              <a:gd name="connsiteY4" fmla="*/ 6830784 h 6858000"/>
+              <a:gd name="connsiteX5" fmla="*/ 5992858 w 7955280"/>
+              <a:gd name="connsiteY5" fmla="*/ 6858000 h 6858000"/>
+              <a:gd name="connsiteX6" fmla="*/ 1962423 w 7955280"/>
+              <a:gd name="connsiteY6" fmla="*/ 6858000 h 6858000"/>
+              <a:gd name="connsiteX7" fmla="*/ 1915089 w 7955280"/>
+              <a:gd name="connsiteY7" fmla="*/ 6830784 h 6858000"/>
+              <a:gd name="connsiteX8" fmla="*/ 0 w 7955280"/>
+              <a:gd name="connsiteY8" fmla="*/ 3429000 h 6858000"/>
+              <a:gd name="connsiteX9" fmla="*/ 1915089 w 7955280"/>
+              <a:gd name="connsiteY9" fmla="*/ 27216 h 6858000"/>
+            </a:gdLst>
+            <a:ahLst/>
+            <a:cxnLst>
+              <a:cxn ang="0">
+                <a:pos x="connsiteX0" y="connsiteY0"/>
+              </a:cxn>
+              <a:cxn ang="0">
+                <a:pos x="connsiteX1" y="connsiteY1"/>
+              </a:cxn>
+              <a:cxn ang="0">
+                <a:pos x="connsiteX2" y="connsiteY2"/>
+              </a:cxn>
+              <a:cxn ang="0">
+                <a:pos x="connsiteX3" y="connsiteY3"/>
+              </a:cxn>
+              <a:cxn ang="0">
+                <a:pos x="connsiteX4" y="connsiteY4"/>
+              </a:cxn>
+              <a:cxn ang="0">
+                <a:pos x="connsiteX5" y="connsiteY5"/>
+              </a:cxn>
+              <a:cxn ang="0">
+                <a:pos x="connsiteX6" y="connsiteY6"/>
+              </a:cxn>
+              <a:cxn ang="0">
+                <a:pos x="connsiteX7" y="connsiteY7"/>
+              </a:cxn>
+              <a:cxn ang="0">
+                <a:pos x="connsiteX8" y="connsiteY8"/>
+              </a:cxn>
+              <a:cxn ang="0">
+                <a:pos x="connsiteX9" y="connsiteY9"/>
+              </a:cxn>
+            </a:cxnLst>
+            <a:rect l="l" t="t" r="r" b="b"/>
+            <a:pathLst>
+              <a:path w="7955280" h="6858000">
+                <a:moveTo>
+                  <a:pt x="1962423" y="0"/>
+                </a:moveTo>
+                <a:lnTo>
+                  <a:pt x="5992858" y="0"/>
+                </a:lnTo>
+                <a:lnTo>
+                  <a:pt x="6040191" y="27216"/>
+                </a:lnTo>
+                <a:cubicBezTo>
+                  <a:pt x="7188332" y="724844"/>
+                  <a:pt x="7955280" y="1987357"/>
+                  <a:pt x="7955280" y="3429000"/>
+                </a:cubicBezTo>
+                <a:cubicBezTo>
+                  <a:pt x="7955280" y="4870644"/>
+                  <a:pt x="7188332" y="6133157"/>
+                  <a:pt x="6040191" y="6830784"/>
+                </a:cubicBezTo>
+                <a:lnTo>
+                  <a:pt x="5992858" y="6858000"/>
+                </a:lnTo>
+                <a:lnTo>
+                  <a:pt x="1962423" y="6858000"/>
+                </a:lnTo>
+                <a:lnTo>
+                  <a:pt x="1915089" y="6830784"/>
+                </a:lnTo>
+                <a:cubicBezTo>
+                  <a:pt x="766948" y="6133157"/>
+                  <a:pt x="0" y="4870644"/>
+                  <a:pt x="0" y="3429000"/>
+                </a:cubicBezTo>
+                <a:cubicBezTo>
+                  <a:pt x="0" y="1987357"/>
+                  <a:pt x="766948" y="724844"/>
+                  <a:pt x="1915089" y="27216"/>
+                </a:cubicBezTo>
+                <a:close/>
+              </a:path>
+            </a:pathLst>
+          </a:custGeom>
+          <a:solidFill>
+            <a:schemeClr val="tx1"/>
+          </a:solidFill>
+          <a:ln>
+            <a:noFill/>
+          </a:ln>
+        </p:spPr>
+        <p:style>
+          <a:lnRef idx="2">
+            <a:schemeClr val="accent1">
+              <a:shade val="50000"/>
+            </a:schemeClr>
+          </a:lnRef>
+          <a:fillRef idx="1">
+            <a:schemeClr val="accent1"/>
+          </a:fillRef>
+          <a:effectRef idx="0">
+            <a:schemeClr val="accent1"/>
+          </a:effectRef>
+          <a:fontRef idx="minor">
+            <a:schemeClr val="lt1"/>
+          </a:fontRef>
+        </p:style>
+        <p:txBody>
+          <a:bodyPr wrap="square" rtlCol="0" anchor="ctr">
+            <a:noAutofit/>
+          </a:bodyPr>
+          <a:lstStyle/>
+          <a:p>
+            <a:pPr algn="ctr"/>
+            <a:endParaRPr lang="en-US"/>
+          </a:p>
+        </p:txBody>
+      </p:sp>
+      <p:sp>
+        <p:nvSpPr>
+          <p:cNvPr id="13" name="Title 1">
+            <a:extLst>
+              <a:ext uri="{FF2B5EF4-FFF2-40B4-BE49-F238E27FC236}">
+                <a16:creationId xmlns:a16="http://schemas.microsoft.com/office/drawing/2014/main" id="{3CE404BE-8498-464D-8885-E5473FB267C4}"/>
+              </a:ext>
+            </a:extLst>
+          </p:cNvPr>
+          <p:cNvSpPr>
+            <a:spLocks noGrp="1"/>
+          </p:cNvSpPr>
+          <p:nvPr>
+            <p:ph type="title"/>
+          </p:nvPr>
+        </p:nvSpPr>
+        <p:spPr>
+          <a:xfrm>
+            <a:off x="3248847" y="619091"/>
+            <a:ext cx="5694301" cy="1080938"/>
+          </a:xfrm>
+        </p:spPr>
+        <p:txBody>
+          <a:bodyPr>
+            <a:noAutofit/>
+          </a:bodyPr>
+          <a:lstStyle/>
+          <a:p>
+            <a:r>
+              <a:rPr lang="en-US" sz="5400" dirty="0">
+                <a:solidFill>
+                  <a:schemeClr val="bg1"/>
+                </a:solidFill>
+              </a:rPr>
+              <a:t>Learning Objectives</a:t>
+            </a:r>
+          </a:p>
+        </p:txBody>
+      </p:sp>
+      <p:sp>
+        <p:nvSpPr>
+          <p:cNvPr id="14" name="TextBox 13">
+            <a:extLst>
+              <a:ext uri="{FF2B5EF4-FFF2-40B4-BE49-F238E27FC236}">
+                <a16:creationId xmlns:a16="http://schemas.microsoft.com/office/drawing/2014/main" id="{135D5184-8720-FD43-AAE0-D6A1FE1C5096}"/>
+              </a:ext>
+            </a:extLst>
+          </p:cNvPr>
+          <p:cNvSpPr txBox="1"/>
+          <p:nvPr/>
+        </p:nvSpPr>
+        <p:spPr>
+          <a:xfrm>
+            <a:off x="1639549" y="3684111"/>
+            <a:ext cx="8912895" cy="2800767"/>
+          </a:xfrm>
+          <a:prstGeom prst="rect">
+            <a:avLst/>
+          </a:prstGeom>
+          <a:noFill/>
+        </p:spPr>
+        <p:txBody>
+          <a:bodyPr wrap="square" rtlCol="0">
+            <a:spAutoFit/>
+          </a:bodyPr>
+          <a:lstStyle/>
+          <a:p>
+            <a:pPr algn="ctr"/>
+            <a:r>
+              <a:rPr lang="en-US" sz="4400" dirty="0">
+                <a:solidFill>
+                  <a:schemeClr val="bg1">
+                    <a:lumMod val="50000"/>
+                    <a:lumOff val="50000"/>
+                  </a:schemeClr>
+                </a:solidFill>
+              </a:rPr>
+              <a:t>Get more comfortable:</a:t>
+            </a:r>
+          </a:p>
+          <a:p>
+            <a:pPr algn="ctr"/>
+            <a:r>
+              <a:rPr lang="en-US" sz="4400" dirty="0">
+                <a:solidFill>
+                  <a:schemeClr val="bg1">
+                    <a:lumMod val="50000"/>
+                    <a:lumOff val="50000"/>
+                  </a:schemeClr>
+                </a:solidFill>
+              </a:rPr>
+              <a:t>Experimenting with CSS &amp; HTML </a:t>
+            </a:r>
+          </a:p>
+          <a:p>
+            <a:pPr algn="ctr"/>
+            <a:r>
+              <a:rPr lang="en-US" sz="4400" dirty="0">
+                <a:solidFill>
+                  <a:schemeClr val="bg1">
+                    <a:lumMod val="50000"/>
+                    <a:lumOff val="50000"/>
+                  </a:schemeClr>
+                </a:solidFill>
+              </a:rPr>
+              <a:t>Working with Routes</a:t>
+            </a:r>
+          </a:p>
+          <a:p>
+            <a:pPr algn="ctr"/>
+            <a:r>
+              <a:rPr lang="en-US" sz="4400" dirty="0">
+                <a:solidFill>
+                  <a:schemeClr val="bg1">
+                    <a:lumMod val="50000"/>
+                    <a:lumOff val="50000"/>
+                  </a:schemeClr>
+                </a:solidFill>
+              </a:rPr>
+              <a:t>Using SQL</a:t>
+            </a:r>
+          </a:p>
+        </p:txBody>
+      </p:sp>
+      <p:grpSp>
+        <p:nvGrpSpPr>
+          <p:cNvPr id="29" name="Group 28">
+            <a:extLst>
+              <a:ext uri="{FF2B5EF4-FFF2-40B4-BE49-F238E27FC236}">
+                <a16:creationId xmlns:a16="http://schemas.microsoft.com/office/drawing/2014/main" id="{2D2E3A38-D78B-8544-AC28-24E5BFCA831C}"/>
+              </a:ext>
+            </a:extLst>
+          </p:cNvPr>
+          <p:cNvGrpSpPr/>
+          <p:nvPr/>
+        </p:nvGrpSpPr>
+        <p:grpSpPr>
+          <a:xfrm>
+            <a:off x="2177316" y="1700029"/>
+            <a:ext cx="8375128" cy="1783313"/>
+            <a:chOff x="1094261" y="4771220"/>
+            <a:chExt cx="8375128" cy="1783313"/>
+          </a:xfrm>
+        </p:grpSpPr>
+        <p:pic>
+          <p:nvPicPr>
+            <p:cNvPr id="21" name="Picture 20" descr="A picture containing text, first-aid kit&#10;&#10;Description automatically generated">
+              <a:extLst>
+                <a:ext uri="{FF2B5EF4-FFF2-40B4-BE49-F238E27FC236}">
+                  <a16:creationId xmlns:a16="http://schemas.microsoft.com/office/drawing/2014/main" id="{2CA961C3-96F2-4448-8A2C-F238CF91F5C1}"/>
+                </a:ext>
+              </a:extLst>
+            </p:cNvPr>
+            <p:cNvPicPr>
+              <a:picLocks noChangeAspect="1"/>
+            </p:cNvPicPr>
+            <p:nvPr/>
+          </p:nvPicPr>
+          <p:blipFill>
+            <a:blip r:embed="rId3"/>
+            <a:stretch>
+              <a:fillRect/>
+            </a:stretch>
+          </p:blipFill>
+          <p:spPr>
+            <a:xfrm>
+              <a:off x="1094261" y="4771220"/>
+              <a:ext cx="3143250" cy="1783313"/>
+            </a:xfrm>
+            <a:prstGeom prst="rect">
+              <a:avLst/>
+            </a:prstGeom>
+          </p:spPr>
+        </p:pic>
+        <p:pic>
+          <p:nvPicPr>
+            <p:cNvPr id="23" name="Picture 22" descr="Icon&#10;&#10;Description automatically generated">
+              <a:extLst>
+                <a:ext uri="{FF2B5EF4-FFF2-40B4-BE49-F238E27FC236}">
+                  <a16:creationId xmlns:a16="http://schemas.microsoft.com/office/drawing/2014/main" id="{A92A35CC-8041-CE43-93BC-7B8B6AB52A85}"/>
+                </a:ext>
+              </a:extLst>
+            </p:cNvPr>
+            <p:cNvPicPr>
+              <a:picLocks noChangeAspect="1"/>
+            </p:cNvPicPr>
+            <p:nvPr/>
+          </p:nvPicPr>
+          <p:blipFill>
+            <a:blip r:embed="rId4"/>
+            <a:stretch>
+              <a:fillRect/>
+            </a:stretch>
+          </p:blipFill>
+          <p:spPr>
+            <a:xfrm>
+              <a:off x="4136225" y="4973895"/>
+              <a:ext cx="1511912" cy="1580635"/>
+            </a:xfrm>
+            <a:prstGeom prst="rect">
+              <a:avLst/>
+            </a:prstGeom>
+          </p:spPr>
+        </p:pic>
+        <p:pic>
+          <p:nvPicPr>
+            <p:cNvPr id="25" name="Picture 24" descr="Icon&#10;&#10;Description automatically generated">
+              <a:extLst>
+                <a:ext uri="{FF2B5EF4-FFF2-40B4-BE49-F238E27FC236}">
+                  <a16:creationId xmlns:a16="http://schemas.microsoft.com/office/drawing/2014/main" id="{E7A13B69-93B6-A847-B97F-4ECDE15B4962}"/>
+                </a:ext>
+              </a:extLst>
+            </p:cNvPr>
+            <p:cNvPicPr>
+              <a:picLocks noChangeAspect="1"/>
+            </p:cNvPicPr>
+            <p:nvPr/>
+          </p:nvPicPr>
+          <p:blipFill>
+            <a:blip r:embed="rId5"/>
+            <a:stretch>
+              <a:fillRect/>
+            </a:stretch>
+          </p:blipFill>
+          <p:spPr>
+            <a:xfrm>
+              <a:off x="6629185" y="4937012"/>
+              <a:ext cx="2840204" cy="1580635"/>
+            </a:xfrm>
+            <a:prstGeom prst="rect">
+              <a:avLst/>
+            </a:prstGeom>
+          </p:spPr>
+        </p:pic>
+        <p:pic>
+          <p:nvPicPr>
+            <p:cNvPr id="28" name="Picture 27" descr="A picture containing text&#10;&#10;Description automatically generated">
+              <a:extLst>
+                <a:ext uri="{FF2B5EF4-FFF2-40B4-BE49-F238E27FC236}">
+                  <a16:creationId xmlns:a16="http://schemas.microsoft.com/office/drawing/2014/main" id="{5D60021F-DD5A-9340-9383-29A091D8D977}"/>
+                </a:ext>
+              </a:extLst>
+            </p:cNvPr>
+            <p:cNvPicPr>
+              <a:picLocks noChangeAspect="1"/>
+            </p:cNvPicPr>
+            <p:nvPr/>
+          </p:nvPicPr>
+          <p:blipFill>
+            <a:blip r:embed="rId6"/>
+            <a:stretch>
+              <a:fillRect/>
+            </a:stretch>
+          </p:blipFill>
+          <p:spPr>
+            <a:xfrm>
+              <a:off x="5922019" y="4900130"/>
+              <a:ext cx="1243692" cy="1654400"/>
+            </a:xfrm>
+            <a:prstGeom prst="rect">
+              <a:avLst/>
+            </a:prstGeom>
+          </p:spPr>
+        </p:pic>
+      </p:grpSp>
+    </p:spTree>
+    <p:extLst>
+      <p:ext uri="{BB962C8B-B14F-4D97-AF65-F5344CB8AC3E}">
+        <p14:creationId xmlns:p14="http://schemas.microsoft.com/office/powerpoint/2010/main" val="4046700918"/>
+      </p:ext>
+    </p:extLst>
+  </p:cSld>
+  <p:clrMapOvr>
+    <a:overrideClrMapping bg1="dk1" tx1="lt1" bg2="dk2" tx2="lt2" accent1="accent1" accent2="accent2" accent3="accent3" accent4="accent4" accent5="accent5" accent6="accent6" hlink="hlink" folHlink="folHlink"/>
+  </p:clrMapOvr>
+</p:sld>
+</file>
+
+<file path=ppt/slides/slide2.xml><?xml version="1.0" encoding="utf-8"?>
+<p:sld xmlns:a="http://schemas.openxmlformats.org/drawingml/2006/main" xmlns:r="http://schemas.openxmlformats.org/officeDocument/2006/relationships" xmlns:p="http://schemas.openxmlformats.org/presentationml/2006/main">
+  <p:cSld>
+    <p:bg>
+      <p:bgPr>
+        <a:solidFill>
+          <a:schemeClr val="bg1">
+            <a:tint val="95000"/>
+            <a:satMod val="170000"/>
+          </a:schemeClr>
+        </a:solidFill>
+        <a:effectLst/>
+      </p:bgPr>
+    </p:bg>
+    <p:spTree>
+      <p:nvGrpSpPr>
+        <p:cNvPr id="1" name=""/>
+        <p:cNvGrpSpPr/>
+        <p:nvPr/>
+      </p:nvGrpSpPr>
+      <p:grpSpPr>
+        <a:xfrm>
+          <a:off x="0" y="0"/>
+          <a:ext cx="0" cy="0"/>
+          <a:chOff x="0" y="0"/>
+          <a:chExt cx="0" cy="0"/>
+        </a:xfrm>
+      </p:grpSpPr>
+      <p:sp>
+        <p:nvSpPr>
+          <p:cNvPr id="7" name="Freeform: Shape 6">
+            <a:extLst>
+              <a:ext uri="{FF2B5EF4-FFF2-40B4-BE49-F238E27FC236}">
+                <a16:creationId xmlns:a16="http://schemas.microsoft.com/office/drawing/2014/main" id="{66B332A4-D438-4773-A77F-5ED49A448D9D}"/>
+              </a:ext>
+              <a:ext uri="{C183D7F6-B498-43B3-948B-1728B52AA6E4}">
+                <adec:decorative xmlns:adec="http://schemas.microsoft.com/office/drawing/2017/decorative" val="1"/>
+              </a:ext>
+            </a:extLst>
+          </p:cNvPr>
+          <p:cNvSpPr>
+            <a:spLocks noGrp="1" noRot="1" noChangeAspect="1" noMove="1" noResize="1" noEditPoints="1" noAdjustHandles="1" noChangeArrowheads="1" noChangeShapeType="1" noTextEdit="1"/>
+          </p:cNvSpPr>
+          <p:nvPr>
+            <p:extLst>
+              <p:ext uri="{386F3935-93C4-4BCD-93E2-E3B085C9AB24}">
+                <p16:designElem xmlns:p16="http://schemas.microsoft.com/office/powerpoint/2015/main" val="1"/>
+              </p:ext>
+            </p:extLst>
+          </p:nvPr>
+        </p:nvSpPr>
+        <p:spPr>
+          <a:xfrm>
+            <a:off x="1953768" y="0"/>
+            <a:ext cx="8284464" cy="6858000"/>
+          </a:xfrm>
+          <a:custGeom>
+            <a:avLst/>
+            <a:gdLst>
+              <a:gd name="connsiteX0" fmla="*/ 1818109 w 8284464"/>
+              <a:gd name="connsiteY0" fmla="*/ 0 h 6858000"/>
+              <a:gd name="connsiteX1" fmla="*/ 6466355 w 8284464"/>
+              <a:gd name="connsiteY1" fmla="*/ 0 h 6858000"/>
+              <a:gd name="connsiteX2" fmla="*/ 6620596 w 8284464"/>
+              <a:gd name="connsiteY2" fmla="*/ 109683 h 6858000"/>
+              <a:gd name="connsiteX3" fmla="*/ 8284464 w 8284464"/>
+              <a:gd name="connsiteY3" fmla="*/ 3429000 h 6858000"/>
+              <a:gd name="connsiteX4" fmla="*/ 6620596 w 8284464"/>
+              <a:gd name="connsiteY4" fmla="*/ 6748318 h 6858000"/>
+              <a:gd name="connsiteX5" fmla="*/ 6466355 w 8284464"/>
+              <a:gd name="connsiteY5" fmla="*/ 6858000 h 6858000"/>
+              <a:gd name="connsiteX6" fmla="*/ 1818109 w 8284464"/>
+              <a:gd name="connsiteY6" fmla="*/ 6858000 h 6858000"/>
+              <a:gd name="connsiteX7" fmla="*/ 1663869 w 8284464"/>
+              <a:gd name="connsiteY7" fmla="*/ 6748318 h 6858000"/>
+              <a:gd name="connsiteX8" fmla="*/ 0 w 8284464"/>
+              <a:gd name="connsiteY8" fmla="*/ 3429000 h 6858000"/>
+              <a:gd name="connsiteX9" fmla="*/ 1663869 w 8284464"/>
+              <a:gd name="connsiteY9" fmla="*/ 109683 h 6858000"/>
+            </a:gdLst>
+            <a:ahLst/>
+            <a:cxnLst>
+              <a:cxn ang="0">
+                <a:pos x="connsiteX0" y="connsiteY0"/>
+              </a:cxn>
+              <a:cxn ang="0">
+                <a:pos x="connsiteX1" y="connsiteY1"/>
+              </a:cxn>
+              <a:cxn ang="0">
+                <a:pos x="connsiteX2" y="connsiteY2"/>
+              </a:cxn>
+              <a:cxn ang="0">
+                <a:pos x="connsiteX3" y="connsiteY3"/>
+              </a:cxn>
+              <a:cxn ang="0">
+                <a:pos x="connsiteX4" y="connsiteY4"/>
+              </a:cxn>
+              <a:cxn ang="0">
+                <a:pos x="connsiteX5" y="connsiteY5"/>
+              </a:cxn>
+              <a:cxn ang="0">
+                <a:pos x="connsiteX6" y="connsiteY6"/>
+              </a:cxn>
+              <a:cxn ang="0">
+                <a:pos x="connsiteX7" y="connsiteY7"/>
+              </a:cxn>
+              <a:cxn ang="0">
+                <a:pos x="connsiteX8" y="connsiteY8"/>
+              </a:cxn>
+              <a:cxn ang="0">
+                <a:pos x="connsiteX9" y="connsiteY9"/>
+              </a:cxn>
+            </a:cxnLst>
+            <a:rect l="l" t="t" r="r" b="b"/>
+            <a:pathLst>
+              <a:path w="8284464" h="6858000">
+                <a:moveTo>
+                  <a:pt x="1818109" y="0"/>
+                </a:moveTo>
+                <a:lnTo>
+                  <a:pt x="6466355" y="0"/>
+                </a:lnTo>
+                <a:lnTo>
+                  <a:pt x="6620596" y="109683"/>
+                </a:lnTo>
+                <a:cubicBezTo>
+                  <a:pt x="7630666" y="865069"/>
+                  <a:pt x="8284464" y="2070683"/>
+                  <a:pt x="8284464" y="3429000"/>
+                </a:cubicBezTo>
+                <a:cubicBezTo>
+                  <a:pt x="8284464" y="4787317"/>
+                  <a:pt x="7630666" y="5992931"/>
+                  <a:pt x="6620596" y="6748318"/>
+                </a:cubicBezTo>
+                <a:lnTo>
+                  <a:pt x="6466355" y="6858000"/>
+                </a:lnTo>
+                <a:lnTo>
+                  <a:pt x="1818109" y="6858000"/>
+                </a:lnTo>
+                <a:lnTo>
+                  <a:pt x="1663869" y="6748318"/>
+                </a:lnTo>
+                <a:cubicBezTo>
+                  <a:pt x="653798" y="5992931"/>
+                  <a:pt x="0" y="4787317"/>
+                  <a:pt x="0" y="3429000"/>
+                </a:cubicBezTo>
+                <a:cubicBezTo>
+                  <a:pt x="0" y="2070683"/>
+                  <a:pt x="653798" y="865069"/>
+                  <a:pt x="1663869" y="109683"/>
+                </a:cubicBezTo>
+                <a:close/>
+              </a:path>
+            </a:pathLst>
+          </a:custGeom>
+          <a:solidFill>
+            <a:srgbClr val="FFFFFF">
+              <a:alpha val="80000"/>
+            </a:srgbClr>
+          </a:solidFill>
+          <a:ln>
+            <a:noFill/>
+          </a:ln>
+        </p:spPr>
+        <p:style>
+          <a:lnRef idx="2">
+            <a:schemeClr val="accent1">
+              <a:shade val="50000"/>
+            </a:schemeClr>
+          </a:lnRef>
+          <a:fillRef idx="1">
+            <a:schemeClr val="accent1"/>
+          </a:fillRef>
+          <a:effectRef idx="0">
+            <a:schemeClr val="accent1"/>
+          </a:effectRef>
+          <a:fontRef idx="minor">
+            <a:schemeClr val="lt1"/>
+          </a:fontRef>
+        </p:style>
+        <p:txBody>
+          <a:bodyPr wrap="square" rtlCol="0" anchor="ctr">
+            <a:noAutofit/>
+          </a:bodyPr>
+          <a:lstStyle/>
+          <a:p>
+            <a:pPr algn="ctr"/>
+            <a:endParaRPr lang="en-US"/>
+          </a:p>
+        </p:txBody>
+      </p:sp>
+      <p:sp>
+        <p:nvSpPr>
+          <p:cNvPr id="9" name="Freeform: Shape 8">
+            <a:extLst>
+              <a:ext uri="{FF2B5EF4-FFF2-40B4-BE49-F238E27FC236}">
+                <a16:creationId xmlns:a16="http://schemas.microsoft.com/office/drawing/2014/main" id="{DF9AD32D-FF05-44F4-BD4D-9CEE89B71EB9}"/>
+              </a:ext>
+              <a:ext uri="{C183D7F6-B498-43B3-948B-1728B52AA6E4}">
+                <adec:decorative xmlns:adec="http://schemas.microsoft.com/office/drawing/2017/decorative" val="1"/>
+              </a:ext>
+            </a:extLst>
+          </p:cNvPr>
+          <p:cNvSpPr>
+            <a:spLocks noGrp="1" noRot="1" noChangeAspect="1" noMove="1" noResize="1" noEditPoints="1" noAdjustHandles="1" noChangeArrowheads="1" noChangeShapeType="1" noTextEdit="1"/>
+          </p:cNvSpPr>
+          <p:nvPr>
+            <p:extLst>
+              <p:ext uri="{386F3935-93C4-4BCD-93E2-E3B085C9AB24}">
+                <p16:designElem xmlns:p16="http://schemas.microsoft.com/office/powerpoint/2015/main" val="1"/>
+              </p:ext>
+            </p:extLst>
+          </p:nvPr>
+        </p:nvSpPr>
+        <p:spPr>
+          <a:xfrm>
+            <a:off x="2118360" y="0"/>
+            <a:ext cx="7955280" cy="6858000"/>
+          </a:xfrm>
+          <a:custGeom>
+            <a:avLst/>
+            <a:gdLst>
+              <a:gd name="connsiteX0" fmla="*/ 1962423 w 7955280"/>
+              <a:gd name="connsiteY0" fmla="*/ 0 h 6858000"/>
+              <a:gd name="connsiteX1" fmla="*/ 5992858 w 7955280"/>
+              <a:gd name="connsiteY1" fmla="*/ 0 h 6858000"/>
+              <a:gd name="connsiteX2" fmla="*/ 6040191 w 7955280"/>
+              <a:gd name="connsiteY2" fmla="*/ 27216 h 6858000"/>
+              <a:gd name="connsiteX3" fmla="*/ 7955280 w 7955280"/>
+              <a:gd name="connsiteY3" fmla="*/ 3429000 h 6858000"/>
+              <a:gd name="connsiteX4" fmla="*/ 6040191 w 7955280"/>
+              <a:gd name="connsiteY4" fmla="*/ 6830784 h 6858000"/>
+              <a:gd name="connsiteX5" fmla="*/ 5992858 w 7955280"/>
+              <a:gd name="connsiteY5" fmla="*/ 6858000 h 6858000"/>
+              <a:gd name="connsiteX6" fmla="*/ 1962423 w 7955280"/>
+              <a:gd name="connsiteY6" fmla="*/ 6858000 h 6858000"/>
+              <a:gd name="connsiteX7" fmla="*/ 1915089 w 7955280"/>
+              <a:gd name="connsiteY7" fmla="*/ 6830784 h 6858000"/>
+              <a:gd name="connsiteX8" fmla="*/ 0 w 7955280"/>
+              <a:gd name="connsiteY8" fmla="*/ 3429000 h 6858000"/>
+              <a:gd name="connsiteX9" fmla="*/ 1915089 w 7955280"/>
+              <a:gd name="connsiteY9" fmla="*/ 27216 h 6858000"/>
+            </a:gdLst>
+            <a:ahLst/>
+            <a:cxnLst>
+              <a:cxn ang="0">
+                <a:pos x="connsiteX0" y="connsiteY0"/>
+              </a:cxn>
+              <a:cxn ang="0">
+                <a:pos x="connsiteX1" y="connsiteY1"/>
+              </a:cxn>
+              <a:cxn ang="0">
+                <a:pos x="connsiteX2" y="connsiteY2"/>
+              </a:cxn>
+              <a:cxn ang="0">
+                <a:pos x="connsiteX3" y="connsiteY3"/>
+              </a:cxn>
+              <a:cxn ang="0">
+                <a:pos x="connsiteX4" y="connsiteY4"/>
+              </a:cxn>
+              <a:cxn ang="0">
+                <a:pos x="connsiteX5" y="connsiteY5"/>
+              </a:cxn>
+              <a:cxn ang="0">
+                <a:pos x="connsiteX6" y="connsiteY6"/>
+              </a:cxn>
+              <a:cxn ang="0">
+                <a:pos x="connsiteX7" y="connsiteY7"/>
+              </a:cxn>
+              <a:cxn ang="0">
+                <a:pos x="connsiteX8" y="connsiteY8"/>
+              </a:cxn>
+              <a:cxn ang="0">
+                <a:pos x="connsiteX9" y="connsiteY9"/>
+              </a:cxn>
+            </a:cxnLst>
+            <a:rect l="l" t="t" r="r" b="b"/>
+            <a:pathLst>
+              <a:path w="7955280" h="6858000">
+                <a:moveTo>
+                  <a:pt x="1962423" y="0"/>
+                </a:moveTo>
+                <a:lnTo>
+                  <a:pt x="5992858" y="0"/>
+                </a:lnTo>
+                <a:lnTo>
+                  <a:pt x="6040191" y="27216"/>
+                </a:lnTo>
+                <a:cubicBezTo>
+                  <a:pt x="7188332" y="724844"/>
+                  <a:pt x="7955280" y="1987357"/>
+                  <a:pt x="7955280" y="3429000"/>
+                </a:cubicBezTo>
+                <a:cubicBezTo>
+                  <a:pt x="7955280" y="4870644"/>
+                  <a:pt x="7188332" y="6133157"/>
+                  <a:pt x="6040191" y="6830784"/>
+                </a:cubicBezTo>
+                <a:lnTo>
+                  <a:pt x="5992858" y="6858000"/>
+                </a:lnTo>
+                <a:lnTo>
+                  <a:pt x="1962423" y="6858000"/>
+                </a:lnTo>
+                <a:lnTo>
+                  <a:pt x="1915089" y="6830784"/>
+                </a:lnTo>
+                <a:cubicBezTo>
+                  <a:pt x="766948" y="6133157"/>
+                  <a:pt x="0" y="4870644"/>
+                  <a:pt x="0" y="3429000"/>
+                </a:cubicBezTo>
+                <a:cubicBezTo>
+                  <a:pt x="0" y="1987357"/>
+                  <a:pt x="766948" y="724844"/>
+                  <a:pt x="1915089" y="27216"/>
+                </a:cubicBezTo>
+                <a:close/>
+              </a:path>
+            </a:pathLst>
+          </a:custGeom>
+          <a:solidFill>
+            <a:schemeClr val="tx1"/>
+          </a:solidFill>
+          <a:ln>
+            <a:noFill/>
+          </a:ln>
+        </p:spPr>
+        <p:style>
+          <a:lnRef idx="2">
+            <a:schemeClr val="accent1">
+              <a:shade val="50000"/>
+            </a:schemeClr>
+          </a:lnRef>
+          <a:fillRef idx="1">
+            <a:schemeClr val="accent1"/>
+          </a:fillRef>
+          <a:effectRef idx="0">
+            <a:schemeClr val="accent1"/>
+          </a:effectRef>
+          <a:fontRef idx="minor">
+            <a:schemeClr val="lt1"/>
+          </a:fontRef>
+        </p:style>
+        <p:txBody>
+          <a:bodyPr wrap="square" rtlCol="0" anchor="ctr">
+            <a:noAutofit/>
+          </a:bodyPr>
+          <a:lstStyle/>
+          <a:p>
+            <a:pPr algn="ctr"/>
+            <a:endParaRPr lang="en-US"/>
+          </a:p>
+        </p:txBody>
+      </p:sp>
+      <p:sp>
+        <p:nvSpPr>
+          <p:cNvPr id="2" name="Title 1">
+            <a:extLst>
+              <a:ext uri="{FF2B5EF4-FFF2-40B4-BE49-F238E27FC236}">
+                <a16:creationId xmlns:a16="http://schemas.microsoft.com/office/drawing/2014/main" id="{2A1FDE18-7FBD-494A-8F21-A4BB3D3455B5}"/>
+              </a:ext>
+            </a:extLst>
+          </p:cNvPr>
+          <p:cNvSpPr>
+            <a:spLocks noGrp="1"/>
+          </p:cNvSpPr>
+          <p:nvPr>
+            <p:ph type="title"/>
+          </p:nvPr>
+        </p:nvSpPr>
+        <p:spPr>
+          <a:xfrm>
+            <a:off x="276888" y="440453"/>
+            <a:ext cx="2205055" cy="735205"/>
+          </a:xfrm>
+        </p:spPr>
+        <p:txBody>
+          <a:bodyPr>
+            <a:normAutofit fontScale="90000"/>
+          </a:bodyPr>
+          <a:lstStyle/>
+          <a:p>
+            <a:pPr algn="ctr"/>
+            <a:r>
+              <a:rPr lang="en-US" sz="5400" dirty="0"/>
+              <a:t>Brief</a:t>
+            </a:r>
+          </a:p>
+        </p:txBody>
+      </p:sp>
+      <p:sp>
+        <p:nvSpPr>
+          <p:cNvPr id="3" name="Rectangle 2">
+            <a:extLst>
+              <a:ext uri="{FF2B5EF4-FFF2-40B4-BE49-F238E27FC236}">
+                <a16:creationId xmlns:a16="http://schemas.microsoft.com/office/drawing/2014/main" id="{6DA37725-DCCF-8643-987C-86DBCFE0BF80}"/>
+              </a:ext>
+            </a:extLst>
+          </p:cNvPr>
+          <p:cNvSpPr/>
+          <p:nvPr/>
+        </p:nvSpPr>
+        <p:spPr>
+          <a:xfrm>
+            <a:off x="3229791" y="912385"/>
+            <a:ext cx="6096000" cy="5261120"/>
+          </a:xfrm>
+          <a:prstGeom prst="rect">
+            <a:avLst/>
+          </a:prstGeom>
+        </p:spPr>
+        <p:txBody>
+          <a:bodyPr>
+            <a:spAutoFit/>
+          </a:bodyPr>
+          <a:lstStyle/>
+          <a:p>
+            <a:r>
+              <a:rPr lang="en-GB" sz="2400" dirty="0">
+                <a:solidFill>
+                  <a:schemeClr val="bg1"/>
+                </a:solidFill>
+              </a:rPr>
+              <a:t>A veterinary practice has approached you to build a web application to help them manage their animals and vets.</a:t>
+            </a:r>
+            <a:br>
+              <a:rPr lang="en-GB" sz="2400" dirty="0">
+                <a:solidFill>
+                  <a:schemeClr val="bg1"/>
+                </a:solidFill>
+              </a:rPr>
+            </a:br>
+            <a:endParaRPr lang="en-GB" sz="2400" dirty="0">
+              <a:solidFill>
+                <a:schemeClr val="bg1"/>
+              </a:solidFill>
+            </a:endParaRPr>
+          </a:p>
+          <a:p>
+            <a:pPr lvl="1">
+              <a:lnSpc>
+                <a:spcPct val="170000"/>
+              </a:lnSpc>
+            </a:pPr>
+            <a:r>
+              <a:rPr lang="en-GB" sz="2400" dirty="0">
+                <a:solidFill>
+                  <a:schemeClr val="bg1"/>
+                </a:solidFill>
+              </a:rPr>
+              <a:t>Vets look after MANY animals</a:t>
+            </a:r>
+          </a:p>
+          <a:p>
+            <a:pPr lvl="1">
+              <a:lnSpc>
+                <a:spcPct val="170000"/>
+              </a:lnSpc>
+            </a:pPr>
+            <a:r>
+              <a:rPr lang="en-GB" sz="2400" dirty="0">
+                <a:solidFill>
+                  <a:schemeClr val="bg1"/>
+                </a:solidFill>
+              </a:rPr>
+              <a:t>Animals have a SINGLE vet</a:t>
+            </a:r>
+          </a:p>
+          <a:p>
+            <a:pPr lvl="1">
+              <a:lnSpc>
+                <a:spcPct val="170000"/>
+              </a:lnSpc>
+            </a:pPr>
+            <a:r>
+              <a:rPr lang="en-GB" sz="2400" dirty="0">
+                <a:solidFill>
+                  <a:schemeClr val="bg1"/>
+                </a:solidFill>
+              </a:rPr>
+              <a:t>Owners can have MANY animals</a:t>
+            </a:r>
+          </a:p>
+          <a:p>
+            <a:pPr lvl="1">
+              <a:lnSpc>
+                <a:spcPct val="170000"/>
+              </a:lnSpc>
+            </a:pPr>
+            <a:r>
+              <a:rPr lang="en-GB" sz="2400" dirty="0">
+                <a:solidFill>
+                  <a:schemeClr val="bg1"/>
+                </a:solidFill>
+              </a:rPr>
+              <a:t>Animals have a SINGLE owner</a:t>
+            </a:r>
+          </a:p>
+          <a:p>
+            <a:pPr lvl="1">
+              <a:lnSpc>
+                <a:spcPct val="170000"/>
+              </a:lnSpc>
+            </a:pPr>
+            <a:r>
+              <a:rPr lang="en-GB" sz="2400" dirty="0">
+                <a:solidFill>
+                  <a:schemeClr val="bg1"/>
+                </a:solidFill>
+              </a:rPr>
+              <a:t>Animals &amp; Vets can have MANY appointments</a:t>
+            </a:r>
+            <a:endParaRPr lang="en-US" sz="2400" dirty="0">
+              <a:solidFill>
+                <a:schemeClr val="bg1"/>
+              </a:solidFill>
+            </a:endParaRPr>
+          </a:p>
+        </p:txBody>
+      </p:sp>
+      <p:pic>
+        <p:nvPicPr>
+          <p:cNvPr id="6" name="Picture 5" descr="A picture containing silhouette&#10;&#10;Description automatically generated">
+            <a:extLst>
+              <a:ext uri="{FF2B5EF4-FFF2-40B4-BE49-F238E27FC236}">
+                <a16:creationId xmlns:a16="http://schemas.microsoft.com/office/drawing/2014/main" id="{AF37568B-CFD8-0E48-BE09-D264538960EB}"/>
+              </a:ext>
+            </a:extLst>
+          </p:cNvPr>
+          <p:cNvPicPr>
+            <a:picLocks noChangeAspect="1"/>
+          </p:cNvPicPr>
+          <p:nvPr/>
+        </p:nvPicPr>
+        <p:blipFill>
+          <a:blip r:embed="rId3"/>
+          <a:stretch>
+            <a:fillRect/>
+          </a:stretch>
+        </p:blipFill>
+        <p:spPr>
+          <a:xfrm>
+            <a:off x="9719827" y="4354286"/>
+            <a:ext cx="2195285" cy="2195285"/>
+          </a:xfrm>
+          <a:prstGeom prst="rect">
+            <a:avLst/>
+          </a:prstGeom>
+        </p:spPr>
+      </p:pic>
+    </p:spTree>
+    <p:extLst>
+      <p:ext uri="{BB962C8B-B14F-4D97-AF65-F5344CB8AC3E}">
+        <p14:creationId xmlns:p14="http://schemas.microsoft.com/office/powerpoint/2010/main" val="3762692199"/>
+      </p:ext>
+    </p:extLst>
+  </p:cSld>
+  <p:clrMapOvr>
+    <a:overrideClrMapping bg1="dk1" tx1="lt1" bg2="dk2" tx2="lt2" accent1="accent1" accent2="accent2" accent3="accent3" accent4="accent4" accent5="accent5" accent6="accent6" hlink="hlink" folHlink="folHlink"/>
+  </p:clrMapOvr>
+</p:sld>
+</file>
+
+<file path=ppt/slides/slide3.xml><?xml version="1.0" encoding="utf-8"?>
+<p:sld xmlns:a="http://schemas.openxmlformats.org/drawingml/2006/main" xmlns:r="http://schemas.openxmlformats.org/officeDocument/2006/relationships" xmlns:p="http://schemas.openxmlformats.org/presentationml/2006/main">
+  <p:cSld>
+    <p:bg>
+      <p:bgPr>
+        <a:solidFill>
+          <a:schemeClr val="bg1">
+            <a:tint val="95000"/>
+            <a:satMod val="170000"/>
+          </a:schemeClr>
+        </a:solidFill>
+        <a:effectLst/>
+      </p:bgPr>
+    </p:bg>
+    <p:spTree>
+      <p:nvGrpSpPr>
+        <p:cNvPr id="1" name=""/>
+        <p:cNvGrpSpPr/>
+        <p:nvPr/>
+      </p:nvGrpSpPr>
+      <p:grpSpPr>
+        <a:xfrm>
+          <a:off x="0" y="0"/>
+          <a:ext cx="0" cy="0"/>
+          <a:chOff x="0" y="0"/>
+          <a:chExt cx="0" cy="0"/>
+        </a:xfrm>
+      </p:grpSpPr>
+      <p:sp>
+        <p:nvSpPr>
+          <p:cNvPr id="7" name="Freeform: Shape 6">
+            <a:extLst>
+              <a:ext uri="{FF2B5EF4-FFF2-40B4-BE49-F238E27FC236}">
+                <a16:creationId xmlns:a16="http://schemas.microsoft.com/office/drawing/2014/main" id="{66B332A4-D438-4773-A77F-5ED49A448D9D}"/>
+              </a:ext>
+              <a:ext uri="{C183D7F6-B498-43B3-948B-1728B52AA6E4}">
+                <adec:decorative xmlns:adec="http://schemas.microsoft.com/office/drawing/2017/decorative" val="1"/>
+              </a:ext>
+            </a:extLst>
+          </p:cNvPr>
+          <p:cNvSpPr>
+            <a:spLocks noGrp="1" noRot="1" noChangeAspect="1" noMove="1" noResize="1" noEditPoints="1" noAdjustHandles="1" noChangeArrowheads="1" noChangeShapeType="1" noTextEdit="1"/>
+          </p:cNvSpPr>
+          <p:nvPr>
+            <p:extLst>
+              <p:ext uri="{386F3935-93C4-4BCD-93E2-E3B085C9AB24}">
+                <p16:designElem xmlns:p16="http://schemas.microsoft.com/office/powerpoint/2015/main" val="1"/>
+              </p:ext>
+            </p:extLst>
+          </p:nvPr>
+        </p:nvSpPr>
+        <p:spPr>
+          <a:xfrm>
+            <a:off x="1953768" y="0"/>
+            <a:ext cx="8284464" cy="6858000"/>
+          </a:xfrm>
+          <a:custGeom>
+            <a:avLst/>
+            <a:gdLst>
+              <a:gd name="connsiteX0" fmla="*/ 1818109 w 8284464"/>
+              <a:gd name="connsiteY0" fmla="*/ 0 h 6858000"/>
+              <a:gd name="connsiteX1" fmla="*/ 6466355 w 8284464"/>
+              <a:gd name="connsiteY1" fmla="*/ 0 h 6858000"/>
+              <a:gd name="connsiteX2" fmla="*/ 6620596 w 8284464"/>
+              <a:gd name="connsiteY2" fmla="*/ 109683 h 6858000"/>
+              <a:gd name="connsiteX3" fmla="*/ 8284464 w 8284464"/>
+              <a:gd name="connsiteY3" fmla="*/ 3429000 h 6858000"/>
+              <a:gd name="connsiteX4" fmla="*/ 6620596 w 8284464"/>
+              <a:gd name="connsiteY4" fmla="*/ 6748318 h 6858000"/>
+              <a:gd name="connsiteX5" fmla="*/ 6466355 w 8284464"/>
+              <a:gd name="connsiteY5" fmla="*/ 6858000 h 6858000"/>
+              <a:gd name="connsiteX6" fmla="*/ 1818109 w 8284464"/>
+              <a:gd name="connsiteY6" fmla="*/ 6858000 h 6858000"/>
+              <a:gd name="connsiteX7" fmla="*/ 1663869 w 8284464"/>
+              <a:gd name="connsiteY7" fmla="*/ 6748318 h 6858000"/>
+              <a:gd name="connsiteX8" fmla="*/ 0 w 8284464"/>
+              <a:gd name="connsiteY8" fmla="*/ 3429000 h 6858000"/>
+              <a:gd name="connsiteX9" fmla="*/ 1663869 w 8284464"/>
+              <a:gd name="connsiteY9" fmla="*/ 109683 h 6858000"/>
+            </a:gdLst>
+            <a:ahLst/>
+            <a:cxnLst>
+              <a:cxn ang="0">
+                <a:pos x="connsiteX0" y="connsiteY0"/>
+              </a:cxn>
+              <a:cxn ang="0">
+                <a:pos x="connsiteX1" y="connsiteY1"/>
+              </a:cxn>
+              <a:cxn ang="0">
+                <a:pos x="connsiteX2" y="connsiteY2"/>
+              </a:cxn>
+              <a:cxn ang="0">
+                <a:pos x="connsiteX3" y="connsiteY3"/>
+              </a:cxn>
+              <a:cxn ang="0">
+                <a:pos x="connsiteX4" y="connsiteY4"/>
+              </a:cxn>
+              <a:cxn ang="0">
+                <a:pos x="connsiteX5" y="connsiteY5"/>
+              </a:cxn>
+              <a:cxn ang="0">
+                <a:pos x="connsiteX6" y="connsiteY6"/>
+              </a:cxn>
+              <a:cxn ang="0">
+                <a:pos x="connsiteX7" y="connsiteY7"/>
+              </a:cxn>
+              <a:cxn ang="0">
+                <a:pos x="connsiteX8" y="connsiteY8"/>
+              </a:cxn>
+              <a:cxn ang="0">
+                <a:pos x="connsiteX9" y="connsiteY9"/>
+              </a:cxn>
+            </a:cxnLst>
+            <a:rect l="l" t="t" r="r" b="b"/>
+            <a:pathLst>
+              <a:path w="8284464" h="6858000">
+                <a:moveTo>
+                  <a:pt x="1818109" y="0"/>
+                </a:moveTo>
+                <a:lnTo>
+                  <a:pt x="6466355" y="0"/>
+                </a:lnTo>
+                <a:lnTo>
+                  <a:pt x="6620596" y="109683"/>
+                </a:lnTo>
+                <a:cubicBezTo>
+                  <a:pt x="7630666" y="865069"/>
+                  <a:pt x="8284464" y="2070683"/>
+                  <a:pt x="8284464" y="3429000"/>
+                </a:cubicBezTo>
+                <a:cubicBezTo>
+                  <a:pt x="8284464" y="4787317"/>
+                  <a:pt x="7630666" y="5992931"/>
+                  <a:pt x="6620596" y="6748318"/>
+                </a:cubicBezTo>
+                <a:lnTo>
+                  <a:pt x="6466355" y="6858000"/>
+                </a:lnTo>
+                <a:lnTo>
+                  <a:pt x="1818109" y="6858000"/>
+                </a:lnTo>
+                <a:lnTo>
+                  <a:pt x="1663869" y="6748318"/>
+                </a:lnTo>
+                <a:cubicBezTo>
+                  <a:pt x="653798" y="5992931"/>
+                  <a:pt x="0" y="4787317"/>
+                  <a:pt x="0" y="3429000"/>
+                </a:cubicBezTo>
+                <a:cubicBezTo>
+                  <a:pt x="0" y="2070683"/>
+                  <a:pt x="653798" y="865069"/>
+                  <a:pt x="1663869" y="109683"/>
+                </a:cubicBezTo>
+                <a:close/>
+              </a:path>
+            </a:pathLst>
+          </a:custGeom>
+          <a:solidFill>
+            <a:srgbClr val="FFFFFF">
+              <a:alpha val="80000"/>
+            </a:srgbClr>
+          </a:solidFill>
+          <a:ln>
+            <a:noFill/>
+          </a:ln>
+        </p:spPr>
+        <p:style>
+          <a:lnRef idx="2">
+            <a:schemeClr val="accent1">
+              <a:shade val="50000"/>
+            </a:schemeClr>
+          </a:lnRef>
+          <a:fillRef idx="1">
+            <a:schemeClr val="accent1"/>
+          </a:fillRef>
+          <a:effectRef idx="0">
+            <a:schemeClr val="accent1"/>
+          </a:effectRef>
+          <a:fontRef idx="minor">
+            <a:schemeClr val="lt1"/>
+          </a:fontRef>
+        </p:style>
+        <p:txBody>
+          <a:bodyPr wrap="square" rtlCol="0" anchor="ctr">
+            <a:noAutofit/>
+          </a:bodyPr>
+          <a:lstStyle/>
+          <a:p>
+            <a:pPr algn="ctr"/>
+            <a:endParaRPr lang="en-US"/>
+          </a:p>
+        </p:txBody>
+      </p:sp>
+      <p:sp>
+        <p:nvSpPr>
+          <p:cNvPr id="9" name="Freeform: Shape 8">
+            <a:extLst>
+              <a:ext uri="{FF2B5EF4-FFF2-40B4-BE49-F238E27FC236}">
+                <a16:creationId xmlns:a16="http://schemas.microsoft.com/office/drawing/2014/main" id="{DF9AD32D-FF05-44F4-BD4D-9CEE89B71EB9}"/>
+              </a:ext>
+              <a:ext uri="{C183D7F6-B498-43B3-948B-1728B52AA6E4}">
+                <adec:decorative xmlns:adec="http://schemas.microsoft.com/office/drawing/2017/decorative" val="1"/>
+              </a:ext>
+            </a:extLst>
+          </p:cNvPr>
+          <p:cNvSpPr>
+            <a:spLocks noGrp="1" noRot="1" noChangeAspect="1" noMove="1" noResize="1" noEditPoints="1" noAdjustHandles="1" noChangeArrowheads="1" noChangeShapeType="1" noTextEdit="1"/>
+          </p:cNvSpPr>
+          <p:nvPr>
+            <p:extLst>
+              <p:ext uri="{386F3935-93C4-4BCD-93E2-E3B085C9AB24}">
+                <p16:designElem xmlns:p16="http://schemas.microsoft.com/office/powerpoint/2015/main" val="1"/>
+              </p:ext>
+            </p:extLst>
+          </p:nvPr>
+        </p:nvSpPr>
+        <p:spPr>
+          <a:xfrm>
+            <a:off x="2118360" y="0"/>
+            <a:ext cx="7955280" cy="6858000"/>
+          </a:xfrm>
+          <a:custGeom>
+            <a:avLst/>
+            <a:gdLst>
+              <a:gd name="connsiteX0" fmla="*/ 1962423 w 7955280"/>
+              <a:gd name="connsiteY0" fmla="*/ 0 h 6858000"/>
+              <a:gd name="connsiteX1" fmla="*/ 5992858 w 7955280"/>
+              <a:gd name="connsiteY1" fmla="*/ 0 h 6858000"/>
+              <a:gd name="connsiteX2" fmla="*/ 6040191 w 7955280"/>
+              <a:gd name="connsiteY2" fmla="*/ 27216 h 6858000"/>
+              <a:gd name="connsiteX3" fmla="*/ 7955280 w 7955280"/>
+              <a:gd name="connsiteY3" fmla="*/ 3429000 h 6858000"/>
+              <a:gd name="connsiteX4" fmla="*/ 6040191 w 7955280"/>
+              <a:gd name="connsiteY4" fmla="*/ 6830784 h 6858000"/>
+              <a:gd name="connsiteX5" fmla="*/ 5992858 w 7955280"/>
+              <a:gd name="connsiteY5" fmla="*/ 6858000 h 6858000"/>
+              <a:gd name="connsiteX6" fmla="*/ 1962423 w 7955280"/>
+              <a:gd name="connsiteY6" fmla="*/ 6858000 h 6858000"/>
+              <a:gd name="connsiteX7" fmla="*/ 1915089 w 7955280"/>
+              <a:gd name="connsiteY7" fmla="*/ 6830784 h 6858000"/>
+              <a:gd name="connsiteX8" fmla="*/ 0 w 7955280"/>
+              <a:gd name="connsiteY8" fmla="*/ 3429000 h 6858000"/>
+              <a:gd name="connsiteX9" fmla="*/ 1915089 w 7955280"/>
+              <a:gd name="connsiteY9" fmla="*/ 27216 h 6858000"/>
+            </a:gdLst>
+            <a:ahLst/>
+            <a:cxnLst>
+              <a:cxn ang="0">
+                <a:pos x="connsiteX0" y="connsiteY0"/>
+              </a:cxn>
+              <a:cxn ang="0">
+                <a:pos x="connsiteX1" y="connsiteY1"/>
+              </a:cxn>
+              <a:cxn ang="0">
+                <a:pos x="connsiteX2" y="connsiteY2"/>
+              </a:cxn>
+              <a:cxn ang="0">
+                <a:pos x="connsiteX3" y="connsiteY3"/>
+              </a:cxn>
+              <a:cxn ang="0">
+                <a:pos x="connsiteX4" y="connsiteY4"/>
+              </a:cxn>
+              <a:cxn ang="0">
+                <a:pos x="connsiteX5" y="connsiteY5"/>
+              </a:cxn>
+              <a:cxn ang="0">
+                <a:pos x="connsiteX6" y="connsiteY6"/>
+              </a:cxn>
+              <a:cxn ang="0">
+                <a:pos x="connsiteX7" y="connsiteY7"/>
+              </a:cxn>
+              <a:cxn ang="0">
+                <a:pos x="connsiteX8" y="connsiteY8"/>
+              </a:cxn>
+              <a:cxn ang="0">
+                <a:pos x="connsiteX9" y="connsiteY9"/>
+              </a:cxn>
+            </a:cxnLst>
+            <a:rect l="l" t="t" r="r" b="b"/>
+            <a:pathLst>
+              <a:path w="7955280" h="6858000">
+                <a:moveTo>
+                  <a:pt x="1962423" y="0"/>
+                </a:moveTo>
+                <a:lnTo>
+                  <a:pt x="5992858" y="0"/>
+                </a:lnTo>
+                <a:lnTo>
+                  <a:pt x="6040191" y="27216"/>
+                </a:lnTo>
+                <a:cubicBezTo>
+                  <a:pt x="7188332" y="724844"/>
+                  <a:pt x="7955280" y="1987357"/>
+                  <a:pt x="7955280" y="3429000"/>
+                </a:cubicBezTo>
+                <a:cubicBezTo>
+                  <a:pt x="7955280" y="4870644"/>
+                  <a:pt x="7188332" y="6133157"/>
+                  <a:pt x="6040191" y="6830784"/>
+                </a:cubicBezTo>
+                <a:lnTo>
+                  <a:pt x="5992858" y="6858000"/>
+                </a:lnTo>
+                <a:lnTo>
+                  <a:pt x="1962423" y="6858000"/>
+                </a:lnTo>
+                <a:lnTo>
+                  <a:pt x="1915089" y="6830784"/>
+                </a:lnTo>
+                <a:cubicBezTo>
+                  <a:pt x="766948" y="6133157"/>
+                  <a:pt x="0" y="4870644"/>
+                  <a:pt x="0" y="3429000"/>
+                </a:cubicBezTo>
+                <a:cubicBezTo>
+                  <a:pt x="0" y="1987357"/>
+                  <a:pt x="766948" y="724844"/>
+                  <a:pt x="1915089" y="27216"/>
+                </a:cubicBezTo>
+                <a:close/>
+              </a:path>
+            </a:pathLst>
+          </a:custGeom>
+          <a:solidFill>
+            <a:schemeClr val="tx1"/>
+          </a:solidFill>
+          <a:ln>
+            <a:noFill/>
+          </a:ln>
+        </p:spPr>
+        <p:style>
+          <a:lnRef idx="2">
+            <a:schemeClr val="accent1">
+              <a:shade val="50000"/>
+            </a:schemeClr>
+          </a:lnRef>
+          <a:fillRef idx="1">
+            <a:schemeClr val="accent1"/>
+          </a:fillRef>
+          <a:effectRef idx="0">
+            <a:schemeClr val="accent1"/>
+          </a:effectRef>
+          <a:fontRef idx="minor">
+            <a:schemeClr val="lt1"/>
+          </a:fontRef>
+        </p:style>
+        <p:txBody>
+          <a:bodyPr wrap="square" rtlCol="0" anchor="ctr">
+            <a:noAutofit/>
+          </a:bodyPr>
+          <a:lstStyle/>
+          <a:p>
+            <a:pPr algn="ctr"/>
+            <a:endParaRPr lang="en-US"/>
+          </a:p>
+        </p:txBody>
+      </p:sp>
+      <p:sp>
+        <p:nvSpPr>
+          <p:cNvPr id="2" name="Title 1">
+            <a:extLst>
+              <a:ext uri="{FF2B5EF4-FFF2-40B4-BE49-F238E27FC236}">
+                <a16:creationId xmlns:a16="http://schemas.microsoft.com/office/drawing/2014/main" id="{2A1FDE18-7FBD-494A-8F21-A4BB3D3455B5}"/>
+              </a:ext>
+            </a:extLst>
+          </p:cNvPr>
+          <p:cNvSpPr>
+            <a:spLocks noGrp="1"/>
+          </p:cNvSpPr>
+          <p:nvPr>
+            <p:ph type="title"/>
+          </p:nvPr>
+        </p:nvSpPr>
+        <p:spPr>
+          <a:xfrm>
+            <a:off x="276888" y="440453"/>
+            <a:ext cx="2205055" cy="735205"/>
+          </a:xfrm>
+        </p:spPr>
+        <p:txBody>
+          <a:bodyPr>
+            <a:normAutofit fontScale="90000"/>
+          </a:bodyPr>
+          <a:lstStyle/>
+          <a:p>
+            <a:pPr algn="ctr"/>
+            <a:r>
+              <a:rPr lang="en-US" sz="5400" dirty="0"/>
+              <a:t>Brief</a:t>
+            </a:r>
+          </a:p>
+        </p:txBody>
+      </p:sp>
+      <p:sp>
+        <p:nvSpPr>
+          <p:cNvPr id="3" name="Rectangle 2">
+            <a:extLst>
+              <a:ext uri="{FF2B5EF4-FFF2-40B4-BE49-F238E27FC236}">
+                <a16:creationId xmlns:a16="http://schemas.microsoft.com/office/drawing/2014/main" id="{6DA37725-DCCF-8643-987C-86DBCFE0BF80}"/>
+              </a:ext>
+            </a:extLst>
+          </p:cNvPr>
+          <p:cNvSpPr/>
+          <p:nvPr/>
+        </p:nvSpPr>
+        <p:spPr>
+          <a:xfrm>
+            <a:off x="3229791" y="0"/>
+            <a:ext cx="6096000" cy="6144439"/>
+          </a:xfrm>
+          <a:prstGeom prst="rect">
+            <a:avLst/>
+          </a:prstGeom>
+        </p:spPr>
+        <p:txBody>
+          <a:bodyPr>
+            <a:spAutoFit/>
+          </a:bodyPr>
+          <a:lstStyle/>
+          <a:p>
+            <a:pPr algn="ctr">
+              <a:lnSpc>
+                <a:spcPct val="200000"/>
+              </a:lnSpc>
+            </a:pPr>
+            <a:r>
+              <a:rPr lang="en-US" sz="3200" dirty="0">
+                <a:solidFill>
+                  <a:schemeClr val="bg1"/>
+                </a:solidFill>
+              </a:rPr>
+              <a:t>Functionality</a:t>
+            </a:r>
+          </a:p>
+          <a:p>
+            <a:pPr>
+              <a:lnSpc>
+                <a:spcPct val="200000"/>
+              </a:lnSpc>
+            </a:pPr>
+            <a:r>
+              <a:rPr lang="en-US" sz="2400" dirty="0">
+                <a:solidFill>
+                  <a:schemeClr val="bg1"/>
+                </a:solidFill>
+              </a:rPr>
+              <a:t>Be able to assign or register Pets with Vets</a:t>
+            </a:r>
+          </a:p>
+          <a:p>
+            <a:pPr>
+              <a:lnSpc>
+                <a:spcPct val="200000"/>
+              </a:lnSpc>
+            </a:pPr>
+            <a:r>
+              <a:rPr lang="en-US" sz="2400" dirty="0">
+                <a:solidFill>
+                  <a:schemeClr val="bg1"/>
+                </a:solidFill>
+              </a:rPr>
+              <a:t>CREATE – Pets, Vets, Owners &amp; Appointments</a:t>
+            </a:r>
+          </a:p>
+          <a:p>
+            <a:pPr>
+              <a:lnSpc>
+                <a:spcPct val="200000"/>
+              </a:lnSpc>
+            </a:pPr>
+            <a:r>
+              <a:rPr lang="en-US" sz="2400" dirty="0">
+                <a:solidFill>
+                  <a:schemeClr val="bg1"/>
+                </a:solidFill>
+              </a:rPr>
+              <a:t>READ – Vet, Pet &amp; Owner records, Appointment details and notes.</a:t>
+            </a:r>
+          </a:p>
+          <a:p>
+            <a:pPr>
+              <a:lnSpc>
+                <a:spcPct val="200000"/>
+              </a:lnSpc>
+            </a:pPr>
+            <a:r>
+              <a:rPr lang="en-US" sz="2400" dirty="0">
+                <a:solidFill>
+                  <a:schemeClr val="bg1"/>
+                </a:solidFill>
+              </a:rPr>
+              <a:t>UPDATE – Owners &amp; Pet records, Vet Details, Appointment Notes</a:t>
+            </a:r>
+          </a:p>
+          <a:p>
+            <a:pPr>
+              <a:lnSpc>
+                <a:spcPct val="200000"/>
+              </a:lnSpc>
+            </a:pPr>
+            <a:r>
+              <a:rPr lang="en-US" sz="2400" dirty="0">
+                <a:solidFill>
+                  <a:schemeClr val="bg1"/>
+                </a:solidFill>
+              </a:rPr>
+              <a:t>DELETE – Pets or Vets that leave the practice.</a:t>
+            </a:r>
+          </a:p>
+        </p:txBody>
+      </p:sp>
+      <p:pic>
+        <p:nvPicPr>
+          <p:cNvPr id="6" name="Picture 5" descr="A picture containing silhouette&#10;&#10;Description automatically generated">
+            <a:extLst>
+              <a:ext uri="{FF2B5EF4-FFF2-40B4-BE49-F238E27FC236}">
+                <a16:creationId xmlns:a16="http://schemas.microsoft.com/office/drawing/2014/main" id="{3D491C85-DB87-BC4F-AB0A-E40FFB5E0CEE}"/>
+              </a:ext>
+            </a:extLst>
+          </p:cNvPr>
+          <p:cNvPicPr>
+            <a:picLocks noChangeAspect="1"/>
+          </p:cNvPicPr>
+          <p:nvPr/>
+        </p:nvPicPr>
+        <p:blipFill>
+          <a:blip r:embed="rId3"/>
+          <a:stretch>
+            <a:fillRect/>
+          </a:stretch>
+        </p:blipFill>
+        <p:spPr>
+          <a:xfrm>
+            <a:off x="9719827" y="4354286"/>
+            <a:ext cx="2195285" cy="2195285"/>
+          </a:xfrm>
+          <a:prstGeom prst="rect">
+            <a:avLst/>
+          </a:prstGeom>
+        </p:spPr>
+      </p:pic>
+    </p:spTree>
+    <p:extLst>
+      <p:ext uri="{BB962C8B-B14F-4D97-AF65-F5344CB8AC3E}">
+        <p14:creationId xmlns:p14="http://schemas.microsoft.com/office/powerpoint/2010/main" val="2621828711"/>
+      </p:ext>
+    </p:extLst>
+  </p:cSld>
+  <p:clrMapOvr>
+    <a:overrideClrMapping bg1="dk1" tx1="lt1" bg2="dk2" tx2="lt2" accent1="accent1" accent2="accent2" accent3="accent3" accent4="accent4" accent5="accent5" accent6="accent6" hlink="hlink" folHlink="folHlink"/>
+  </p:clrMapOvr>
+</p:sld>
+</file>
+
+<file path=ppt/slides/slide4.xml><?xml version="1.0" encoding="utf-8"?>
+<p:sld xmlns:a="http://schemas.openxmlformats.org/drawingml/2006/main" xmlns:r="http://schemas.openxmlformats.org/officeDocument/2006/relationships" xmlns:p="http://schemas.openxmlformats.org/presentationml/2006/main">
+  <p:cSld>
+    <p:bg>
+      <p:bgPr>
+        <a:solidFill>
+          <a:schemeClr val="bg1"/>
+        </a:solidFill>
+        <a:effectLst/>
+      </p:bgPr>
+    </p:bg>
+    <p:spTree>
+      <p:nvGrpSpPr>
+        <p:cNvPr id="1" name=""/>
+        <p:cNvGrpSpPr/>
+        <p:nvPr/>
+      </p:nvGrpSpPr>
+      <p:grpSpPr>
+        <a:xfrm>
+          <a:off x="0" y="0"/>
+          <a:ext cx="0" cy="0"/>
+          <a:chOff x="0" y="0"/>
+          <a:chExt cx="0" cy="0"/>
+        </a:xfrm>
+      </p:grpSpPr>
+      <p:sp>
+        <p:nvSpPr>
+          <p:cNvPr id="20" name="Rectangle 7">
+            <a:extLst>
+              <a:ext uri="{FF2B5EF4-FFF2-40B4-BE49-F238E27FC236}">
+                <a16:creationId xmlns:a16="http://schemas.microsoft.com/office/drawing/2014/main" id="{823AC064-BC96-4F32-8AE1-B2FD38754823}"/>
+              </a:ext>
+              <a:ext uri="{C183D7F6-B498-43B3-948B-1728B52AA6E4}">
+                <adec:decorative xmlns:adec="http://schemas.microsoft.com/office/drawing/2017/decorative" val="1"/>
+              </a:ext>
+            </a:extLst>
+          </p:cNvPr>
+          <p:cNvSpPr>
+            <a:spLocks noGrp="1" noRot="1" noChangeAspect="1" noMove="1" noResize="1" noEditPoints="1" noAdjustHandles="1" noChangeArrowheads="1" noChangeShapeType="1" noTextEdit="1"/>
+          </p:cNvSpPr>
+          <p:nvPr>
+            <p:extLst>
+              <p:ext uri="{386F3935-93C4-4BCD-93E2-E3B085C9AB24}">
+                <p16:designElem xmlns:p16="http://schemas.microsoft.com/office/powerpoint/2015/main" val="1"/>
+              </p:ext>
+            </p:extLst>
+          </p:nvPr>
+        </p:nvSpPr>
+        <p:spPr bwMode="ltGray">
+          <a:xfrm>
+            <a:off x="378068" y="4633546"/>
+            <a:ext cx="11438793" cy="1844256"/>
+          </a:xfrm>
+          <a:prstGeom prst="rect">
+            <a:avLst/>
+          </a:prstGeom>
+          <a:solidFill>
+            <a:schemeClr val="tx1">
+              <a:lumMod val="75000"/>
+              <a:lumOff val="25000"/>
+            </a:schemeClr>
+          </a:solidFill>
+          <a:ln w="127000" cap="sq" cmpd="thinThick">
+            <a:solidFill>
+              <a:schemeClr val="tx1">
+                <a:lumMod val="75000"/>
+                <a:lumOff val="25000"/>
+              </a:schemeClr>
+            </a:solidFill>
+          </a:ln>
+        </p:spPr>
+        <p:style>
+          <a:lnRef idx="2">
+            <a:schemeClr val="accent1">
+              <a:shade val="50000"/>
+            </a:schemeClr>
+          </a:lnRef>
+          <a:fillRef idx="1">
+            <a:schemeClr val="accent1"/>
+          </a:fillRef>
+          <a:effectRef idx="0">
+            <a:schemeClr val="accent1"/>
+          </a:effectRef>
+          <a:fontRef idx="minor">
+            <a:schemeClr val="lt1"/>
+          </a:fontRef>
+        </p:style>
+        <p:txBody>
+          <a:bodyPr rtlCol="0" anchor="ctr"/>
+          <a:lstStyle/>
+          <a:p>
+            <a:pPr marL="0" marR="0" lvl="0" indent="0" algn="ctr" defTabSz="914400" rtl="0" eaLnBrk="1" fontAlgn="auto" latinLnBrk="0" hangingPunct="1">
+              <a:lnSpc>
+                <a:spcPct val="100000"/>
+              </a:lnSpc>
+              <a:spcBef>
+                <a:spcPts val="0"/>
+              </a:spcBef>
+              <a:spcAft>
+                <a:spcPts val="0"/>
+              </a:spcAft>
+              <a:buClrTx/>
+              <a:buSzTx/>
+              <a:buFontTx/>
+              <a:buNone/>
+              <a:tabLst/>
+              <a:defRPr/>
+            </a:pPr>
+            <a:endParaRPr kumimoji="0" lang="en-US" sz="1800" b="0" i="0" u="none" strike="noStrike" kern="1200" cap="none" spc="0" normalizeH="0" baseline="0" noProof="0">
+              <a:ln>
+                <a:noFill/>
+              </a:ln>
+              <a:solidFill>
+                <a:prstClr val="white"/>
+              </a:solidFill>
+              <a:effectLst/>
+              <a:uLnTx/>
+              <a:uFillTx/>
+              <a:latin typeface="Calibri" panose="020F0502020204030204"/>
+              <a:ea typeface="+mn-ea"/>
+              <a:cs typeface="+mn-cs"/>
+            </a:endParaRPr>
+          </a:p>
+        </p:txBody>
+      </p:sp>
+      <p:sp>
+        <p:nvSpPr>
+          <p:cNvPr id="2" name="Title 1">
+            <a:extLst>
+              <a:ext uri="{FF2B5EF4-FFF2-40B4-BE49-F238E27FC236}">
+                <a16:creationId xmlns:a16="http://schemas.microsoft.com/office/drawing/2014/main" id="{720C72A5-AFFF-AC4F-BD18-71AB4D2989A7}"/>
+              </a:ext>
+            </a:extLst>
+          </p:cNvPr>
+          <p:cNvSpPr>
+            <a:spLocks noGrp="1"/>
+          </p:cNvSpPr>
+          <p:nvPr>
+            <p:ph type="title"/>
+          </p:nvPr>
+        </p:nvSpPr>
+        <p:spPr>
+          <a:xfrm>
+            <a:off x="526073" y="4756638"/>
+            <a:ext cx="11139854" cy="930447"/>
+          </a:xfrm>
+        </p:spPr>
+        <p:txBody>
+          <a:bodyPr vert="horz" lIns="91440" tIns="45720" rIns="91440" bIns="45720" rtlCol="0" anchor="b">
+            <a:normAutofit/>
+          </a:bodyPr>
+          <a:lstStyle/>
+          <a:p>
+            <a:pPr algn="ctr"/>
+            <a:r>
+              <a:rPr lang="en-US" sz="5400" kern="1200">
+                <a:solidFill>
+                  <a:schemeClr val="bg1"/>
+                </a:solidFill>
+                <a:latin typeface="+mj-lt"/>
+                <a:ea typeface="+mj-ea"/>
+                <a:cs typeface="+mj-cs"/>
+              </a:rPr>
+              <a:t>Class Diagrams</a:t>
+            </a:r>
+          </a:p>
+        </p:txBody>
+      </p:sp>
+      <p:pic>
+        <p:nvPicPr>
+          <p:cNvPr id="3" name="Content Placeholder 4" descr="Text&#10;&#10;Description automatically generated with low confidence">
+            <a:extLst>
+              <a:ext uri="{FF2B5EF4-FFF2-40B4-BE49-F238E27FC236}">
+                <a16:creationId xmlns:a16="http://schemas.microsoft.com/office/drawing/2014/main" id="{753EA9AC-EF8D-A544-8C6F-82F36CE815F4}"/>
+              </a:ext>
+            </a:extLst>
+          </p:cNvPr>
+          <p:cNvPicPr>
+            <a:picLocks noChangeAspect="1"/>
+          </p:cNvPicPr>
+          <p:nvPr/>
+        </p:nvPicPr>
+        <p:blipFill>
+          <a:blip r:embed="rId3"/>
+          <a:stretch>
+            <a:fillRect/>
+          </a:stretch>
+        </p:blipFill>
+        <p:spPr>
+          <a:xfrm>
+            <a:off x="320040" y="596397"/>
+            <a:ext cx="11496821" cy="3420304"/>
+          </a:xfrm>
+          <a:prstGeom prst="rect">
+            <a:avLst/>
+          </a:prstGeom>
+        </p:spPr>
+      </p:pic>
+      <p:cxnSp>
+        <p:nvCxnSpPr>
+          <p:cNvPr id="21" name="Straight Connector 9">
+            <a:extLst>
+              <a:ext uri="{FF2B5EF4-FFF2-40B4-BE49-F238E27FC236}">
+                <a16:creationId xmlns:a16="http://schemas.microsoft.com/office/drawing/2014/main" id="{7E7C77BC-7138-40B1-A15B-20F57A494629}"/>
+              </a:ext>
+              <a:ext uri="{C183D7F6-B498-43B3-948B-1728B52AA6E4}">
+                <adec:decorative xmlns:adec="http://schemas.microsoft.com/office/drawing/2017/decorative" val="1"/>
+              </a:ext>
+            </a:extLst>
+          </p:cNvPr>
+          <p:cNvCxnSpPr>
+            <a:cxnSpLocks noGrp="1" noRot="1" noChangeAspect="1" noMove="1" noResize="1" noEditPoints="1" noAdjustHandles="1" noChangeArrowheads="1" noChangeShapeType="1"/>
+          </p:cNvCxnSpPr>
+          <p:nvPr>
+            <p:extLst>
+              <p:ext uri="{386F3935-93C4-4BCD-93E2-E3B085C9AB24}">
+                <p16:designElem xmlns:p16="http://schemas.microsoft.com/office/powerpoint/2015/main" val="1"/>
+              </p:ext>
+            </p:extLst>
+          </p:nvPr>
+        </p:nvCxnSpPr>
+        <p:spPr>
+          <a:xfrm>
+            <a:off x="2209800" y="5738691"/>
+            <a:ext cx="7772400" cy="0"/>
+          </a:xfrm>
+          <a:prstGeom prst="line">
+            <a:avLst/>
+          </a:prstGeom>
+          <a:ln w="22225">
+            <a:solidFill>
+              <a:srgbClr val="D9D9D9"/>
+            </a:solidFill>
+          </a:ln>
+        </p:spPr>
+        <p:style>
+          <a:lnRef idx="1">
+            <a:schemeClr val="accent1"/>
+          </a:lnRef>
+          <a:fillRef idx="0">
+            <a:schemeClr val="accent1"/>
+          </a:fillRef>
+          <a:effectRef idx="0">
+            <a:schemeClr val="accent1"/>
+          </a:effectRef>
+          <a:fontRef idx="minor">
+            <a:schemeClr val="tx1"/>
+          </a:fontRef>
+        </p:style>
+      </p:cxnSp>
+    </p:spTree>
+    <p:extLst>
+      <p:ext uri="{BB962C8B-B14F-4D97-AF65-F5344CB8AC3E}">
+        <p14:creationId xmlns:p14="http://schemas.microsoft.com/office/powerpoint/2010/main" val="2477628948"/>
+      </p:ext>
+    </p:extLst>
+  </p:cSld>
+  <p:clrMapOvr>
+    <a:masterClrMapping/>
+  </p:clrMapOvr>
+</p:sld>
+</file>
+
+<file path=ppt/slides/slide5.xml><?xml version="1.0" encoding="utf-8"?>
+<p:sld xmlns:a="http://schemas.openxmlformats.org/drawingml/2006/main" xmlns:r="http://schemas.openxmlformats.org/officeDocument/2006/relationships" xmlns:p="http://schemas.openxmlformats.org/presentationml/2006/main">
+  <p:cSld>
+    <p:bg>
+      <p:bgPr>
+        <a:solidFill>
+          <a:schemeClr val="bg1">
+            <a:tint val="95000"/>
+            <a:satMod val="170000"/>
+          </a:schemeClr>
+        </a:solidFill>
+        <a:effectLst/>
+      </p:bgPr>
+    </p:bg>
+    <p:spTree>
+      <p:nvGrpSpPr>
+        <p:cNvPr id="1" name=""/>
+        <p:cNvGrpSpPr/>
+        <p:nvPr/>
+      </p:nvGrpSpPr>
+      <p:grpSpPr>
+        <a:xfrm>
+          <a:off x="0" y="0"/>
+          <a:ext cx="0" cy="0"/>
+          <a:chOff x="0" y="0"/>
+          <a:chExt cx="0" cy="0"/>
+        </a:xfrm>
+      </p:grpSpPr>
+      <p:sp>
+        <p:nvSpPr>
+          <p:cNvPr id="7" name="Freeform: Shape 6">
+            <a:extLst>
+              <a:ext uri="{FF2B5EF4-FFF2-40B4-BE49-F238E27FC236}">
+                <a16:creationId xmlns:a16="http://schemas.microsoft.com/office/drawing/2014/main" id="{66B332A4-D438-4773-A77F-5ED49A448D9D}"/>
+              </a:ext>
+              <a:ext uri="{C183D7F6-B498-43B3-948B-1728B52AA6E4}">
+                <adec:decorative xmlns:adec="http://schemas.microsoft.com/office/drawing/2017/decorative" val="1"/>
+              </a:ext>
+            </a:extLst>
+          </p:cNvPr>
+          <p:cNvSpPr>
+            <a:spLocks noGrp="1" noRot="1" noChangeAspect="1" noMove="1" noResize="1" noEditPoints="1" noAdjustHandles="1" noChangeArrowheads="1" noChangeShapeType="1" noTextEdit="1"/>
+          </p:cNvSpPr>
+          <p:nvPr>
+            <p:extLst>
+              <p:ext uri="{386F3935-93C4-4BCD-93E2-E3B085C9AB24}">
+                <p16:designElem xmlns:p16="http://schemas.microsoft.com/office/powerpoint/2015/main" val="1"/>
+              </p:ext>
+            </p:extLst>
+          </p:nvPr>
+        </p:nvSpPr>
+        <p:spPr>
+          <a:xfrm>
+            <a:off x="1953768" y="0"/>
+            <a:ext cx="8284464" cy="6858000"/>
+          </a:xfrm>
+          <a:custGeom>
+            <a:avLst/>
+            <a:gdLst>
+              <a:gd name="connsiteX0" fmla="*/ 1818109 w 8284464"/>
+              <a:gd name="connsiteY0" fmla="*/ 0 h 6858000"/>
+              <a:gd name="connsiteX1" fmla="*/ 6466355 w 8284464"/>
+              <a:gd name="connsiteY1" fmla="*/ 0 h 6858000"/>
+              <a:gd name="connsiteX2" fmla="*/ 6620596 w 8284464"/>
+              <a:gd name="connsiteY2" fmla="*/ 109683 h 6858000"/>
+              <a:gd name="connsiteX3" fmla="*/ 8284464 w 8284464"/>
+              <a:gd name="connsiteY3" fmla="*/ 3429000 h 6858000"/>
+              <a:gd name="connsiteX4" fmla="*/ 6620596 w 8284464"/>
+              <a:gd name="connsiteY4" fmla="*/ 6748318 h 6858000"/>
+              <a:gd name="connsiteX5" fmla="*/ 6466355 w 8284464"/>
+              <a:gd name="connsiteY5" fmla="*/ 6858000 h 6858000"/>
+              <a:gd name="connsiteX6" fmla="*/ 1818109 w 8284464"/>
+              <a:gd name="connsiteY6" fmla="*/ 6858000 h 6858000"/>
+              <a:gd name="connsiteX7" fmla="*/ 1663869 w 8284464"/>
+              <a:gd name="connsiteY7" fmla="*/ 6748318 h 6858000"/>
+              <a:gd name="connsiteX8" fmla="*/ 0 w 8284464"/>
+              <a:gd name="connsiteY8" fmla="*/ 3429000 h 6858000"/>
+              <a:gd name="connsiteX9" fmla="*/ 1663869 w 8284464"/>
+              <a:gd name="connsiteY9" fmla="*/ 109683 h 6858000"/>
+            </a:gdLst>
+            <a:ahLst/>
+            <a:cxnLst>
+              <a:cxn ang="0">
+                <a:pos x="connsiteX0" y="connsiteY0"/>
+              </a:cxn>
+              <a:cxn ang="0">
+                <a:pos x="connsiteX1" y="connsiteY1"/>
+              </a:cxn>
+              <a:cxn ang="0">
+                <a:pos x="connsiteX2" y="connsiteY2"/>
+              </a:cxn>
+              <a:cxn ang="0">
+                <a:pos x="connsiteX3" y="connsiteY3"/>
+              </a:cxn>
+              <a:cxn ang="0">
+                <a:pos x="connsiteX4" y="connsiteY4"/>
+              </a:cxn>
+              <a:cxn ang="0">
+                <a:pos x="connsiteX5" y="connsiteY5"/>
+              </a:cxn>
+              <a:cxn ang="0">
+                <a:pos x="connsiteX6" y="connsiteY6"/>
+              </a:cxn>
+              <a:cxn ang="0">
+                <a:pos x="connsiteX7" y="connsiteY7"/>
+              </a:cxn>
+              <a:cxn ang="0">
+                <a:pos x="connsiteX8" y="connsiteY8"/>
+              </a:cxn>
+              <a:cxn ang="0">
+                <a:pos x="connsiteX9" y="connsiteY9"/>
+              </a:cxn>
+            </a:cxnLst>
+            <a:rect l="l" t="t" r="r" b="b"/>
+            <a:pathLst>
+              <a:path w="8284464" h="6858000">
+                <a:moveTo>
+                  <a:pt x="1818109" y="0"/>
+                </a:moveTo>
+                <a:lnTo>
+                  <a:pt x="6466355" y="0"/>
+                </a:lnTo>
+                <a:lnTo>
+                  <a:pt x="6620596" y="109683"/>
+                </a:lnTo>
+                <a:cubicBezTo>
+                  <a:pt x="7630666" y="865069"/>
+                  <a:pt x="8284464" y="2070683"/>
+                  <a:pt x="8284464" y="3429000"/>
+                </a:cubicBezTo>
+                <a:cubicBezTo>
+                  <a:pt x="8284464" y="4787317"/>
+                  <a:pt x="7630666" y="5992931"/>
+                  <a:pt x="6620596" y="6748318"/>
+                </a:cubicBezTo>
+                <a:lnTo>
+                  <a:pt x="6466355" y="6858000"/>
+                </a:lnTo>
+                <a:lnTo>
+                  <a:pt x="1818109" y="6858000"/>
+                </a:lnTo>
+                <a:lnTo>
+                  <a:pt x="1663869" y="6748318"/>
+                </a:lnTo>
+                <a:cubicBezTo>
+                  <a:pt x="653798" y="5992931"/>
+                  <a:pt x="0" y="4787317"/>
+                  <a:pt x="0" y="3429000"/>
+                </a:cubicBezTo>
+                <a:cubicBezTo>
+                  <a:pt x="0" y="2070683"/>
+                  <a:pt x="653798" y="865069"/>
+                  <a:pt x="1663869" y="109683"/>
+                </a:cubicBezTo>
+                <a:close/>
+              </a:path>
+            </a:pathLst>
+          </a:custGeom>
+          <a:solidFill>
+            <a:srgbClr val="FFFFFF">
+              <a:alpha val="80000"/>
+            </a:srgbClr>
+          </a:solidFill>
+          <a:ln>
+            <a:noFill/>
+          </a:ln>
+        </p:spPr>
+        <p:style>
+          <a:lnRef idx="2">
+            <a:schemeClr val="accent1">
+              <a:shade val="50000"/>
+            </a:schemeClr>
+          </a:lnRef>
+          <a:fillRef idx="1">
+            <a:schemeClr val="accent1"/>
+          </a:fillRef>
+          <a:effectRef idx="0">
+            <a:schemeClr val="accent1"/>
+          </a:effectRef>
+          <a:fontRef idx="minor">
+            <a:schemeClr val="lt1"/>
+          </a:fontRef>
+        </p:style>
+        <p:txBody>
+          <a:bodyPr wrap="square" rtlCol="0" anchor="ctr">
+            <a:noAutofit/>
+          </a:bodyPr>
+          <a:lstStyle/>
+          <a:p>
+            <a:pPr algn="ctr"/>
+            <a:endParaRPr lang="en-US"/>
+          </a:p>
+        </p:txBody>
+      </p:sp>
+      <p:sp>
+        <p:nvSpPr>
+          <p:cNvPr id="9" name="Freeform: Shape 8">
+            <a:extLst>
+              <a:ext uri="{FF2B5EF4-FFF2-40B4-BE49-F238E27FC236}">
+                <a16:creationId xmlns:a16="http://schemas.microsoft.com/office/drawing/2014/main" id="{DF9AD32D-FF05-44F4-BD4D-9CEE89B71EB9}"/>
+              </a:ext>
+              <a:ext uri="{C183D7F6-B498-43B3-948B-1728B52AA6E4}">
+                <adec:decorative xmlns:adec="http://schemas.microsoft.com/office/drawing/2017/decorative" val="1"/>
+              </a:ext>
+            </a:extLst>
+          </p:cNvPr>
+          <p:cNvSpPr>
+            <a:spLocks noGrp="1" noRot="1" noChangeAspect="1" noMove="1" noResize="1" noEditPoints="1" noAdjustHandles="1" noChangeArrowheads="1" noChangeShapeType="1" noTextEdit="1"/>
+          </p:cNvSpPr>
+          <p:nvPr>
+            <p:extLst>
+              <p:ext uri="{386F3935-93C4-4BCD-93E2-E3B085C9AB24}">
+                <p16:designElem xmlns:p16="http://schemas.microsoft.com/office/powerpoint/2015/main" val="1"/>
+              </p:ext>
+            </p:extLst>
+          </p:nvPr>
+        </p:nvSpPr>
+        <p:spPr>
+          <a:xfrm>
+            <a:off x="2118360" y="0"/>
+            <a:ext cx="7955280" cy="6858000"/>
+          </a:xfrm>
+          <a:custGeom>
+            <a:avLst/>
+            <a:gdLst>
+              <a:gd name="connsiteX0" fmla="*/ 1962423 w 7955280"/>
+              <a:gd name="connsiteY0" fmla="*/ 0 h 6858000"/>
+              <a:gd name="connsiteX1" fmla="*/ 5992858 w 7955280"/>
+              <a:gd name="connsiteY1" fmla="*/ 0 h 6858000"/>
+              <a:gd name="connsiteX2" fmla="*/ 6040191 w 7955280"/>
+              <a:gd name="connsiteY2" fmla="*/ 27216 h 6858000"/>
+              <a:gd name="connsiteX3" fmla="*/ 7955280 w 7955280"/>
+              <a:gd name="connsiteY3" fmla="*/ 3429000 h 6858000"/>
+              <a:gd name="connsiteX4" fmla="*/ 6040191 w 7955280"/>
+              <a:gd name="connsiteY4" fmla="*/ 6830784 h 6858000"/>
+              <a:gd name="connsiteX5" fmla="*/ 5992858 w 7955280"/>
+              <a:gd name="connsiteY5" fmla="*/ 6858000 h 6858000"/>
+              <a:gd name="connsiteX6" fmla="*/ 1962423 w 7955280"/>
+              <a:gd name="connsiteY6" fmla="*/ 6858000 h 6858000"/>
+              <a:gd name="connsiteX7" fmla="*/ 1915089 w 7955280"/>
+              <a:gd name="connsiteY7" fmla="*/ 6830784 h 6858000"/>
+              <a:gd name="connsiteX8" fmla="*/ 0 w 7955280"/>
+              <a:gd name="connsiteY8" fmla="*/ 3429000 h 6858000"/>
+              <a:gd name="connsiteX9" fmla="*/ 1915089 w 7955280"/>
+              <a:gd name="connsiteY9" fmla="*/ 27216 h 6858000"/>
+            </a:gdLst>
+            <a:ahLst/>
+            <a:cxnLst>
+              <a:cxn ang="0">
+                <a:pos x="connsiteX0" y="connsiteY0"/>
+              </a:cxn>
+              <a:cxn ang="0">
+                <a:pos x="connsiteX1" y="connsiteY1"/>
+              </a:cxn>
+              <a:cxn ang="0">
+                <a:pos x="connsiteX2" y="connsiteY2"/>
+              </a:cxn>
+              <a:cxn ang="0">
+                <a:pos x="connsiteX3" y="connsiteY3"/>
+              </a:cxn>
+              <a:cxn ang="0">
+                <a:pos x="connsiteX4" y="connsiteY4"/>
+              </a:cxn>
+              <a:cxn ang="0">
+                <a:pos x="connsiteX5" y="connsiteY5"/>
+              </a:cxn>
+              <a:cxn ang="0">
+                <a:pos x="connsiteX6" y="connsiteY6"/>
+              </a:cxn>
+              <a:cxn ang="0">
+                <a:pos x="connsiteX7" y="connsiteY7"/>
+              </a:cxn>
+              <a:cxn ang="0">
+                <a:pos x="connsiteX8" y="connsiteY8"/>
+              </a:cxn>
+              <a:cxn ang="0">
+                <a:pos x="connsiteX9" y="connsiteY9"/>
+              </a:cxn>
+            </a:cxnLst>
+            <a:rect l="l" t="t" r="r" b="b"/>
+            <a:pathLst>
+              <a:path w="7955280" h="6858000">
+                <a:moveTo>
+                  <a:pt x="1962423" y="0"/>
+                </a:moveTo>
+                <a:lnTo>
+                  <a:pt x="5992858" y="0"/>
+                </a:lnTo>
+                <a:lnTo>
+                  <a:pt x="6040191" y="27216"/>
+                </a:lnTo>
+                <a:cubicBezTo>
+                  <a:pt x="7188332" y="724844"/>
+                  <a:pt x="7955280" y="1987357"/>
+                  <a:pt x="7955280" y="3429000"/>
+                </a:cubicBezTo>
+                <a:cubicBezTo>
+                  <a:pt x="7955280" y="4870644"/>
+                  <a:pt x="7188332" y="6133157"/>
+                  <a:pt x="6040191" y="6830784"/>
+                </a:cubicBezTo>
+                <a:lnTo>
+                  <a:pt x="5992858" y="6858000"/>
+                </a:lnTo>
+                <a:lnTo>
+                  <a:pt x="1962423" y="6858000"/>
+                </a:lnTo>
+                <a:lnTo>
+                  <a:pt x="1915089" y="6830784"/>
+                </a:lnTo>
+                <a:cubicBezTo>
+                  <a:pt x="766948" y="6133157"/>
+                  <a:pt x="0" y="4870644"/>
+                  <a:pt x="0" y="3429000"/>
+                </a:cubicBezTo>
+                <a:cubicBezTo>
+                  <a:pt x="0" y="1987357"/>
+                  <a:pt x="766948" y="724844"/>
+                  <a:pt x="1915089" y="27216"/>
+                </a:cubicBezTo>
+                <a:close/>
+              </a:path>
+            </a:pathLst>
+          </a:custGeom>
+          <a:solidFill>
+            <a:schemeClr val="tx1"/>
+          </a:solidFill>
+          <a:ln>
+            <a:noFill/>
+          </a:ln>
+        </p:spPr>
+        <p:style>
+          <a:lnRef idx="2">
+            <a:schemeClr val="accent1">
+              <a:shade val="50000"/>
+            </a:schemeClr>
+          </a:lnRef>
+          <a:fillRef idx="1">
+            <a:schemeClr val="accent1"/>
+          </a:fillRef>
+          <a:effectRef idx="0">
+            <a:schemeClr val="accent1"/>
+          </a:effectRef>
+          <a:fontRef idx="minor">
+            <a:schemeClr val="lt1"/>
+          </a:fontRef>
+        </p:style>
+        <p:txBody>
+          <a:bodyPr wrap="square" rtlCol="0" anchor="ctr">
+            <a:noAutofit/>
+          </a:bodyPr>
+          <a:lstStyle/>
+          <a:p>
+            <a:pPr algn="ctr"/>
+            <a:endParaRPr lang="en-US"/>
+          </a:p>
+        </p:txBody>
+      </p:sp>
+      <p:sp>
+        <p:nvSpPr>
+          <p:cNvPr id="5" name="Title 4">
+            <a:extLst>
+              <a:ext uri="{FF2B5EF4-FFF2-40B4-BE49-F238E27FC236}">
+                <a16:creationId xmlns:a16="http://schemas.microsoft.com/office/drawing/2014/main" id="{9AB70B66-5B1A-A844-A99B-F8548ABEB40A}"/>
+              </a:ext>
+            </a:extLst>
+          </p:cNvPr>
+          <p:cNvSpPr>
+            <a:spLocks noGrp="1"/>
+          </p:cNvSpPr>
+          <p:nvPr>
+            <p:ph type="title"/>
+          </p:nvPr>
+        </p:nvSpPr>
+        <p:spPr>
+          <a:xfrm>
+            <a:off x="9880599" y="1014"/>
+            <a:ext cx="2442029" cy="1695904"/>
+          </a:xfrm>
+        </p:spPr>
+        <p:txBody>
+          <a:bodyPr/>
+          <a:lstStyle/>
+          <a:p>
+            <a:r>
+              <a:rPr lang="en-US" dirty="0"/>
+              <a:t>Table Diagram</a:t>
+            </a:r>
+          </a:p>
+        </p:txBody>
+      </p:sp>
+      <p:pic>
+        <p:nvPicPr>
+          <p:cNvPr id="8" name="Picture 7" descr="Graphical user interface&#10;&#10;Description automatically generated">
+            <a:extLst>
+              <a:ext uri="{FF2B5EF4-FFF2-40B4-BE49-F238E27FC236}">
+                <a16:creationId xmlns:a16="http://schemas.microsoft.com/office/drawing/2014/main" id="{23813118-05CD-3247-B95C-DC6B47C31A59}"/>
+              </a:ext>
+            </a:extLst>
+          </p:cNvPr>
+          <p:cNvPicPr>
+            <a:picLocks noChangeAspect="1"/>
+          </p:cNvPicPr>
+          <p:nvPr/>
+        </p:nvPicPr>
+        <p:blipFill>
+          <a:blip r:embed="rId3"/>
+          <a:stretch>
+            <a:fillRect/>
+          </a:stretch>
+        </p:blipFill>
+        <p:spPr>
+          <a:xfrm>
+            <a:off x="840796" y="551036"/>
+            <a:ext cx="9397436" cy="5755928"/>
+          </a:xfrm>
+          <a:prstGeom prst="rect">
+            <a:avLst/>
+          </a:prstGeom>
+          <a:ln>
+            <a:noFill/>
+          </a:ln>
+          <a:effectLst>
+            <a:outerShdw blurRad="76200" dist="63500" dir="5040000" algn="tl" rotWithShape="0">
+              <a:srgbClr val="000000">
+                <a:alpha val="41000"/>
+              </a:srgbClr>
+            </a:outerShdw>
+          </a:effectLst>
+        </p:spPr>
+      </p:pic>
+      <p:pic>
+        <p:nvPicPr>
+          <p:cNvPr id="10" name="Picture 9" descr="A picture containing silhouette&#10;&#10;Description automatically generated">
+            <a:extLst>
+              <a:ext uri="{FF2B5EF4-FFF2-40B4-BE49-F238E27FC236}">
+                <a16:creationId xmlns:a16="http://schemas.microsoft.com/office/drawing/2014/main" id="{5DDA4FC7-389E-4942-9E2E-92C34A47E73A}"/>
+              </a:ext>
+            </a:extLst>
+          </p:cNvPr>
+          <p:cNvPicPr>
+            <a:picLocks noChangeAspect="1"/>
+          </p:cNvPicPr>
+          <p:nvPr/>
+        </p:nvPicPr>
+        <p:blipFill>
+          <a:blip r:embed="rId4"/>
+          <a:stretch>
+            <a:fillRect/>
+          </a:stretch>
+        </p:blipFill>
+        <p:spPr>
+          <a:xfrm>
+            <a:off x="9719827" y="4354286"/>
+            <a:ext cx="2195285" cy="2195285"/>
+          </a:xfrm>
+          <a:prstGeom prst="rect">
+            <a:avLst/>
+          </a:prstGeom>
+        </p:spPr>
+      </p:pic>
+    </p:spTree>
+    <p:extLst>
+      <p:ext uri="{BB962C8B-B14F-4D97-AF65-F5344CB8AC3E}">
+        <p14:creationId xmlns:p14="http://schemas.microsoft.com/office/powerpoint/2010/main" val="2671660596"/>
+      </p:ext>
+    </p:extLst>
+  </p:cSld>
+  <p:clrMapOvr>
+    <a:overrideClrMapping bg1="dk1" tx1="lt1" bg2="dk2" tx2="lt2" accent1="accent1" accent2="accent2" accent3="accent3" accent4="accent4" accent5="accent5" accent6="accent6" hlink="hlink" folHlink="folHlink"/>
+  </p:clrMapOvr>
+</p:sld>
+</file>
+
+<file path=ppt/slides/slide6.xml><?xml version="1.0" encoding="utf-8"?>
+<p:sld xmlns:a="http://schemas.openxmlformats.org/drawingml/2006/main" xmlns:r="http://schemas.openxmlformats.org/officeDocument/2006/relationships" xmlns:p="http://schemas.openxmlformats.org/presentationml/2006/main">
+  <p:cSld>
+    <p:bg>
+      <p:bgPr>
+        <a:solidFill>
+          <a:schemeClr val="bg1">
+            <a:tint val="95000"/>
+            <a:satMod val="170000"/>
+          </a:schemeClr>
+        </a:solidFill>
+        <a:effectLst/>
+      </p:bgPr>
+    </p:bg>
+    <p:spTree>
+      <p:nvGrpSpPr>
+        <p:cNvPr id="1" name=""/>
+        <p:cNvGrpSpPr/>
+        <p:nvPr/>
+      </p:nvGrpSpPr>
+      <p:grpSpPr>
+        <a:xfrm>
+          <a:off x="0" y="0"/>
+          <a:ext cx="0" cy="0"/>
+          <a:chOff x="0" y="0"/>
+          <a:chExt cx="0" cy="0"/>
+        </a:xfrm>
+      </p:grpSpPr>
+      <p:sp>
+        <p:nvSpPr>
+          <p:cNvPr id="7" name="Freeform: Shape 6">
+            <a:extLst>
+              <a:ext uri="{FF2B5EF4-FFF2-40B4-BE49-F238E27FC236}">
+                <a16:creationId xmlns:a16="http://schemas.microsoft.com/office/drawing/2014/main" id="{66B332A4-D438-4773-A77F-5ED49A448D9D}"/>
+              </a:ext>
+              <a:ext uri="{C183D7F6-B498-43B3-948B-1728B52AA6E4}">
+                <adec:decorative xmlns:adec="http://schemas.microsoft.com/office/drawing/2017/decorative" val="1"/>
+              </a:ext>
+            </a:extLst>
+          </p:cNvPr>
+          <p:cNvSpPr>
+            <a:spLocks noGrp="1" noRot="1" noChangeAspect="1" noMove="1" noResize="1" noEditPoints="1" noAdjustHandles="1" noChangeArrowheads="1" noChangeShapeType="1" noTextEdit="1"/>
+          </p:cNvSpPr>
+          <p:nvPr>
+            <p:extLst>
+              <p:ext uri="{386F3935-93C4-4BCD-93E2-E3B085C9AB24}">
+                <p16:designElem xmlns:p16="http://schemas.microsoft.com/office/powerpoint/2015/main" val="1"/>
+              </p:ext>
+            </p:extLst>
+          </p:nvPr>
+        </p:nvSpPr>
+        <p:spPr>
+          <a:xfrm>
+            <a:off x="1953768" y="0"/>
+            <a:ext cx="8284464" cy="6858000"/>
+          </a:xfrm>
+          <a:custGeom>
+            <a:avLst/>
+            <a:gdLst>
+              <a:gd name="connsiteX0" fmla="*/ 1818109 w 8284464"/>
+              <a:gd name="connsiteY0" fmla="*/ 0 h 6858000"/>
+              <a:gd name="connsiteX1" fmla="*/ 6466355 w 8284464"/>
+              <a:gd name="connsiteY1" fmla="*/ 0 h 6858000"/>
+              <a:gd name="connsiteX2" fmla="*/ 6620596 w 8284464"/>
+              <a:gd name="connsiteY2" fmla="*/ 109683 h 6858000"/>
+              <a:gd name="connsiteX3" fmla="*/ 8284464 w 8284464"/>
+              <a:gd name="connsiteY3" fmla="*/ 3429000 h 6858000"/>
+              <a:gd name="connsiteX4" fmla="*/ 6620596 w 8284464"/>
+              <a:gd name="connsiteY4" fmla="*/ 6748318 h 6858000"/>
+              <a:gd name="connsiteX5" fmla="*/ 6466355 w 8284464"/>
+              <a:gd name="connsiteY5" fmla="*/ 6858000 h 6858000"/>
+              <a:gd name="connsiteX6" fmla="*/ 1818109 w 8284464"/>
+              <a:gd name="connsiteY6" fmla="*/ 6858000 h 6858000"/>
+              <a:gd name="connsiteX7" fmla="*/ 1663869 w 8284464"/>
+              <a:gd name="connsiteY7" fmla="*/ 6748318 h 6858000"/>
+              <a:gd name="connsiteX8" fmla="*/ 0 w 8284464"/>
+              <a:gd name="connsiteY8" fmla="*/ 3429000 h 6858000"/>
+              <a:gd name="connsiteX9" fmla="*/ 1663869 w 8284464"/>
+              <a:gd name="connsiteY9" fmla="*/ 109683 h 6858000"/>
+            </a:gdLst>
+            <a:ahLst/>
+            <a:cxnLst>
+              <a:cxn ang="0">
+                <a:pos x="connsiteX0" y="connsiteY0"/>
+              </a:cxn>
+              <a:cxn ang="0">
+                <a:pos x="connsiteX1" y="connsiteY1"/>
+              </a:cxn>
+              <a:cxn ang="0">
+                <a:pos x="connsiteX2" y="connsiteY2"/>
+              </a:cxn>
+              <a:cxn ang="0">
+                <a:pos x="connsiteX3" y="connsiteY3"/>
+              </a:cxn>
+              <a:cxn ang="0">
+                <a:pos x="connsiteX4" y="connsiteY4"/>
+              </a:cxn>
+              <a:cxn ang="0">
+                <a:pos x="connsiteX5" y="connsiteY5"/>
+              </a:cxn>
+              <a:cxn ang="0">
+                <a:pos x="connsiteX6" y="connsiteY6"/>
+              </a:cxn>
+              <a:cxn ang="0">
+                <a:pos x="connsiteX7" y="connsiteY7"/>
+              </a:cxn>
+              <a:cxn ang="0">
+                <a:pos x="connsiteX8" y="connsiteY8"/>
+              </a:cxn>
+              <a:cxn ang="0">
+                <a:pos x="connsiteX9" y="connsiteY9"/>
+              </a:cxn>
+            </a:cxnLst>
+            <a:rect l="l" t="t" r="r" b="b"/>
+            <a:pathLst>
+              <a:path w="8284464" h="6858000">
+                <a:moveTo>
+                  <a:pt x="1818109" y="0"/>
+                </a:moveTo>
+                <a:lnTo>
+                  <a:pt x="6466355" y="0"/>
+                </a:lnTo>
+                <a:lnTo>
+                  <a:pt x="6620596" y="109683"/>
+                </a:lnTo>
+                <a:cubicBezTo>
+                  <a:pt x="7630666" y="865069"/>
+                  <a:pt x="8284464" y="2070683"/>
+                  <a:pt x="8284464" y="3429000"/>
+                </a:cubicBezTo>
+                <a:cubicBezTo>
+                  <a:pt x="8284464" y="4787317"/>
+                  <a:pt x="7630666" y="5992931"/>
+                  <a:pt x="6620596" y="6748318"/>
+                </a:cubicBezTo>
+                <a:lnTo>
+                  <a:pt x="6466355" y="6858000"/>
+                </a:lnTo>
+                <a:lnTo>
+                  <a:pt x="1818109" y="6858000"/>
+                </a:lnTo>
+                <a:lnTo>
+                  <a:pt x="1663869" y="6748318"/>
+                </a:lnTo>
+                <a:cubicBezTo>
+                  <a:pt x="653798" y="5992931"/>
+                  <a:pt x="0" y="4787317"/>
+                  <a:pt x="0" y="3429000"/>
+                </a:cubicBezTo>
+                <a:cubicBezTo>
+                  <a:pt x="0" y="2070683"/>
+                  <a:pt x="653798" y="865069"/>
+                  <a:pt x="1663869" y="109683"/>
+                </a:cubicBezTo>
+                <a:close/>
+              </a:path>
+            </a:pathLst>
+          </a:custGeom>
+          <a:solidFill>
+            <a:srgbClr val="FFFFFF">
+              <a:alpha val="80000"/>
+            </a:srgbClr>
+          </a:solidFill>
+          <a:ln>
+            <a:noFill/>
+          </a:ln>
+        </p:spPr>
+        <p:style>
+          <a:lnRef idx="2">
+            <a:schemeClr val="accent1">
+              <a:shade val="50000"/>
+            </a:schemeClr>
+          </a:lnRef>
+          <a:fillRef idx="1">
+            <a:schemeClr val="accent1"/>
+          </a:fillRef>
+          <a:effectRef idx="0">
+            <a:schemeClr val="accent1"/>
+          </a:effectRef>
+          <a:fontRef idx="minor">
+            <a:schemeClr val="lt1"/>
+          </a:fontRef>
+        </p:style>
+        <p:txBody>
+          <a:bodyPr wrap="square" rtlCol="0" anchor="ctr">
+            <a:noAutofit/>
+          </a:bodyPr>
+          <a:lstStyle/>
+          <a:p>
+            <a:pPr algn="ctr"/>
+            <a:endParaRPr lang="en-US"/>
+          </a:p>
+        </p:txBody>
+      </p:sp>
+      <p:sp>
+        <p:nvSpPr>
+          <p:cNvPr id="9" name="Freeform: Shape 8">
+            <a:extLst>
+              <a:ext uri="{FF2B5EF4-FFF2-40B4-BE49-F238E27FC236}">
+                <a16:creationId xmlns:a16="http://schemas.microsoft.com/office/drawing/2014/main" id="{DF9AD32D-FF05-44F4-BD4D-9CEE89B71EB9}"/>
+              </a:ext>
+              <a:ext uri="{C183D7F6-B498-43B3-948B-1728B52AA6E4}">
+                <adec:decorative xmlns:adec="http://schemas.microsoft.com/office/drawing/2017/decorative" val="1"/>
+              </a:ext>
+            </a:extLst>
+          </p:cNvPr>
+          <p:cNvSpPr>
+            <a:spLocks noGrp="1" noRot="1" noChangeAspect="1" noMove="1" noResize="1" noEditPoints="1" noAdjustHandles="1" noChangeArrowheads="1" noChangeShapeType="1" noTextEdit="1"/>
+          </p:cNvSpPr>
+          <p:nvPr>
+            <p:extLst>
+              <p:ext uri="{386F3935-93C4-4BCD-93E2-E3B085C9AB24}">
+                <p16:designElem xmlns:p16="http://schemas.microsoft.com/office/powerpoint/2015/main" val="1"/>
+              </p:ext>
+            </p:extLst>
+          </p:nvPr>
+        </p:nvSpPr>
+        <p:spPr>
+          <a:xfrm>
+            <a:off x="2118360" y="0"/>
+            <a:ext cx="7955280" cy="6858000"/>
+          </a:xfrm>
+          <a:custGeom>
+            <a:avLst/>
+            <a:gdLst>
+              <a:gd name="connsiteX0" fmla="*/ 1962423 w 7955280"/>
+              <a:gd name="connsiteY0" fmla="*/ 0 h 6858000"/>
+              <a:gd name="connsiteX1" fmla="*/ 5992858 w 7955280"/>
+              <a:gd name="connsiteY1" fmla="*/ 0 h 6858000"/>
+              <a:gd name="connsiteX2" fmla="*/ 6040191 w 7955280"/>
+              <a:gd name="connsiteY2" fmla="*/ 27216 h 6858000"/>
+              <a:gd name="connsiteX3" fmla="*/ 7955280 w 7955280"/>
+              <a:gd name="connsiteY3" fmla="*/ 3429000 h 6858000"/>
+              <a:gd name="connsiteX4" fmla="*/ 6040191 w 7955280"/>
+              <a:gd name="connsiteY4" fmla="*/ 6830784 h 6858000"/>
+              <a:gd name="connsiteX5" fmla="*/ 5992858 w 7955280"/>
+              <a:gd name="connsiteY5" fmla="*/ 6858000 h 6858000"/>
+              <a:gd name="connsiteX6" fmla="*/ 1962423 w 7955280"/>
+              <a:gd name="connsiteY6" fmla="*/ 6858000 h 6858000"/>
+              <a:gd name="connsiteX7" fmla="*/ 1915089 w 7955280"/>
+              <a:gd name="connsiteY7" fmla="*/ 6830784 h 6858000"/>
+              <a:gd name="connsiteX8" fmla="*/ 0 w 7955280"/>
+              <a:gd name="connsiteY8" fmla="*/ 3429000 h 6858000"/>
+              <a:gd name="connsiteX9" fmla="*/ 1915089 w 7955280"/>
+              <a:gd name="connsiteY9" fmla="*/ 27216 h 6858000"/>
+            </a:gdLst>
+            <a:ahLst/>
+            <a:cxnLst>
+              <a:cxn ang="0">
+                <a:pos x="connsiteX0" y="connsiteY0"/>
+              </a:cxn>
+              <a:cxn ang="0">
+                <a:pos x="connsiteX1" y="connsiteY1"/>
+              </a:cxn>
+              <a:cxn ang="0">
+                <a:pos x="connsiteX2" y="connsiteY2"/>
+              </a:cxn>
+              <a:cxn ang="0">
+                <a:pos x="connsiteX3" y="connsiteY3"/>
+              </a:cxn>
+              <a:cxn ang="0">
+                <a:pos x="connsiteX4" y="connsiteY4"/>
+              </a:cxn>
+              <a:cxn ang="0">
+                <a:pos x="connsiteX5" y="connsiteY5"/>
+              </a:cxn>
+              <a:cxn ang="0">
+                <a:pos x="connsiteX6" y="connsiteY6"/>
+              </a:cxn>
+              <a:cxn ang="0">
+                <a:pos x="connsiteX7" y="connsiteY7"/>
+              </a:cxn>
+              <a:cxn ang="0">
+                <a:pos x="connsiteX8" y="connsiteY8"/>
+              </a:cxn>
+              <a:cxn ang="0">
+                <a:pos x="connsiteX9" y="connsiteY9"/>
+              </a:cxn>
+            </a:cxnLst>
+            <a:rect l="l" t="t" r="r" b="b"/>
+            <a:pathLst>
+              <a:path w="7955280" h="6858000">
+                <a:moveTo>
+                  <a:pt x="1962423" y="0"/>
+                </a:moveTo>
+                <a:lnTo>
+                  <a:pt x="5992858" y="0"/>
+                </a:lnTo>
+                <a:lnTo>
+                  <a:pt x="6040191" y="27216"/>
+                </a:lnTo>
+                <a:cubicBezTo>
+                  <a:pt x="7188332" y="724844"/>
+                  <a:pt x="7955280" y="1987357"/>
+                  <a:pt x="7955280" y="3429000"/>
+                </a:cubicBezTo>
+                <a:cubicBezTo>
+                  <a:pt x="7955280" y="4870644"/>
+                  <a:pt x="7188332" y="6133157"/>
+                  <a:pt x="6040191" y="6830784"/>
+                </a:cubicBezTo>
+                <a:lnTo>
+                  <a:pt x="5992858" y="6858000"/>
+                </a:lnTo>
+                <a:lnTo>
+                  <a:pt x="1962423" y="6858000"/>
+                </a:lnTo>
+                <a:lnTo>
+                  <a:pt x="1915089" y="6830784"/>
+                </a:lnTo>
+                <a:cubicBezTo>
+                  <a:pt x="766948" y="6133157"/>
+                  <a:pt x="0" y="4870644"/>
+                  <a:pt x="0" y="3429000"/>
+                </a:cubicBezTo>
+                <a:cubicBezTo>
+                  <a:pt x="0" y="1987357"/>
+                  <a:pt x="766948" y="724844"/>
+                  <a:pt x="1915089" y="27216"/>
+                </a:cubicBezTo>
+                <a:close/>
+              </a:path>
+            </a:pathLst>
+          </a:custGeom>
+          <a:solidFill>
+            <a:schemeClr val="tx1"/>
+          </a:solidFill>
+          <a:ln>
+            <a:noFill/>
+          </a:ln>
+        </p:spPr>
+        <p:style>
+          <a:lnRef idx="2">
+            <a:schemeClr val="accent1">
+              <a:shade val="50000"/>
+            </a:schemeClr>
+          </a:lnRef>
+          <a:fillRef idx="1">
+            <a:schemeClr val="accent1"/>
+          </a:fillRef>
+          <a:effectRef idx="0">
+            <a:schemeClr val="accent1"/>
+          </a:effectRef>
+          <a:fontRef idx="minor">
+            <a:schemeClr val="lt1"/>
+          </a:fontRef>
+        </p:style>
+        <p:txBody>
+          <a:bodyPr wrap="square" rtlCol="0" anchor="ctr">
+            <a:noAutofit/>
+          </a:bodyPr>
+          <a:lstStyle/>
+          <a:p>
+            <a:pPr algn="ctr"/>
+            <a:endParaRPr lang="en-US"/>
+          </a:p>
+        </p:txBody>
+      </p:sp>
+      <p:sp>
+        <p:nvSpPr>
+          <p:cNvPr id="5" name="Title 4">
+            <a:extLst>
+              <a:ext uri="{FF2B5EF4-FFF2-40B4-BE49-F238E27FC236}">
+                <a16:creationId xmlns:a16="http://schemas.microsoft.com/office/drawing/2014/main" id="{9AB70B66-5B1A-A844-A99B-F8548ABEB40A}"/>
+              </a:ext>
+            </a:extLst>
+          </p:cNvPr>
+          <p:cNvSpPr>
+            <a:spLocks noGrp="1"/>
+          </p:cNvSpPr>
+          <p:nvPr>
+            <p:ph type="title"/>
+          </p:nvPr>
+        </p:nvSpPr>
+        <p:spPr>
+          <a:xfrm>
+            <a:off x="9880599" y="26614"/>
+            <a:ext cx="2442029" cy="1695904"/>
+          </a:xfrm>
+        </p:spPr>
+        <p:txBody>
+          <a:bodyPr/>
+          <a:lstStyle/>
+          <a:p>
+            <a:r>
+              <a:rPr lang="en-US" dirty="0"/>
+              <a:t>Site Map</a:t>
+            </a:r>
+          </a:p>
+        </p:txBody>
+      </p:sp>
+      <p:sp>
+        <p:nvSpPr>
+          <p:cNvPr id="10" name="Rounded Rectangle 9">
+            <a:extLst>
+              <a:ext uri="{FF2B5EF4-FFF2-40B4-BE49-F238E27FC236}">
+                <a16:creationId xmlns:a16="http://schemas.microsoft.com/office/drawing/2014/main" id="{FD0A51DB-1D43-1E44-BD45-97435184B294}"/>
+              </a:ext>
+            </a:extLst>
+          </p:cNvPr>
+          <p:cNvSpPr/>
+          <p:nvPr/>
+        </p:nvSpPr>
+        <p:spPr>
+          <a:xfrm>
+            <a:off x="1533676" y="1350301"/>
+            <a:ext cx="264288" cy="553636"/>
+          </a:xfrm>
+          <a:prstGeom prst="roundRect">
+            <a:avLst/>
+          </a:prstGeom>
+          <a:gradFill>
+            <a:gsLst>
+              <a:gs pos="27000">
+                <a:schemeClr val="accent4"/>
+              </a:gs>
+              <a:gs pos="83000">
+                <a:schemeClr val="accent2"/>
+              </a:gs>
+            </a:gsLst>
+            <a:lin ang="2520000" scaled="0"/>
+          </a:gradFill>
+        </p:spPr>
+        <p:style>
+          <a:lnRef idx="2">
+            <a:schemeClr val="accent1">
+              <a:shade val="50000"/>
+            </a:schemeClr>
+          </a:lnRef>
+          <a:fillRef idx="1">
+            <a:schemeClr val="accent1"/>
+          </a:fillRef>
+          <a:effectRef idx="0">
+            <a:schemeClr val="accent1"/>
+          </a:effectRef>
+          <a:fontRef idx="minor">
+            <a:schemeClr val="lt1"/>
+          </a:fontRef>
+        </p:style>
+        <p:txBody>
+          <a:bodyPr rtlCol="0" anchor="ctr"/>
+          <a:lstStyle/>
+          <a:p>
+            <a:pPr algn="ctr"/>
+            <a:endParaRPr lang="en-US"/>
+          </a:p>
+        </p:txBody>
+      </p:sp>
+      <p:sp>
+        <p:nvSpPr>
+          <p:cNvPr id="12" name="Rounded Rectangle 11">
+            <a:extLst>
+              <a:ext uri="{FF2B5EF4-FFF2-40B4-BE49-F238E27FC236}">
+                <a16:creationId xmlns:a16="http://schemas.microsoft.com/office/drawing/2014/main" id="{7C030639-2095-5740-B397-05844E6DF49A}"/>
+              </a:ext>
+            </a:extLst>
+          </p:cNvPr>
+          <p:cNvSpPr/>
+          <p:nvPr/>
+        </p:nvSpPr>
+        <p:spPr>
+          <a:xfrm>
+            <a:off x="1533676" y="2439520"/>
+            <a:ext cx="264288" cy="3276226"/>
+          </a:xfrm>
+          <a:prstGeom prst="roundRect">
+            <a:avLst/>
+          </a:prstGeom>
+          <a:gradFill>
+            <a:gsLst>
+              <a:gs pos="0">
+                <a:schemeClr val="accent6"/>
+              </a:gs>
+              <a:gs pos="51000">
+                <a:schemeClr val="accent4"/>
+              </a:gs>
+              <a:gs pos="96000">
+                <a:srgbClr val="FF0000"/>
+              </a:gs>
+            </a:gsLst>
+            <a:lin ang="2520000" scaled="0"/>
+          </a:gradFill>
+        </p:spPr>
+        <p:style>
+          <a:lnRef idx="2">
+            <a:schemeClr val="accent1">
+              <a:shade val="50000"/>
+            </a:schemeClr>
+          </a:lnRef>
+          <a:fillRef idx="1">
+            <a:schemeClr val="accent1"/>
+          </a:fillRef>
+          <a:effectRef idx="0">
+            <a:schemeClr val="accent1"/>
+          </a:effectRef>
+          <a:fontRef idx="minor">
+            <a:schemeClr val="lt1"/>
+          </a:fontRef>
+        </p:style>
+        <p:txBody>
+          <a:bodyPr rtlCol="0" anchor="ctr"/>
+          <a:lstStyle/>
+          <a:p>
+            <a:pPr algn="ctr"/>
+            <a:endParaRPr lang="en-US" dirty="0"/>
+          </a:p>
+        </p:txBody>
+      </p:sp>
+      <p:pic>
+        <p:nvPicPr>
+          <p:cNvPr id="13" name="Picture 12" descr="Diagram&#10;&#10;Description automatically generated">
+            <a:extLst>
+              <a:ext uri="{FF2B5EF4-FFF2-40B4-BE49-F238E27FC236}">
+                <a16:creationId xmlns:a16="http://schemas.microsoft.com/office/drawing/2014/main" id="{D7D94347-D9E1-6C4B-B1A1-873CDDBDBE02}"/>
+              </a:ext>
+            </a:extLst>
+          </p:cNvPr>
+          <p:cNvPicPr>
+            <a:picLocks noChangeAspect="1"/>
+          </p:cNvPicPr>
+          <p:nvPr/>
+        </p:nvPicPr>
+        <p:blipFill>
+          <a:blip r:embed="rId3"/>
+          <a:stretch>
+            <a:fillRect/>
+          </a:stretch>
+        </p:blipFill>
+        <p:spPr>
+          <a:xfrm>
+            <a:off x="1533676" y="367725"/>
+            <a:ext cx="8761006" cy="5573326"/>
+          </a:xfrm>
+          <a:prstGeom prst="rect">
+            <a:avLst/>
+          </a:prstGeom>
+        </p:spPr>
+      </p:pic>
+      <p:pic>
+        <p:nvPicPr>
+          <p:cNvPr id="14" name="Picture 13" descr="A picture containing silhouette&#10;&#10;Description automatically generated">
+            <a:extLst>
+              <a:ext uri="{FF2B5EF4-FFF2-40B4-BE49-F238E27FC236}">
+                <a16:creationId xmlns:a16="http://schemas.microsoft.com/office/drawing/2014/main" id="{1F702241-E38D-0844-918C-1167EA7365E9}"/>
+              </a:ext>
+            </a:extLst>
+          </p:cNvPr>
+          <p:cNvPicPr>
+            <a:picLocks noChangeAspect="1"/>
+          </p:cNvPicPr>
+          <p:nvPr/>
+        </p:nvPicPr>
+        <p:blipFill>
+          <a:blip r:embed="rId4"/>
+          <a:stretch>
+            <a:fillRect/>
+          </a:stretch>
+        </p:blipFill>
+        <p:spPr>
+          <a:xfrm>
+            <a:off x="9719827" y="4354286"/>
+            <a:ext cx="2195285" cy="2195285"/>
+          </a:xfrm>
+          <a:prstGeom prst="rect">
+            <a:avLst/>
+          </a:prstGeom>
+        </p:spPr>
+      </p:pic>
+    </p:spTree>
+    <p:extLst>
+      <p:ext uri="{BB962C8B-B14F-4D97-AF65-F5344CB8AC3E}">
+        <p14:creationId xmlns:p14="http://schemas.microsoft.com/office/powerpoint/2010/main" val="2013925394"/>
+      </p:ext>
+    </p:extLst>
+  </p:cSld>
+  <p:clrMapOvr>
+    <a:overrideClrMapping bg1="dk1" tx1="lt1" bg2="dk2" tx2="lt2" accent1="accent1" accent2="accent2" accent3="accent3" accent4="accent4" accent5="accent5" accent6="accent6" hlink="hlink" folHlink="folHlink"/>
+  </p:clrMapOvr>
+</p:sld>
+</file>
+
+<file path=ppt/slides/slide7.xml><?xml version="1.0" encoding="utf-8"?>
+<p:sld xmlns:a="http://schemas.openxmlformats.org/drawingml/2006/main" xmlns:r="http://schemas.openxmlformats.org/officeDocument/2006/relationships" xmlns:p="http://schemas.openxmlformats.org/presentationml/2006/main">
+  <p:cSld>
+    <p:bg>
+      <p:bgPr>
+        <a:solidFill>
+          <a:schemeClr val="tx1">
+            <a:lumMod val="75000"/>
+            <a:lumOff val="25000"/>
+          </a:schemeClr>
+        </a:solidFill>
+        <a:effectLst/>
+      </p:bgPr>
+    </p:bg>
+    <p:spTree>
+      <p:nvGrpSpPr>
+        <p:cNvPr id="1" name=""/>
+        <p:cNvGrpSpPr/>
+        <p:nvPr/>
+      </p:nvGrpSpPr>
+      <p:grpSpPr>
+        <a:xfrm>
+          <a:off x="0" y="0"/>
+          <a:ext cx="0" cy="0"/>
+          <a:chOff x="0" y="0"/>
+          <a:chExt cx="0" cy="0"/>
+        </a:xfrm>
+      </p:grpSpPr>
+      <p:sp>
+        <p:nvSpPr>
+          <p:cNvPr id="2" name="Title 1">
+            <a:extLst>
+              <a:ext uri="{FF2B5EF4-FFF2-40B4-BE49-F238E27FC236}">
+                <a16:creationId xmlns:a16="http://schemas.microsoft.com/office/drawing/2014/main" id="{EA513E26-C5BF-6449-BE5E-D6AD4BBF1F37}"/>
+              </a:ext>
+            </a:extLst>
+          </p:cNvPr>
+          <p:cNvSpPr>
+            <a:spLocks noGrp="1"/>
+          </p:cNvSpPr>
+          <p:nvPr>
+            <p:ph type="title"/>
+          </p:nvPr>
+        </p:nvSpPr>
+        <p:spPr>
+          <a:xfrm>
+            <a:off x="10305142" y="365125"/>
+            <a:ext cx="1669143" cy="6127750"/>
+          </a:xfrm>
+        </p:spPr>
+        <p:txBody>
+          <a:bodyPr vert="horz"/>
+          <a:lstStyle/>
+          <a:p>
+            <a:pPr algn="ctr"/>
+            <a:r>
+              <a:rPr lang="en-US" dirty="0">
+                <a:solidFill>
+                  <a:schemeClr val="bg1"/>
+                </a:solidFill>
+              </a:rPr>
+              <a:t>W</a:t>
+            </a:r>
+            <a:br>
+              <a:rPr lang="en-US" dirty="0">
+                <a:solidFill>
+                  <a:schemeClr val="bg1"/>
+                </a:solidFill>
+              </a:rPr>
+            </a:br>
+            <a:r>
+              <a:rPr lang="en-US" dirty="0" err="1">
+                <a:solidFill>
+                  <a:schemeClr val="bg1"/>
+                </a:solidFill>
+              </a:rPr>
+              <a:t>i</a:t>
+            </a:r>
+            <a:br>
+              <a:rPr lang="en-US" dirty="0">
+                <a:solidFill>
+                  <a:schemeClr val="bg1"/>
+                </a:solidFill>
+              </a:rPr>
+            </a:br>
+            <a:r>
+              <a:rPr lang="en-US" dirty="0">
+                <a:solidFill>
+                  <a:schemeClr val="bg1"/>
+                </a:solidFill>
+              </a:rPr>
+              <a:t>r</a:t>
+            </a:r>
+            <a:br>
+              <a:rPr lang="en-US" dirty="0">
+                <a:solidFill>
+                  <a:schemeClr val="bg1"/>
+                </a:solidFill>
+              </a:rPr>
+            </a:br>
+            <a:r>
+              <a:rPr lang="en-US" dirty="0">
+                <a:solidFill>
+                  <a:schemeClr val="bg1"/>
+                </a:solidFill>
+              </a:rPr>
+              <a:t>e</a:t>
+            </a:r>
+            <a:br>
+              <a:rPr lang="en-US" dirty="0">
+                <a:solidFill>
+                  <a:schemeClr val="bg1"/>
+                </a:solidFill>
+              </a:rPr>
+            </a:br>
+            <a:r>
+              <a:rPr lang="en-US" dirty="0">
+                <a:solidFill>
+                  <a:schemeClr val="bg1"/>
+                </a:solidFill>
+              </a:rPr>
+              <a:t>f</a:t>
+            </a:r>
+            <a:br>
+              <a:rPr lang="en-US" dirty="0">
+                <a:solidFill>
+                  <a:schemeClr val="bg1"/>
+                </a:solidFill>
+              </a:rPr>
+            </a:br>
+            <a:r>
+              <a:rPr lang="en-US" dirty="0">
+                <a:solidFill>
+                  <a:schemeClr val="bg1"/>
+                </a:solidFill>
+              </a:rPr>
+              <a:t>r</a:t>
+            </a:r>
+            <a:br>
+              <a:rPr lang="en-US" dirty="0">
+                <a:solidFill>
+                  <a:schemeClr val="bg1"/>
+                </a:solidFill>
+              </a:rPr>
+            </a:br>
+            <a:r>
+              <a:rPr lang="en-US" dirty="0">
+                <a:solidFill>
+                  <a:schemeClr val="bg1"/>
+                </a:solidFill>
+              </a:rPr>
+              <a:t>a</a:t>
+            </a:r>
+            <a:br>
+              <a:rPr lang="en-US" dirty="0">
+                <a:solidFill>
+                  <a:schemeClr val="bg1"/>
+                </a:solidFill>
+              </a:rPr>
+            </a:br>
+            <a:r>
+              <a:rPr lang="en-US" dirty="0">
+                <a:solidFill>
+                  <a:schemeClr val="bg1"/>
+                </a:solidFill>
+              </a:rPr>
+              <a:t>m</a:t>
+            </a:r>
+            <a:br>
+              <a:rPr lang="en-US" dirty="0">
+                <a:solidFill>
+                  <a:schemeClr val="bg1"/>
+                </a:solidFill>
+              </a:rPr>
+            </a:br>
+            <a:r>
+              <a:rPr lang="en-US" dirty="0">
+                <a:solidFill>
+                  <a:schemeClr val="bg1"/>
+                </a:solidFill>
+              </a:rPr>
+              <a:t>e</a:t>
+            </a:r>
+            <a:br>
+              <a:rPr lang="en-US" dirty="0">
+                <a:solidFill>
+                  <a:schemeClr val="bg1"/>
+                </a:solidFill>
+              </a:rPr>
+            </a:br>
+            <a:r>
+              <a:rPr lang="en-US" dirty="0">
+                <a:solidFill>
+                  <a:schemeClr val="bg1"/>
+                </a:solidFill>
+              </a:rPr>
+              <a:t>s</a:t>
+            </a:r>
+          </a:p>
+        </p:txBody>
+      </p:sp>
+      <p:grpSp>
+        <p:nvGrpSpPr>
+          <p:cNvPr id="3" name="Group 2">
+            <a:extLst>
+              <a:ext uri="{FF2B5EF4-FFF2-40B4-BE49-F238E27FC236}">
+                <a16:creationId xmlns:a16="http://schemas.microsoft.com/office/drawing/2014/main" id="{025171FB-F0A0-E642-87EC-981FBE225D24}"/>
+              </a:ext>
+            </a:extLst>
+          </p:cNvPr>
+          <p:cNvGrpSpPr/>
+          <p:nvPr/>
+        </p:nvGrpSpPr>
+        <p:grpSpPr>
+          <a:xfrm>
+            <a:off x="524578" y="362814"/>
+            <a:ext cx="9533725" cy="6130061"/>
+            <a:chOff x="513101" y="363969"/>
+            <a:chExt cx="9533725" cy="6130061"/>
+          </a:xfrm>
+        </p:grpSpPr>
+        <p:pic>
+          <p:nvPicPr>
+            <p:cNvPr id="4" name="Picture 3" descr="Diagram&#10;&#10;Description automatically generated with medium confidence">
+              <a:extLst>
+                <a:ext uri="{FF2B5EF4-FFF2-40B4-BE49-F238E27FC236}">
+                  <a16:creationId xmlns:a16="http://schemas.microsoft.com/office/drawing/2014/main" id="{628D7621-FC36-4548-ADE3-8D835F85974F}"/>
+                </a:ext>
+              </a:extLst>
+            </p:cNvPr>
+            <p:cNvPicPr>
+              <a:picLocks noChangeAspect="1"/>
+            </p:cNvPicPr>
+            <p:nvPr/>
+          </p:nvPicPr>
+          <p:blipFill>
+            <a:blip r:embed="rId3"/>
+            <a:stretch>
+              <a:fillRect/>
+            </a:stretch>
+          </p:blipFill>
+          <p:spPr>
+            <a:xfrm>
+              <a:off x="513101" y="363969"/>
+              <a:ext cx="4690505" cy="2994930"/>
+            </a:xfrm>
+            <a:prstGeom prst="rect">
+              <a:avLst/>
+            </a:prstGeom>
+          </p:spPr>
+        </p:pic>
+        <p:pic>
+          <p:nvPicPr>
+            <p:cNvPr id="5" name="Picture 4" descr="Graphical user interface, application&#10;&#10;Description automatically generated">
+              <a:extLst>
+                <a:ext uri="{FF2B5EF4-FFF2-40B4-BE49-F238E27FC236}">
+                  <a16:creationId xmlns:a16="http://schemas.microsoft.com/office/drawing/2014/main" id="{99E66564-5EEC-6044-A51E-3C9289BE7DD9}"/>
+                </a:ext>
+              </a:extLst>
+            </p:cNvPr>
+            <p:cNvPicPr>
+              <a:picLocks noChangeAspect="1"/>
+            </p:cNvPicPr>
+            <p:nvPr/>
+          </p:nvPicPr>
+          <p:blipFill>
+            <a:blip r:embed="rId4"/>
+            <a:stretch>
+              <a:fillRect/>
+            </a:stretch>
+          </p:blipFill>
+          <p:spPr>
+            <a:xfrm>
+              <a:off x="5356321" y="363969"/>
+              <a:ext cx="4673871" cy="2994930"/>
+            </a:xfrm>
+            <a:prstGeom prst="rect">
+              <a:avLst/>
+            </a:prstGeom>
+          </p:spPr>
+        </p:pic>
+        <p:pic>
+          <p:nvPicPr>
+            <p:cNvPr id="6" name="Picture 5" descr="Diagram, text&#10;&#10;Description automatically generated">
+              <a:extLst>
+                <a:ext uri="{FF2B5EF4-FFF2-40B4-BE49-F238E27FC236}">
+                  <a16:creationId xmlns:a16="http://schemas.microsoft.com/office/drawing/2014/main" id="{579415D9-A335-5B44-B90B-54E1FEBA4211}"/>
+                </a:ext>
+              </a:extLst>
+            </p:cNvPr>
+            <p:cNvPicPr>
+              <a:picLocks noChangeAspect="1"/>
+            </p:cNvPicPr>
+            <p:nvPr/>
+          </p:nvPicPr>
+          <p:blipFill>
+            <a:blip r:embed="rId5"/>
+            <a:stretch>
+              <a:fillRect/>
+            </a:stretch>
+          </p:blipFill>
+          <p:spPr>
+            <a:xfrm>
+              <a:off x="5356321" y="3483112"/>
+              <a:ext cx="4690505" cy="3010918"/>
+            </a:xfrm>
+            <a:prstGeom prst="rect">
+              <a:avLst/>
+            </a:prstGeom>
+          </p:spPr>
+        </p:pic>
+        <p:pic>
+          <p:nvPicPr>
+            <p:cNvPr id="7" name="Picture 6" descr="Text&#10;&#10;Description automatically generated">
+              <a:extLst>
+                <a:ext uri="{FF2B5EF4-FFF2-40B4-BE49-F238E27FC236}">
+                  <a16:creationId xmlns:a16="http://schemas.microsoft.com/office/drawing/2014/main" id="{4AB6C3C8-B405-3F41-BAB1-8142EBCAAAA9}"/>
+                </a:ext>
+              </a:extLst>
+            </p:cNvPr>
+            <p:cNvPicPr>
+              <a:picLocks noChangeAspect="1"/>
+            </p:cNvPicPr>
+            <p:nvPr/>
+          </p:nvPicPr>
+          <p:blipFill>
+            <a:blip r:embed="rId6"/>
+            <a:stretch>
+              <a:fillRect/>
+            </a:stretch>
+          </p:blipFill>
+          <p:spPr>
+            <a:xfrm>
+              <a:off x="526889" y="3483111"/>
+              <a:ext cx="4662927" cy="3010919"/>
+            </a:xfrm>
+            <a:prstGeom prst="rect">
+              <a:avLst/>
+            </a:prstGeom>
+          </p:spPr>
+        </p:pic>
+      </p:grpSp>
+    </p:spTree>
+    <p:extLst>
+      <p:ext uri="{BB962C8B-B14F-4D97-AF65-F5344CB8AC3E}">
+        <p14:creationId xmlns:p14="http://schemas.microsoft.com/office/powerpoint/2010/main" val="3105133030"/>
+      </p:ext>
+    </p:extLst>
+  </p:cSld>
+  <p:clrMapOvr>
+    <a:masterClrMapping/>
+  </p:clrMapOvr>
+</p:sld>
+</file>
+
+<file path=ppt/slides/slide8.xml><?xml version="1.0" encoding="utf-8"?>
+<p:sld xmlns:a="http://schemas.openxmlformats.org/drawingml/2006/main" xmlns:r="http://schemas.openxmlformats.org/officeDocument/2006/relationships" xmlns:p="http://schemas.openxmlformats.org/presentationml/2006/main">
+  <p:cSld>
+    <p:bg>
+      <p:bgPr>
+        <a:solidFill>
+          <a:schemeClr val="tx1">
+            <a:lumMod val="75000"/>
+            <a:lumOff val="25000"/>
+          </a:schemeClr>
+        </a:solidFill>
+        <a:effectLst/>
+      </p:bgPr>
+    </p:bg>
+    <p:spTree>
+      <p:nvGrpSpPr>
+        <p:cNvPr id="1" name=""/>
+        <p:cNvGrpSpPr/>
+        <p:nvPr/>
+      </p:nvGrpSpPr>
+      <p:grpSpPr>
+        <a:xfrm>
+          <a:off x="0" y="0"/>
+          <a:ext cx="0" cy="0"/>
+          <a:chOff x="0" y="0"/>
+          <a:chExt cx="0" cy="0"/>
+        </a:xfrm>
+      </p:grpSpPr>
+      <p:sp>
+        <p:nvSpPr>
+          <p:cNvPr id="3" name="TextBox 2">
+            <a:extLst>
+              <a:ext uri="{FF2B5EF4-FFF2-40B4-BE49-F238E27FC236}">
+                <a16:creationId xmlns:a16="http://schemas.microsoft.com/office/drawing/2014/main" id="{ECF5C934-B915-354C-B31A-0719646112E5}"/>
+              </a:ext>
+            </a:extLst>
+          </p:cNvPr>
+          <p:cNvSpPr txBox="1"/>
+          <p:nvPr/>
+        </p:nvSpPr>
+        <p:spPr>
+          <a:xfrm>
+            <a:off x="3922921" y="2875002"/>
+            <a:ext cx="4901184" cy="1107996"/>
+          </a:xfrm>
+          <a:prstGeom prst="rect">
+            <a:avLst/>
+          </a:prstGeom>
+          <a:noFill/>
+        </p:spPr>
+        <p:txBody>
+          <a:bodyPr wrap="square" rtlCol="0">
+            <a:spAutoFit/>
+          </a:bodyPr>
+          <a:lstStyle/>
+          <a:p>
+            <a:r>
+              <a:rPr lang="en-US" sz="6600" dirty="0">
+                <a:solidFill>
+                  <a:schemeClr val="bg1"/>
+                </a:solidFill>
+                <a:hlinkClick r:id="rId2">
+                  <a:extLst>
+                    <a:ext uri="{A12FA001-AC4F-418D-AE19-62706E023703}">
+                      <ahyp:hlinkClr xmlns:ahyp="http://schemas.microsoft.com/office/drawing/2018/hyperlinkcolor" val="tx"/>
+                    </a:ext>
+                  </a:extLst>
+                </a:hlinkClick>
+              </a:rPr>
+              <a:t>Demo time</a:t>
+            </a:r>
+            <a:endParaRPr lang="en-US" sz="6600" dirty="0">
+              <a:solidFill>
+                <a:schemeClr val="bg1"/>
+              </a:solidFill>
+            </a:endParaRPr>
+          </a:p>
+        </p:txBody>
+      </p:sp>
+    </p:spTree>
+    <p:extLst>
+      <p:ext uri="{BB962C8B-B14F-4D97-AF65-F5344CB8AC3E}">
+        <p14:creationId xmlns:p14="http://schemas.microsoft.com/office/powerpoint/2010/main" val="2380135222"/>
+      </p:ext>
+    </p:extLst>
+  </p:cSld>
+  <p:clrMapOvr>
+    <a:masterClrMapping/>
+  </p:clrMapOvr>
+</p:sld>
+</file>
+
+<file path=ppt/slides/slide9.xml><?xml version="1.0" encoding="utf-8"?>
+<p:sld xmlns:a="http://schemas.openxmlformats.org/drawingml/2006/main" xmlns:r="http://schemas.openxmlformats.org/officeDocument/2006/relationships" xmlns:p="http://schemas.openxmlformats.org/presentationml/2006/main">
+  <p:cSld>
+    <p:bg>
+      <p:bgPr>
+        <a:solidFill>
+          <a:schemeClr val="tx1">
+            <a:lumMod val="75000"/>
+            <a:lumOff val="25000"/>
+          </a:schemeClr>
+        </a:solidFill>
+        <a:effectLst/>
+      </p:bgPr>
+    </p:bg>
+    <p:spTree>
+      <p:nvGrpSpPr>
+        <p:cNvPr id="1" name=""/>
+        <p:cNvGrpSpPr/>
+        <p:nvPr/>
+      </p:nvGrpSpPr>
+      <p:grpSpPr>
+        <a:xfrm>
+          <a:off x="0" y="0"/>
+          <a:ext cx="0" cy="0"/>
+          <a:chOff x="0" y="0"/>
+          <a:chExt cx="0" cy="0"/>
+        </a:xfrm>
+      </p:grpSpPr>
+      <p:sp>
+        <p:nvSpPr>
+          <p:cNvPr id="4" name="TextBox 3">
+            <a:extLst>
+              <a:ext uri="{FF2B5EF4-FFF2-40B4-BE49-F238E27FC236}">
+                <a16:creationId xmlns:a16="http://schemas.microsoft.com/office/drawing/2014/main" id="{0143C5DC-982A-0B46-91BA-75DCB91A5B9D}"/>
+              </a:ext>
+            </a:extLst>
+          </p:cNvPr>
+          <p:cNvSpPr txBox="1"/>
+          <p:nvPr/>
+        </p:nvSpPr>
+        <p:spPr>
+          <a:xfrm>
+            <a:off x="802241" y="360057"/>
+            <a:ext cx="10104698" cy="6063198"/>
+          </a:xfrm>
+          <a:prstGeom prst="rect">
+            <a:avLst/>
+          </a:prstGeom>
+          <a:noFill/>
+        </p:spPr>
+        <p:txBody>
+          <a:bodyPr wrap="square" rtlCol="0">
+            <a:spAutoFit/>
+          </a:bodyPr>
+          <a:lstStyle/>
+          <a:p>
+            <a:r>
+              <a:rPr lang="en-US" sz="3200" dirty="0">
+                <a:solidFill>
+                  <a:schemeClr val="bg1"/>
+                </a:solidFill>
+              </a:rPr>
+              <a:t>Extension Ideas- Must, should, could, won’t</a:t>
+            </a:r>
+          </a:p>
+          <a:p>
+            <a:endParaRPr lang="en-US" sz="3200" dirty="0">
+              <a:solidFill>
+                <a:schemeClr val="bg1"/>
+              </a:solidFill>
+            </a:endParaRPr>
+          </a:p>
+          <a:p>
+            <a:pPr marL="342900" indent="-342900">
+              <a:buFont typeface="+mj-lt"/>
+              <a:buAutoNum type="arabicPeriod"/>
+            </a:pPr>
+            <a:r>
+              <a:rPr lang="en-US" dirty="0">
+                <a:solidFill>
+                  <a:schemeClr val="bg1"/>
+                </a:solidFill>
+              </a:rPr>
+              <a:t>Add warning message for deleting (should) -&gt;</a:t>
+            </a:r>
+            <a:r>
+              <a:rPr lang="en-US" dirty="0" err="1">
+                <a:solidFill>
+                  <a:schemeClr val="bg1"/>
+                </a:solidFill>
+              </a:rPr>
+              <a:t>Javascript</a:t>
+            </a:r>
+            <a:endParaRPr lang="en-US" dirty="0">
+              <a:solidFill>
+                <a:schemeClr val="bg1"/>
+              </a:solidFill>
+            </a:endParaRPr>
+          </a:p>
+          <a:p>
+            <a:pPr marL="342900" indent="-342900">
+              <a:buFont typeface="+mj-lt"/>
+              <a:buAutoNum type="arabicPeriod"/>
+            </a:pPr>
+            <a:r>
+              <a:rPr lang="en-US" strike="sngStrike" dirty="0">
+                <a:solidFill>
+                  <a:schemeClr val="bg1"/>
+                </a:solidFill>
+              </a:rPr>
+              <a:t>Set vet for making appts so not editable(should)</a:t>
+            </a:r>
+          </a:p>
+          <a:p>
+            <a:pPr marL="342900" indent="-342900">
+              <a:buFont typeface="+mj-lt"/>
+              <a:buAutoNum type="arabicPeriod"/>
+            </a:pPr>
+            <a:r>
+              <a:rPr lang="en-US" dirty="0">
+                <a:solidFill>
+                  <a:schemeClr val="bg1"/>
+                </a:solidFill>
+              </a:rPr>
+              <a:t>Add confirm message for updates (Should) -&gt; </a:t>
+            </a:r>
+            <a:r>
+              <a:rPr lang="en-US" dirty="0" err="1">
+                <a:solidFill>
+                  <a:schemeClr val="bg1"/>
+                </a:solidFill>
+              </a:rPr>
+              <a:t>Javascript</a:t>
+            </a:r>
+            <a:endParaRPr lang="en-US" dirty="0">
+              <a:solidFill>
+                <a:schemeClr val="bg1"/>
+              </a:solidFill>
+            </a:endParaRPr>
+          </a:p>
+          <a:p>
+            <a:pPr marL="342900" indent="-342900">
+              <a:buFont typeface="+mj-lt"/>
+              <a:buAutoNum type="arabicPeriod"/>
+            </a:pPr>
+            <a:r>
+              <a:rPr lang="en-US" dirty="0">
+                <a:solidFill>
+                  <a:schemeClr val="bg1"/>
+                </a:solidFill>
+              </a:rPr>
+              <a:t>Age or dob option? (should) could solve with dummy dob based on reg date &amp; dob known bool</a:t>
+            </a:r>
+          </a:p>
+          <a:p>
+            <a:pPr marL="342900" indent="-342900">
+              <a:buFont typeface="+mj-lt"/>
+              <a:buAutoNum type="arabicPeriod"/>
+            </a:pPr>
+            <a:r>
+              <a:rPr lang="en-US" strike="sngStrike" dirty="0">
+                <a:solidFill>
+                  <a:schemeClr val="bg1"/>
+                </a:solidFill>
+              </a:rPr>
+              <a:t>Add all appointments in aside on view selected page (should)</a:t>
+            </a:r>
+          </a:p>
+          <a:p>
+            <a:pPr marL="342900" indent="-342900">
+              <a:buFont typeface="+mj-lt"/>
+              <a:buAutoNum type="arabicPeriod"/>
+            </a:pPr>
+            <a:r>
+              <a:rPr lang="en-US" strike="sngStrike" dirty="0">
+                <a:solidFill>
+                  <a:schemeClr val="bg1"/>
+                </a:solidFill>
+              </a:rPr>
+              <a:t>Add animals/owners/vet in second aside (should)</a:t>
+            </a:r>
+          </a:p>
+          <a:p>
+            <a:pPr marL="342900" indent="-342900">
+              <a:buFont typeface="+mj-lt"/>
+              <a:buAutoNum type="arabicPeriod"/>
+            </a:pPr>
+            <a:r>
+              <a:rPr lang="en-US" strike="sngStrike" dirty="0">
+                <a:solidFill>
+                  <a:schemeClr val="bg1"/>
+                </a:solidFill>
+              </a:rPr>
+              <a:t>Make all fields required when adding new entries(should)</a:t>
+            </a:r>
+          </a:p>
+          <a:p>
+            <a:pPr marL="342900" indent="-342900">
+              <a:buFont typeface="+mj-lt"/>
+              <a:buAutoNum type="arabicPeriod"/>
+            </a:pPr>
+            <a:r>
+              <a:rPr lang="en-US" strike="sngStrike" dirty="0">
+                <a:solidFill>
+                  <a:schemeClr val="bg1"/>
+                </a:solidFill>
+              </a:rPr>
+              <a:t>sort appointments by date</a:t>
+            </a:r>
+            <a:r>
+              <a:rPr lang="en-US" dirty="0">
+                <a:solidFill>
+                  <a:schemeClr val="bg1"/>
+                </a:solidFill>
+              </a:rPr>
+              <a:t>, animal, vet, owner (should)</a:t>
+            </a:r>
+          </a:p>
+          <a:p>
+            <a:pPr marL="342900" indent="-342900">
+              <a:buFont typeface="+mj-lt"/>
+              <a:buAutoNum type="arabicPeriod"/>
+            </a:pPr>
+            <a:r>
+              <a:rPr lang="en-US" dirty="0">
+                <a:solidFill>
+                  <a:schemeClr val="bg1"/>
+                </a:solidFill>
+              </a:rPr>
+              <a:t>Add submenu items – add/edit/all (should)</a:t>
+            </a:r>
+          </a:p>
+          <a:p>
+            <a:pPr marL="342900" indent="-342900">
+              <a:buFont typeface="+mj-lt"/>
+              <a:buAutoNum type="arabicPeriod"/>
+            </a:pPr>
+            <a:r>
+              <a:rPr lang="en-US" dirty="0">
+                <a:solidFill>
+                  <a:schemeClr val="bg1"/>
+                </a:solidFill>
+              </a:rPr>
+              <a:t>Add pages to list results (could)</a:t>
+            </a:r>
+          </a:p>
+          <a:p>
+            <a:pPr marL="342900" indent="-342900">
+              <a:buFont typeface="+mj-lt"/>
+              <a:buAutoNum type="arabicPeriod"/>
+            </a:pPr>
+            <a:r>
+              <a:rPr lang="en-US" dirty="0">
+                <a:solidFill>
+                  <a:schemeClr val="bg1"/>
+                </a:solidFill>
+              </a:rPr>
+              <a:t>Add short note with option to expand (could)</a:t>
+            </a:r>
+          </a:p>
+          <a:p>
+            <a:pPr marL="342900" indent="-342900">
+              <a:buFont typeface="+mj-lt"/>
+              <a:buAutoNum type="arabicPeriod"/>
+            </a:pPr>
+            <a:r>
+              <a:rPr lang="en-US" dirty="0">
+                <a:solidFill>
+                  <a:schemeClr val="bg1"/>
+                </a:solidFill>
+              </a:rPr>
+              <a:t>Filter by in clinic – handle check in/out (could)</a:t>
+            </a:r>
+          </a:p>
+          <a:p>
+            <a:pPr marL="342900" indent="-342900">
+              <a:buFont typeface="+mj-lt"/>
+              <a:buAutoNum type="arabicPeriod"/>
+            </a:pPr>
+            <a:r>
+              <a:rPr lang="en-US" dirty="0">
+                <a:solidFill>
+                  <a:schemeClr val="bg1"/>
+                </a:solidFill>
+              </a:rPr>
+              <a:t>Check if owner exists when add new owner (could)</a:t>
+            </a:r>
+          </a:p>
+          <a:p>
+            <a:pPr marL="342900" indent="-342900">
+              <a:buFont typeface="+mj-lt"/>
+              <a:buAutoNum type="arabicPeriod"/>
+            </a:pPr>
+            <a:r>
+              <a:rPr lang="en-US" dirty="0">
+                <a:solidFill>
+                  <a:schemeClr val="bg1"/>
+                </a:solidFill>
+              </a:rPr>
+              <a:t>Media queries – collapsible menus </a:t>
+            </a:r>
+            <a:r>
+              <a:rPr lang="en-US" dirty="0" err="1">
+                <a:solidFill>
+                  <a:schemeClr val="bg1"/>
+                </a:solidFill>
+              </a:rPr>
+              <a:t>etc</a:t>
+            </a:r>
+            <a:r>
+              <a:rPr lang="en-US" dirty="0">
+                <a:solidFill>
+                  <a:schemeClr val="bg1"/>
+                </a:solidFill>
+              </a:rPr>
+              <a:t> (could)</a:t>
+            </a:r>
+          </a:p>
+          <a:p>
+            <a:pPr marL="342900" indent="-342900">
+              <a:buFont typeface="+mj-lt"/>
+              <a:buAutoNum type="arabicPeriod"/>
+            </a:pPr>
+            <a:r>
+              <a:rPr lang="en-US" dirty="0">
+                <a:solidFill>
+                  <a:schemeClr val="bg1"/>
+                </a:solidFill>
+              </a:rPr>
+              <a:t>Login page – different views for user type, </a:t>
+            </a:r>
+            <a:r>
+              <a:rPr lang="en-US" dirty="0" err="1">
+                <a:solidFill>
+                  <a:schemeClr val="bg1"/>
+                </a:solidFill>
+              </a:rPr>
+              <a:t>ie</a:t>
+            </a:r>
+            <a:r>
+              <a:rPr lang="en-US" dirty="0">
+                <a:solidFill>
+                  <a:schemeClr val="bg1"/>
+                </a:solidFill>
+              </a:rPr>
+              <a:t> Vet or Reception (could)</a:t>
+            </a:r>
+          </a:p>
+          <a:p>
+            <a:pPr marL="342900" indent="-342900">
+              <a:buFont typeface="+mj-lt"/>
+              <a:buAutoNum type="arabicPeriod"/>
+            </a:pPr>
+            <a:r>
+              <a:rPr lang="en-US" dirty="0">
+                <a:solidFill>
+                  <a:schemeClr val="bg1"/>
+                </a:solidFill>
+              </a:rPr>
+              <a:t>Billing? (Could)</a:t>
+            </a:r>
+          </a:p>
+          <a:p>
+            <a:pPr marL="342900" indent="-342900">
+              <a:buFont typeface="+mj-lt"/>
+              <a:buAutoNum type="arabicPeriod"/>
+            </a:pPr>
+            <a:r>
+              <a:rPr lang="en-US" dirty="0">
+                <a:solidFill>
+                  <a:schemeClr val="bg1"/>
+                </a:solidFill>
+              </a:rPr>
+              <a:t>Online booking (won’t)</a:t>
+            </a:r>
+          </a:p>
+          <a:p>
+            <a:pPr marL="285750" indent="-285750">
+              <a:buFont typeface="Arial" panose="020B0604020202020204" pitchFamily="34" charset="0"/>
+              <a:buChar char="•"/>
+            </a:pPr>
+            <a:endParaRPr lang="en-US" dirty="0">
+              <a:solidFill>
+                <a:schemeClr val="bg1"/>
+              </a:solidFill>
+            </a:endParaRPr>
+          </a:p>
+        </p:txBody>
+      </p:sp>
+      <p:pic>
+        <p:nvPicPr>
+          <p:cNvPr id="5" name="Picture 4" descr="A picture containing silhouette&#10;&#10;Description automatically generated">
+            <a:extLst>
+              <a:ext uri="{FF2B5EF4-FFF2-40B4-BE49-F238E27FC236}">
+                <a16:creationId xmlns:a16="http://schemas.microsoft.com/office/drawing/2014/main" id="{C8F85394-FC8C-FE4B-8EB6-23263B0ED4E6}"/>
+              </a:ext>
+            </a:extLst>
+          </p:cNvPr>
+          <p:cNvPicPr>
+            <a:picLocks noChangeAspect="1"/>
+          </p:cNvPicPr>
+          <p:nvPr/>
+        </p:nvPicPr>
+        <p:blipFill>
+          <a:blip r:embed="rId2"/>
+          <a:stretch>
+            <a:fillRect/>
+          </a:stretch>
+        </p:blipFill>
+        <p:spPr>
+          <a:xfrm>
+            <a:off x="4950533" y="-301316"/>
+            <a:ext cx="9147628" cy="9147628"/>
+          </a:xfrm>
+          <a:prstGeom prst="rect">
+            <a:avLst/>
+          </a:prstGeom>
+        </p:spPr>
+      </p:pic>
+    </p:spTree>
+    <p:extLst>
+      <p:ext uri="{BB962C8B-B14F-4D97-AF65-F5344CB8AC3E}">
+        <p14:creationId xmlns:p14="http://schemas.microsoft.com/office/powerpoint/2010/main" val="2287209868"/>
+      </p:ext>
+    </p:extLst>
+  </p:cSld>
+  <p:clrMapOvr>
+    <a:masterClrMapping/>
+  </p:clrMapOvr>
+</p:sld>
+</file>
+
 <file path=ppt/theme/theme1.xml><?xml version="1.0" encoding="utf-8"?>
 <a:theme xmlns:a="http://schemas.openxmlformats.org/drawingml/2006/main" name="Office Theme">
   <a:themeElements>
@@ -3961,4 +10055,299 @@
     </a:ext>
   </a:extLst>
 </a:theme>
+</file>
+
+<file path=ppt/theme/theme2.xml><?xml version="1.0" encoding="utf-8"?>
+<a:theme xmlns:a="http://schemas.openxmlformats.org/drawingml/2006/main" name="Office Theme">
+  <a:themeElements>
+    <a:clrScheme name="Office">
+      <a:dk1>
+        <a:sysClr val="windowText" lastClr="000000"/>
+      </a:dk1>
+      <a:lt1>
+        <a:sysClr val="window" lastClr="FFFFFF"/>
+      </a:lt1>
+      <a:dk2>
+        <a:srgbClr val="44546A"/>
+      </a:dk2>
+      <a:lt2>
+        <a:srgbClr val="E7E6E6"/>
+      </a:lt2>
+      <a:accent1>
+        <a:srgbClr val="4472C4"/>
+      </a:accent1>
+      <a:accent2>
+        <a:srgbClr val="ED7D31"/>
+      </a:accent2>
+      <a:accent3>
+        <a:srgbClr val="A5A5A5"/>
+      </a:accent3>
+      <a:accent4>
+        <a:srgbClr val="FFC000"/>
+      </a:accent4>
+      <a:accent5>
+        <a:srgbClr val="5B9BD5"/>
+      </a:accent5>
+      <a:accent6>
+        <a:srgbClr val="70AD47"/>
+      </a:accent6>
+      <a:hlink>
+        <a:srgbClr val="0563C1"/>
+      </a:hlink>
+      <a:folHlink>
+        <a:srgbClr val="954F72"/>
+      </a:folHlink>
+    </a:clrScheme>
+    <a:fontScheme name="Office">
+      <a:majorFont>
+        <a:latin typeface="Calibri Light" panose="020F0302020204030204"/>
+        <a:ea typeface=""/>
+        <a:cs typeface=""/>
+        <a:font script="Jpan" typeface="游ゴシック Light"/>
+        <a:font script="Hang" typeface="맑은 고딕"/>
+        <a:font script="Hans" typeface="等线 Light"/>
+        <a:font script="Hant" typeface="新細明體"/>
+        <a:font script="Arab" typeface="Times New Roman"/>
+        <a:font script="Hebr" typeface="Times New Roman"/>
+        <a:font script="Thai" typeface="Angsana New"/>
+        <a:font script="Ethi" typeface="Nyala"/>
+        <a:font script="Beng" typeface="Vrinda"/>
+        <a:font script="Gujr" typeface="Shruti"/>
+        <a:font script="Khmr" typeface="MoolBoran"/>
+        <a:font script="Knda" typeface="Tunga"/>
+        <a:font script="Guru" typeface="Raavi"/>
+        <a:font script="Cans" typeface="Euphemia"/>
+        <a:font script="Cher" typeface="Plantagenet Cherokee"/>
+        <a:font script="Yiii" typeface="Microsoft Yi Baiti"/>
+        <a:font script="Tibt" typeface="Microsoft Himalaya"/>
+        <a:font script="Thaa" typeface="MV Boli"/>
+        <a:font script="Deva" typeface="Mangal"/>
+        <a:font script="Telu" typeface="Gautami"/>
+        <a:font script="Taml" typeface="Latha"/>
+        <a:font script="Syrc" typeface="Estrangelo Edessa"/>
+        <a:font script="Orya" typeface="Kalinga"/>
+        <a:font script="Mlym" typeface="Kartika"/>
+        <a:font script="Laoo" typeface="DokChampa"/>
+        <a:font script="Sinh" typeface="Iskoola Pota"/>
+        <a:font script="Mong" typeface="Mongolian Baiti"/>
+        <a:font script="Viet" typeface="Times New Roman"/>
+        <a:font script="Uigh" typeface="Microsoft Uighur"/>
+        <a:font script="Geor" typeface="Sylfaen"/>
+        <a:font script="Armn" typeface="Arial"/>
+        <a:font script="Bugi" typeface="Leelawadee UI"/>
+        <a:font script="Bopo" typeface="Microsoft JhengHei"/>
+        <a:font script="Java" typeface="Javanese Text"/>
+        <a:font script="Lisu" typeface="Segoe UI"/>
+        <a:font script="Mymr" typeface="Myanmar Text"/>
+        <a:font script="Nkoo" typeface="Ebrima"/>
+        <a:font script="Olck" typeface="Nirmala UI"/>
+        <a:font script="Osma" typeface="Ebrima"/>
+        <a:font script="Phag" typeface="Phagspa"/>
+        <a:font script="Syrn" typeface="Estrangelo Edessa"/>
+        <a:font script="Syrj" typeface="Estrangelo Edessa"/>
+        <a:font script="Syre" typeface="Estrangelo Edessa"/>
+        <a:font script="Sora" typeface="Nirmala UI"/>
+        <a:font script="Tale" typeface="Microsoft Tai Le"/>
+        <a:font script="Talu" typeface="Microsoft New Tai Lue"/>
+        <a:font script="Tfng" typeface="Ebrima"/>
+      </a:majorFont>
+      <a:minorFont>
+        <a:latin typeface="Calibri" panose="020F0502020204030204"/>
+        <a:ea typeface=""/>
+        <a:cs typeface=""/>
+        <a:font script="Jpan" typeface="游ゴシック"/>
+        <a:font script="Hang" typeface="맑은 고딕"/>
+        <a:font script="Hans" typeface="等线"/>
+        <a:font script="Hant" typeface="新細明體"/>
+        <a:font script="Arab" typeface="Arial"/>
+        <a:font script="Hebr" typeface="Arial"/>
+        <a:font script="Thai" typeface="Cordia New"/>
+        <a:font script="Ethi" typeface="Nyala"/>
+        <a:font script="Beng" typeface="Vrinda"/>
+        <a:font script="Gujr" typeface="Shruti"/>
+        <a:font script="Khmr" typeface="DaunPenh"/>
+        <a:font script="Knda" typeface="Tunga"/>
+        <a:font script="Guru" typeface="Raavi"/>
+        <a:font script="Cans" typeface="Euphemia"/>
+        <a:font script="Cher" typeface="Plantagenet Cherokee"/>
+        <a:font script="Yiii" typeface="Microsoft Yi Baiti"/>
+        <a:font script="Tibt" typeface="Microsoft Himalaya"/>
+        <a:font script="Thaa" typeface="MV Boli"/>
+        <a:font script="Deva" typeface="Mangal"/>
+        <a:font script="Telu" typeface="Gautami"/>
+        <a:font script="Taml" typeface="Latha"/>
+        <a:font script="Syrc" typeface="Estrangelo Edessa"/>
+        <a:font script="Orya" typeface="Kalinga"/>
+        <a:font script="Mlym" typeface="Kartika"/>
+        <a:font script="Laoo" typeface="DokChampa"/>
+        <a:font script="Sinh" typeface="Iskoola Pota"/>
+        <a:font script="Mong" typeface="Mongolian Baiti"/>
+        <a:font script="Viet" typeface="Arial"/>
+        <a:font script="Uigh" typeface="Microsoft Uighur"/>
+        <a:font script="Geor" typeface="Sylfaen"/>
+        <a:font script="Armn" typeface="Arial"/>
+        <a:font script="Bugi" typeface="Leelawadee UI"/>
+        <a:font script="Bopo" typeface="Microsoft JhengHei"/>
+        <a:font script="Java" typeface="Javanese Text"/>
+        <a:font script="Lisu" typeface="Segoe UI"/>
+        <a:font script="Mymr" typeface="Myanmar Text"/>
+        <a:font script="Nkoo" typeface="Ebrima"/>
+        <a:font script="Olck" typeface="Nirmala UI"/>
+        <a:font script="Osma" typeface="Ebrima"/>
+        <a:font script="Phag" typeface="Phagspa"/>
+        <a:font script="Syrn" typeface="Estrangelo Edessa"/>
+        <a:font script="Syrj" typeface="Estrangelo Edessa"/>
+        <a:font script="Syre" typeface="Estrangelo Edessa"/>
+        <a:font script="Sora" typeface="Nirmala UI"/>
+        <a:font script="Tale" typeface="Microsoft Tai Le"/>
+        <a:font script="Talu" typeface="Microsoft New Tai Lue"/>
+        <a:font script="Tfng" typeface="Ebrima"/>
+      </a:minorFont>
+    </a:fontScheme>
+    <a:fmtScheme name="Office">
+      <a:fillStyleLst>
+        <a:solidFill>
+          <a:schemeClr val="phClr"/>
+        </a:solidFill>
+        <a:gradFill rotWithShape="1">
+          <a:gsLst>
+            <a:gs pos="0">
+              <a:schemeClr val="phClr">
+                <a:lumMod val="110000"/>
+                <a:satMod val="105000"/>
+                <a:tint val="67000"/>
+              </a:schemeClr>
+            </a:gs>
+            <a:gs pos="50000">
+              <a:schemeClr val="phClr">
+                <a:lumMod val="105000"/>
+                <a:satMod val="103000"/>
+                <a:tint val="73000"/>
+              </a:schemeClr>
+            </a:gs>
+            <a:gs pos="100000">
+              <a:schemeClr val="phClr">
+                <a:lumMod val="105000"/>
+                <a:satMod val="109000"/>
+                <a:tint val="81000"/>
+              </a:schemeClr>
+            </a:gs>
+          </a:gsLst>
+          <a:lin ang="5400000" scaled="0"/>
+        </a:gradFill>
+        <a:gradFill rotWithShape="1">
+          <a:gsLst>
+            <a:gs pos="0">
+              <a:schemeClr val="phClr">
+                <a:satMod val="103000"/>
+                <a:lumMod val="102000"/>
+                <a:tint val="94000"/>
+              </a:schemeClr>
+            </a:gs>
+            <a:gs pos="50000">
+              <a:schemeClr val="phClr">
+                <a:satMod val="110000"/>
+                <a:lumMod val="100000"/>
+                <a:shade val="100000"/>
+              </a:schemeClr>
+            </a:gs>
+            <a:gs pos="100000">
+              <a:schemeClr val="phClr">
+                <a:lumMod val="99000"/>
+                <a:satMod val="120000"/>
+                <a:shade val="78000"/>
+              </a:schemeClr>
+            </a:gs>
+          </a:gsLst>
+          <a:lin ang="5400000" scaled="0"/>
+        </a:gradFill>
+      </a:fillStyleLst>
+      <a:lnStyleLst>
+        <a:ln w="6350" cap="flat" cmpd="sng" algn="ctr">
+          <a:solidFill>
+            <a:schemeClr val="phClr"/>
+          </a:solidFill>
+          <a:prstDash val="solid"/>
+          <a:miter lim="800000"/>
+        </a:ln>
+        <a:ln w="12700" cap="flat" cmpd="sng" algn="ctr">
+          <a:solidFill>
+            <a:schemeClr val="phClr"/>
+          </a:solidFill>
+          <a:prstDash val="solid"/>
+          <a:miter lim="800000"/>
+        </a:ln>
+        <a:ln w="19050" cap="flat" cmpd="sng" algn="ctr">
+          <a:solidFill>
+            <a:schemeClr val="phClr"/>
+          </a:solidFill>
+          <a:prstDash val="solid"/>
+          <a:miter lim="800000"/>
+        </a:ln>
+      </a:lnStyleLst>
+      <a:effectStyleLst>
+        <a:effectStyle>
+          <a:effectLst/>
+        </a:effectStyle>
+        <a:effectStyle>
+          <a:effectLst/>
+        </a:effectStyle>
+        <a:effectStyle>
+          <a:effectLst>
+            <a:outerShdw blurRad="57150" dist="19050" dir="5400000" algn="ctr" rotWithShape="0">
+              <a:srgbClr val="000000">
+                <a:alpha val="63000"/>
+              </a:srgbClr>
+            </a:outerShdw>
+          </a:effectLst>
+        </a:effectStyle>
+      </a:effectStyleLst>
+      <a:bgFillStyleLst>
+        <a:solidFill>
+          <a:schemeClr val="phClr"/>
+        </a:solidFill>
+        <a:solidFill>
+          <a:schemeClr val="phClr">
+            <a:tint val="95000"/>
+            <a:satMod val="170000"/>
+          </a:schemeClr>
+        </a:solidFill>
+        <a:gradFill rotWithShape="1">
+          <a:gsLst>
+            <a:gs pos="0">
+              <a:schemeClr val="phClr">
+                <a:tint val="93000"/>
+                <a:satMod val="150000"/>
+                <a:shade val="98000"/>
+                <a:lumMod val="102000"/>
+              </a:schemeClr>
+            </a:gs>
+            <a:gs pos="50000">
+              <a:schemeClr val="phClr">
+                <a:tint val="98000"/>
+                <a:satMod val="130000"/>
+                <a:shade val="90000"/>
+                <a:lumMod val="103000"/>
+              </a:schemeClr>
+            </a:gs>
+            <a:gs pos="100000">
+              <a:schemeClr val="phClr">
+                <a:shade val="63000"/>
+                <a:satMod val="120000"/>
+              </a:schemeClr>
+            </a:gs>
+          </a:gsLst>
+          <a:lin ang="5400000" scaled="0"/>
+        </a:gradFill>
+      </a:bgFillStyleLst>
+    </a:fmtScheme>
+  </a:themeElements>
+  <a:objectDefaults/>
+  <a:extraClrSchemeLst/>
+  <a:extLst>
+    <a:ext uri="{05A4C25C-085E-4340-85A3-A5531E510DB2}">
+      <thm15:themeFamily xmlns:thm15="http://schemas.microsoft.com/office/thememl/2012/main" name="Office Theme" id="{62F939B6-93AF-4DB8-9C6B-D6C7DFDC589F}" vid="{4A3C46E8-61CC-4603-A589-7422A47A8E4A}"/>
+    </a:ext>
+  </a:extLst>
+</a:theme>
 </file>